--- a/Presentations/Climate Change project update week 3 copy simon.pptx
+++ b/Presentations/Climate Change project update week 3 copy simon.pptx
@@ -5,31 +5,38 @@
     <p:sldMasterId id="2147483648" r:id="rId1"/>
   </p:sldMasterIdLst>
   <p:notesMasterIdLst>
-    <p:notesMasterId r:id="rId14"/>
+    <p:notesMasterId r:id="rId21"/>
   </p:notesMasterIdLst>
   <p:sldIdLst>
     <p:sldId id="256" r:id="rId2"/>
     <p:sldId id="257" r:id="rId3"/>
     <p:sldId id="266" r:id="rId4"/>
-    <p:sldId id="258" r:id="rId5"/>
-    <p:sldId id="267" r:id="rId6"/>
-    <p:sldId id="259" r:id="rId7"/>
-    <p:sldId id="260" r:id="rId8"/>
-    <p:sldId id="261" r:id="rId9"/>
-    <p:sldId id="262" r:id="rId10"/>
-    <p:sldId id="263" r:id="rId11"/>
-    <p:sldId id="264" r:id="rId12"/>
-    <p:sldId id="265" r:id="rId13"/>
+    <p:sldId id="267" r:id="rId5"/>
+    <p:sldId id="269" r:id="rId6"/>
+    <p:sldId id="276" r:id="rId7"/>
+    <p:sldId id="275" r:id="rId8"/>
+    <p:sldId id="270" r:id="rId9"/>
+    <p:sldId id="271" r:id="rId10"/>
+    <p:sldId id="272" r:id="rId11"/>
+    <p:sldId id="258" r:id="rId12"/>
+    <p:sldId id="259" r:id="rId13"/>
+    <p:sldId id="274" r:id="rId14"/>
+    <p:sldId id="273" r:id="rId15"/>
+    <p:sldId id="261" r:id="rId16"/>
+    <p:sldId id="262" r:id="rId17"/>
+    <p:sldId id="263" r:id="rId18"/>
+    <p:sldId id="264" r:id="rId19"/>
+    <p:sldId id="265" r:id="rId20"/>
   </p:sldIdLst>
   <p:sldSz cx="12192000" cy="6858000"/>
   <p:notesSz cx="6858000" cy="9144000"/>
   <p:embeddedFontLst>
     <p:embeddedFont>
       <p:font typeface="Corbel" panose="020B0503020204020204" pitchFamily="34" charset="0"/>
-      <p:regular r:id="rId15"/>
-      <p:bold r:id="rId16"/>
-      <p:italic r:id="rId17"/>
-      <p:boldItalic r:id="rId18"/>
+      <p:regular r:id="rId22"/>
+      <p:bold r:id="rId23"/>
+      <p:italic r:id="rId24"/>
+      <p:boldItalic r:id="rId25"/>
     </p:embeddedFont>
   </p:embeddedFontLst>
   <p:defaultTextStyle>
@@ -266,7 +273,7 @@
       <p15:sldGuideLst xmlns:p15="http://schemas.microsoft.com/office/powerpoint/2012/main"/>
     </p:ext>
     <p:ext uri="http://customooxmlschemas.google.com/">
-      <go:slidesCustomData xmlns="" xmlns:mc="http://schemas.openxmlformats.org/markup-compatibility/2006" xmlns:mv="urn:schemas-microsoft-com:mac:vml" xmlns:c="http://schemas.openxmlformats.org/drawingml/2006/chart" xmlns:dgm="http://schemas.openxmlformats.org/drawingml/2006/diagram" xmlns:o="urn:schemas-microsoft-com:office:office" xmlns:v="urn:schemas-microsoft-com:vml" xmlns:pvml="urn:schemas-microsoft-com:office:powerpoint" xmlns:com="http://schemas.openxmlformats.org/drawingml/2006/compatibility" xmlns:p14="http://schemas.microsoft.com/office/powerpoint/2010/main" xmlns:p15="http://schemas.microsoft.com/office/powerpoint/2012/main" xmlns:go="http://customooxmlschemas.google.com/" r:id="rId19" roundtripDataSignature="AMtx7mgUs7OCuu4njwz6q0A3s4QfhZ5RLA=="/>
+      <go:slidesCustomData xmlns:go="http://customooxmlschemas.google.com/" xmlns:p15="http://schemas.microsoft.com/office/powerpoint/2012/main" xmlns:p14="http://schemas.microsoft.com/office/powerpoint/2010/main" xmlns:com="http://schemas.openxmlformats.org/drawingml/2006/compatibility" xmlns:pvml="urn:schemas-microsoft-com:office:powerpoint" xmlns:v="urn:schemas-microsoft-com:vml" xmlns:o="urn:schemas-microsoft-com:office:office" xmlns:dgm="http://schemas.openxmlformats.org/drawingml/2006/diagram" xmlns:c="http://schemas.openxmlformats.org/drawingml/2006/chart" xmlns:mv="urn:schemas-microsoft-com:mac:vml" xmlns:mc="http://schemas.openxmlformats.org/markup-compatibility/2006" xmlns="" r:id="rId26" roundtripDataSignature="AMtx7mgUs7OCuu4njwz6q0A3s4QfhZ5RLA=="/>
     </p:ext>
   </p:extLst>
 </p:presentation>
@@ -978,6 +985,544 @@
   <p:cSld>
     <p:spTree>
       <p:nvGrpSpPr>
+        <p:cNvPr id="1" name="Shape 107"/>
+        <p:cNvGrpSpPr/>
+        <p:nvPr/>
+      </p:nvGrpSpPr>
+      <p:grpSpPr>
+        <a:xfrm>
+          <a:off x="0" y="0"/>
+          <a:ext cx="0" cy="0"/>
+          <a:chOff x="0" y="0"/>
+          <a:chExt cx="0" cy="0"/>
+        </a:xfrm>
+      </p:grpSpPr>
+      <p:sp>
+        <p:nvSpPr>
+          <p:cNvPr id="108" name="Google Shape;108;p4:notes"/>
+          <p:cNvSpPr txBox="1">
+            <a:spLocks noGrp="1"/>
+          </p:cNvSpPr>
+          <p:nvPr>
+            <p:ph type="body" idx="1"/>
+          </p:nvPr>
+        </p:nvSpPr>
+        <p:spPr>
+          <a:xfrm>
+            <a:off x="685800" y="4343400"/>
+            <a:ext cx="5486400" cy="4114800"/>
+          </a:xfrm>
+          <a:prstGeom prst="rect">
+            <a:avLst/>
+          </a:prstGeom>
+          <a:noFill/>
+          <a:ln>
+            <a:noFill/>
+          </a:ln>
+        </p:spPr>
+        <p:txBody>
+          <a:bodyPr spcFirstLastPara="1" wrap="square" lIns="91425" tIns="91425" rIns="91425" bIns="91425" anchor="t" anchorCtr="0">
+            <a:noAutofit/>
+          </a:bodyPr>
+          <a:lstStyle/>
+          <a:p>
+            <a:pPr marL="0" lvl="0" indent="0" algn="l" rtl="0">
+              <a:lnSpc>
+                <a:spcPct val="100000"/>
+              </a:lnSpc>
+              <a:spcBef>
+                <a:spcPts val="0"/>
+              </a:spcBef>
+              <a:spcAft>
+                <a:spcPts val="0"/>
+              </a:spcAft>
+              <a:buSzPts val="1100"/>
+              <a:buNone/>
+            </a:pPr>
+            <a:endParaRPr/>
+          </a:p>
+        </p:txBody>
+      </p:sp>
+      <p:sp>
+        <p:nvSpPr>
+          <p:cNvPr id="109" name="Google Shape;109;p4:notes"/>
+          <p:cNvSpPr>
+            <a:spLocks noGrp="1" noRot="1" noChangeAspect="1"/>
+          </p:cNvSpPr>
+          <p:nvPr>
+            <p:ph type="sldImg" idx="2"/>
+          </p:nvPr>
+        </p:nvSpPr>
+        <p:spPr>
+          <a:xfrm>
+            <a:off x="381000" y="685800"/>
+            <a:ext cx="6096000" cy="3429000"/>
+          </a:xfrm>
+          <a:custGeom>
+            <a:avLst/>
+            <a:gdLst/>
+            <a:ahLst/>
+            <a:cxnLst/>
+            <a:rect l="l" t="t" r="r" b="b"/>
+            <a:pathLst>
+              <a:path w="120000" h="120000" extrusionOk="0">
+                <a:moveTo>
+                  <a:pt x="0" y="0"/>
+                </a:moveTo>
+                <a:lnTo>
+                  <a:pt x="120000" y="0"/>
+                </a:lnTo>
+                <a:lnTo>
+                  <a:pt x="120000" y="120000"/>
+                </a:lnTo>
+                <a:lnTo>
+                  <a:pt x="0" y="120000"/>
+                </a:lnTo>
+                <a:close/>
+              </a:path>
+            </a:pathLst>
+          </a:custGeom>
+          <a:noFill/>
+          <a:ln w="9525" cap="flat" cmpd="sng">
+            <a:solidFill>
+              <a:srgbClr val="000000"/>
+            </a:solidFill>
+            <a:prstDash val="solid"/>
+            <a:round/>
+            <a:headEnd type="none" w="sm" len="sm"/>
+            <a:tailEnd type="none" w="sm" len="sm"/>
+          </a:ln>
+        </p:spPr>
+      </p:sp>
+    </p:spTree>
+  </p:cSld>
+  <p:clrMapOvr>
+    <a:masterClrMapping/>
+  </p:clrMapOvr>
+</p:notes>
+</file>
+
+<file path=ppt/notesSlides/notesSlide11.xml><?xml version="1.0" encoding="utf-8"?>
+<p:notes xmlns:a="http://schemas.openxmlformats.org/drawingml/2006/main" xmlns:r="http://schemas.openxmlformats.org/officeDocument/2006/relationships" xmlns:p="http://schemas.openxmlformats.org/presentationml/2006/main" showMasterSp="0" showMasterPhAnim="0">
+  <p:cSld>
+    <p:spTree>
+      <p:nvGrpSpPr>
+        <p:cNvPr id="1" name="Shape 123"/>
+        <p:cNvGrpSpPr/>
+        <p:nvPr/>
+      </p:nvGrpSpPr>
+      <p:grpSpPr>
+        <a:xfrm>
+          <a:off x="0" y="0"/>
+          <a:ext cx="0" cy="0"/>
+          <a:chOff x="0" y="0"/>
+          <a:chExt cx="0" cy="0"/>
+        </a:xfrm>
+      </p:grpSpPr>
+      <p:sp>
+        <p:nvSpPr>
+          <p:cNvPr id="124" name="Google Shape;124;g801308ffce_0_19:notes"/>
+          <p:cNvSpPr txBox="1">
+            <a:spLocks noGrp="1"/>
+          </p:cNvSpPr>
+          <p:nvPr>
+            <p:ph type="body" idx="1"/>
+          </p:nvPr>
+        </p:nvSpPr>
+        <p:spPr>
+          <a:xfrm>
+            <a:off x="685800" y="4343400"/>
+            <a:ext cx="5486400" cy="4114800"/>
+          </a:xfrm>
+          <a:prstGeom prst="rect">
+            <a:avLst/>
+          </a:prstGeom>
+        </p:spPr>
+        <p:txBody>
+          <a:bodyPr spcFirstLastPara="1" wrap="square" lIns="91425" tIns="91425" rIns="91425" bIns="91425" anchor="t" anchorCtr="0">
+            <a:noAutofit/>
+          </a:bodyPr>
+          <a:lstStyle/>
+          <a:p>
+            <a:pPr marL="0" lvl="0" indent="0" algn="l" rtl="0">
+              <a:spcBef>
+                <a:spcPts val="0"/>
+              </a:spcBef>
+              <a:spcAft>
+                <a:spcPts val="0"/>
+              </a:spcAft>
+              <a:buNone/>
+            </a:pPr>
+            <a:endParaRPr/>
+          </a:p>
+        </p:txBody>
+      </p:sp>
+      <p:sp>
+        <p:nvSpPr>
+          <p:cNvPr id="125" name="Google Shape;125;g801308ffce_0_19:notes"/>
+          <p:cNvSpPr>
+            <a:spLocks noGrp="1" noRot="1" noChangeAspect="1"/>
+          </p:cNvSpPr>
+          <p:nvPr>
+            <p:ph type="sldImg" idx="2"/>
+          </p:nvPr>
+        </p:nvSpPr>
+        <p:spPr>
+          <a:xfrm>
+            <a:off x="1143225" y="685800"/>
+            <a:ext cx="4572300" cy="3429000"/>
+          </a:xfrm>
+          <a:custGeom>
+            <a:avLst/>
+            <a:gdLst/>
+            <a:ahLst/>
+            <a:cxnLst/>
+            <a:rect l="l" t="t" r="r" b="b"/>
+            <a:pathLst>
+              <a:path w="120000" h="120000" extrusionOk="0">
+                <a:moveTo>
+                  <a:pt x="0" y="0"/>
+                </a:moveTo>
+                <a:lnTo>
+                  <a:pt x="120000" y="0"/>
+                </a:lnTo>
+                <a:lnTo>
+                  <a:pt x="120000" y="120000"/>
+                </a:lnTo>
+                <a:lnTo>
+                  <a:pt x="0" y="120000"/>
+                </a:lnTo>
+                <a:close/>
+              </a:path>
+            </a:pathLst>
+          </a:custGeom>
+        </p:spPr>
+      </p:sp>
+    </p:spTree>
+  </p:cSld>
+  <p:clrMapOvr>
+    <a:masterClrMapping/>
+  </p:clrMapOvr>
+</p:notes>
+</file>
+
+<file path=ppt/notesSlides/notesSlide12.xml><?xml version="1.0" encoding="utf-8"?>
+<p:notes xmlns:a="http://schemas.openxmlformats.org/drawingml/2006/main" xmlns:r="http://schemas.openxmlformats.org/officeDocument/2006/relationships" xmlns:p="http://schemas.openxmlformats.org/presentationml/2006/main" showMasterSp="0" showMasterPhAnim="0">
+  <p:cSld>
+    <p:spTree>
+      <p:nvGrpSpPr>
+        <p:cNvPr id="1" name="Shape 129"/>
+        <p:cNvGrpSpPr/>
+        <p:nvPr/>
+      </p:nvGrpSpPr>
+      <p:grpSpPr>
+        <a:xfrm>
+          <a:off x="0" y="0"/>
+          <a:ext cx="0" cy="0"/>
+          <a:chOff x="0" y="0"/>
+          <a:chExt cx="0" cy="0"/>
+        </a:xfrm>
+      </p:grpSpPr>
+      <p:sp>
+        <p:nvSpPr>
+          <p:cNvPr id="130" name="Google Shape;130;g801308ffce_0_0:notes"/>
+          <p:cNvSpPr>
+            <a:spLocks noGrp="1" noRot="1" noChangeAspect="1"/>
+          </p:cNvSpPr>
+          <p:nvPr>
+            <p:ph type="sldImg" idx="2"/>
+          </p:nvPr>
+        </p:nvSpPr>
+        <p:spPr>
+          <a:xfrm>
+            <a:off x="1143225" y="685800"/>
+            <a:ext cx="4572300" cy="3429000"/>
+          </a:xfrm>
+          <a:custGeom>
+            <a:avLst/>
+            <a:gdLst/>
+            <a:ahLst/>
+            <a:cxnLst/>
+            <a:rect l="l" t="t" r="r" b="b"/>
+            <a:pathLst>
+              <a:path w="120000" h="120000" extrusionOk="0">
+                <a:moveTo>
+                  <a:pt x="0" y="0"/>
+                </a:moveTo>
+                <a:lnTo>
+                  <a:pt x="120000" y="0"/>
+                </a:lnTo>
+                <a:lnTo>
+                  <a:pt x="120000" y="120000"/>
+                </a:lnTo>
+                <a:lnTo>
+                  <a:pt x="0" y="120000"/>
+                </a:lnTo>
+                <a:close/>
+              </a:path>
+            </a:pathLst>
+          </a:custGeom>
+        </p:spPr>
+      </p:sp>
+      <p:sp>
+        <p:nvSpPr>
+          <p:cNvPr id="131" name="Google Shape;131;g801308ffce_0_0:notes"/>
+          <p:cNvSpPr txBox="1">
+            <a:spLocks noGrp="1"/>
+          </p:cNvSpPr>
+          <p:nvPr>
+            <p:ph type="body" idx="1"/>
+          </p:nvPr>
+        </p:nvSpPr>
+        <p:spPr>
+          <a:xfrm>
+            <a:off x="685800" y="4343400"/>
+            <a:ext cx="5486400" cy="4114800"/>
+          </a:xfrm>
+          <a:prstGeom prst="rect">
+            <a:avLst/>
+          </a:prstGeom>
+        </p:spPr>
+        <p:txBody>
+          <a:bodyPr spcFirstLastPara="1" wrap="square" lIns="91425" tIns="91425" rIns="91425" bIns="91425" anchor="t" anchorCtr="0">
+            <a:noAutofit/>
+          </a:bodyPr>
+          <a:lstStyle/>
+          <a:p>
+            <a:pPr marL="0" lvl="0" indent="0" algn="l" rtl="0">
+              <a:spcBef>
+                <a:spcPts val="0"/>
+              </a:spcBef>
+              <a:spcAft>
+                <a:spcPts val="0"/>
+              </a:spcAft>
+              <a:buNone/>
+            </a:pPr>
+            <a:endParaRPr/>
+          </a:p>
+        </p:txBody>
+      </p:sp>
+    </p:spTree>
+  </p:cSld>
+  <p:clrMapOvr>
+    <a:masterClrMapping/>
+  </p:clrMapOvr>
+</p:notes>
+</file>
+
+<file path=ppt/notesSlides/notesSlide13.xml><?xml version="1.0" encoding="utf-8"?>
+<p:notes xmlns:a="http://schemas.openxmlformats.org/drawingml/2006/main" xmlns:r="http://schemas.openxmlformats.org/officeDocument/2006/relationships" xmlns:p="http://schemas.openxmlformats.org/presentationml/2006/main" showMasterSp="0" showMasterPhAnim="0">
+  <p:cSld>
+    <p:spTree>
+      <p:nvGrpSpPr>
+        <p:cNvPr id="1" name="Shape 134"/>
+        <p:cNvGrpSpPr/>
+        <p:nvPr/>
+      </p:nvGrpSpPr>
+      <p:grpSpPr>
+        <a:xfrm>
+          <a:off x="0" y="0"/>
+          <a:ext cx="0" cy="0"/>
+          <a:chOff x="0" y="0"/>
+          <a:chExt cx="0" cy="0"/>
+        </a:xfrm>
+      </p:grpSpPr>
+      <p:sp>
+        <p:nvSpPr>
+          <p:cNvPr id="135" name="Google Shape;135;g801308ffce_0_6:notes"/>
+          <p:cNvSpPr>
+            <a:spLocks noGrp="1" noRot="1" noChangeAspect="1"/>
+          </p:cNvSpPr>
+          <p:nvPr>
+            <p:ph type="sldImg" idx="2"/>
+          </p:nvPr>
+        </p:nvSpPr>
+        <p:spPr>
+          <a:xfrm>
+            <a:off x="1143225" y="685800"/>
+            <a:ext cx="4572300" cy="3429000"/>
+          </a:xfrm>
+          <a:custGeom>
+            <a:avLst/>
+            <a:gdLst/>
+            <a:ahLst/>
+            <a:cxnLst/>
+            <a:rect l="l" t="t" r="r" b="b"/>
+            <a:pathLst>
+              <a:path w="120000" h="120000" extrusionOk="0">
+                <a:moveTo>
+                  <a:pt x="0" y="0"/>
+                </a:moveTo>
+                <a:lnTo>
+                  <a:pt x="120000" y="0"/>
+                </a:lnTo>
+                <a:lnTo>
+                  <a:pt x="120000" y="120000"/>
+                </a:lnTo>
+                <a:lnTo>
+                  <a:pt x="0" y="120000"/>
+                </a:lnTo>
+                <a:close/>
+              </a:path>
+            </a:pathLst>
+          </a:custGeom>
+        </p:spPr>
+      </p:sp>
+      <p:sp>
+        <p:nvSpPr>
+          <p:cNvPr id="136" name="Google Shape;136;g801308ffce_0_6:notes"/>
+          <p:cNvSpPr txBox="1">
+            <a:spLocks noGrp="1"/>
+          </p:cNvSpPr>
+          <p:nvPr>
+            <p:ph type="body" idx="1"/>
+          </p:nvPr>
+        </p:nvSpPr>
+        <p:spPr>
+          <a:xfrm>
+            <a:off x="685800" y="4343400"/>
+            <a:ext cx="5486400" cy="4114800"/>
+          </a:xfrm>
+          <a:prstGeom prst="rect">
+            <a:avLst/>
+          </a:prstGeom>
+        </p:spPr>
+        <p:txBody>
+          <a:bodyPr spcFirstLastPara="1" wrap="square" lIns="91425" tIns="91425" rIns="91425" bIns="91425" anchor="t" anchorCtr="0">
+            <a:noAutofit/>
+          </a:bodyPr>
+          <a:lstStyle/>
+          <a:p>
+            <a:pPr marL="0" lvl="0" indent="0" algn="l" rtl="0">
+              <a:spcBef>
+                <a:spcPts val="0"/>
+              </a:spcBef>
+              <a:spcAft>
+                <a:spcPts val="0"/>
+              </a:spcAft>
+              <a:buNone/>
+            </a:pPr>
+            <a:endParaRPr/>
+          </a:p>
+        </p:txBody>
+      </p:sp>
+    </p:spTree>
+  </p:cSld>
+  <p:clrMapOvr>
+    <a:masterClrMapping/>
+  </p:clrMapOvr>
+</p:notes>
+</file>
+
+<file path=ppt/notesSlides/notesSlide14.xml><?xml version="1.0" encoding="utf-8"?>
+<p:notes xmlns:a="http://schemas.openxmlformats.org/drawingml/2006/main" xmlns:r="http://schemas.openxmlformats.org/officeDocument/2006/relationships" xmlns:p="http://schemas.openxmlformats.org/presentationml/2006/main" showMasterSp="0" showMasterPhAnim="0">
+  <p:cSld>
+    <p:spTree>
+      <p:nvGrpSpPr>
+        <p:cNvPr id="1" name="Shape 139"/>
+        <p:cNvGrpSpPr/>
+        <p:nvPr/>
+      </p:nvGrpSpPr>
+      <p:grpSpPr>
+        <a:xfrm>
+          <a:off x="0" y="0"/>
+          <a:ext cx="0" cy="0"/>
+          <a:chOff x="0" y="0"/>
+          <a:chExt cx="0" cy="0"/>
+        </a:xfrm>
+      </p:grpSpPr>
+      <p:sp>
+        <p:nvSpPr>
+          <p:cNvPr id="140" name="Google Shape;140;g801308ffce_0_14:notes"/>
+          <p:cNvSpPr>
+            <a:spLocks noGrp="1" noRot="1" noChangeAspect="1"/>
+          </p:cNvSpPr>
+          <p:nvPr>
+            <p:ph type="sldImg" idx="2"/>
+          </p:nvPr>
+        </p:nvSpPr>
+        <p:spPr>
+          <a:xfrm>
+            <a:off x="1143225" y="685800"/>
+            <a:ext cx="4572300" cy="3429000"/>
+          </a:xfrm>
+          <a:custGeom>
+            <a:avLst/>
+            <a:gdLst/>
+            <a:ahLst/>
+            <a:cxnLst/>
+            <a:rect l="l" t="t" r="r" b="b"/>
+            <a:pathLst>
+              <a:path w="120000" h="120000" extrusionOk="0">
+                <a:moveTo>
+                  <a:pt x="0" y="0"/>
+                </a:moveTo>
+                <a:lnTo>
+                  <a:pt x="120000" y="0"/>
+                </a:lnTo>
+                <a:lnTo>
+                  <a:pt x="120000" y="120000"/>
+                </a:lnTo>
+                <a:lnTo>
+                  <a:pt x="0" y="120000"/>
+                </a:lnTo>
+                <a:close/>
+              </a:path>
+            </a:pathLst>
+          </a:custGeom>
+        </p:spPr>
+      </p:sp>
+      <p:sp>
+        <p:nvSpPr>
+          <p:cNvPr id="141" name="Google Shape;141;g801308ffce_0_14:notes"/>
+          <p:cNvSpPr txBox="1">
+            <a:spLocks noGrp="1"/>
+          </p:cNvSpPr>
+          <p:nvPr>
+            <p:ph type="body" idx="1"/>
+          </p:nvPr>
+        </p:nvSpPr>
+        <p:spPr>
+          <a:xfrm>
+            <a:off x="685800" y="4343400"/>
+            <a:ext cx="5486400" cy="4114800"/>
+          </a:xfrm>
+          <a:prstGeom prst="rect">
+            <a:avLst/>
+          </a:prstGeom>
+        </p:spPr>
+        <p:txBody>
+          <a:bodyPr spcFirstLastPara="1" wrap="square" lIns="91425" tIns="91425" rIns="91425" bIns="91425" anchor="t" anchorCtr="0">
+            <a:noAutofit/>
+          </a:bodyPr>
+          <a:lstStyle/>
+          <a:p>
+            <a:pPr marL="0" lvl="0" indent="0" algn="l" rtl="0">
+              <a:spcBef>
+                <a:spcPts val="0"/>
+              </a:spcBef>
+              <a:spcAft>
+                <a:spcPts val="0"/>
+              </a:spcAft>
+              <a:buNone/>
+            </a:pPr>
+            <a:endParaRPr/>
+          </a:p>
+        </p:txBody>
+      </p:sp>
+    </p:spTree>
+  </p:cSld>
+  <p:clrMapOvr>
+    <a:masterClrMapping/>
+  </p:clrMapOvr>
+</p:notes>
+</file>
+
+<file path=ppt/notesSlides/notesSlide15.xml><?xml version="1.0" encoding="utf-8"?>
+<p:notes xmlns:a="http://schemas.openxmlformats.org/drawingml/2006/main" xmlns:r="http://schemas.openxmlformats.org/officeDocument/2006/relationships" xmlns:p="http://schemas.openxmlformats.org/presentationml/2006/main" showMasterSp="0" showMasterPhAnim="0">
+  <p:cSld>
+    <p:spTree>
+      <p:nvGrpSpPr>
         <p:cNvPr id="1" name="Shape 144"/>
         <p:cNvGrpSpPr/>
         <p:nvPr/>
@@ -1040,8 +1585,8 @@
         </p:nvSpPr>
         <p:spPr>
           <a:xfrm>
-            <a:off x="1143225" y="685800"/>
-            <a:ext cx="4572300" cy="3429000"/>
+            <a:off x="381000" y="685800"/>
+            <a:ext cx="6096000" cy="3429000"/>
           </a:xfrm>
           <a:custGeom>
             <a:avLst/>
@@ -1314,6 +1859,11 @@
         </p:spPr>
       </p:sp>
     </p:spTree>
+    <p:extLst>
+      <p:ext uri="{BB962C8B-B14F-4D97-AF65-F5344CB8AC3E}">
+        <p14:creationId xmlns:p14="http://schemas.microsoft.com/office/powerpoint/2010/main" val="764322030"/>
+      </p:ext>
+    </p:extLst>
   </p:cSld>
   <p:clrMapOvr>
     <a:masterClrMapping/>
@@ -1326,7 +1876,7 @@
   <p:cSld>
     <p:spTree>
       <p:nvGrpSpPr>
-        <p:cNvPr id="1" name="Shape 107"/>
+        <p:cNvPr id="1" name="Shape 97"/>
         <p:cNvGrpSpPr/>
         <p:nvPr/>
       </p:nvGrpSpPr>
@@ -1340,7 +1890,7 @@
       </p:grpSpPr>
       <p:sp>
         <p:nvSpPr>
-          <p:cNvPr id="108" name="Google Shape;108;p4:notes"/>
+          <p:cNvPr id="98" name="Google Shape;98;p3:notes"/>
           <p:cNvSpPr txBox="1">
             <a:spLocks noGrp="1"/>
           </p:cNvSpPr>
@@ -1386,7 +1936,7 @@
       </p:sp>
       <p:sp>
         <p:nvSpPr>
-          <p:cNvPr id="109" name="Google Shape;109;p4:notes"/>
+          <p:cNvPr id="99" name="Google Shape;99;p3:notes"/>
           <p:cNvSpPr>
             <a:spLocks noGrp="1" noRot="1" noChangeAspect="1"/>
           </p:cNvSpPr>
@@ -1436,6 +1986,11 @@
         </p:spPr>
       </p:sp>
     </p:spTree>
+    <p:extLst>
+      <p:ext uri="{BB962C8B-B14F-4D97-AF65-F5344CB8AC3E}">
+        <p14:creationId xmlns:p14="http://schemas.microsoft.com/office/powerpoint/2010/main" val="623746028"/>
+      </p:ext>
+    </p:extLst>
   </p:cSld>
   <p:clrMapOvr>
     <a:masterClrMapping/>
@@ -1448,7 +2003,7 @@
   <p:cSld>
     <p:spTree>
       <p:nvGrpSpPr>
-        <p:cNvPr id="1" name="Shape 117"/>
+        <p:cNvPr id="1" name="Shape 97"/>
         <p:cNvGrpSpPr/>
         <p:nvPr/>
       </p:nvGrpSpPr>
@@ -1462,7 +2017,7 @@
       </p:grpSpPr>
       <p:sp>
         <p:nvSpPr>
-          <p:cNvPr id="118" name="Google Shape;118;p5:notes"/>
+          <p:cNvPr id="98" name="Google Shape;98;p3:notes"/>
           <p:cNvSpPr txBox="1">
             <a:spLocks noGrp="1"/>
           </p:cNvSpPr>
@@ -1478,6 +2033,10 @@
           <a:prstGeom prst="rect">
             <a:avLst/>
           </a:prstGeom>
+          <a:noFill/>
+          <a:ln>
+            <a:noFill/>
+          </a:ln>
         </p:spPr>
         <p:txBody>
           <a:bodyPr spcFirstLastPara="1" wrap="square" lIns="91425" tIns="91425" rIns="91425" bIns="91425" anchor="t" anchorCtr="0">
@@ -1486,12 +2045,16 @@
           <a:lstStyle/>
           <a:p>
             <a:pPr marL="0" lvl="0" indent="0" algn="l" rtl="0">
-              <a:spcBef>
-                <a:spcPts val="0"/>
-              </a:spcBef>
-              <a:spcAft>
-                <a:spcPts val="0"/>
-              </a:spcAft>
+              <a:lnSpc>
+                <a:spcPct val="100000"/>
+              </a:lnSpc>
+              <a:spcBef>
+                <a:spcPts val="0"/>
+              </a:spcBef>
+              <a:spcAft>
+                <a:spcPts val="0"/>
+              </a:spcAft>
+              <a:buSzPts val="1100"/>
               <a:buNone/>
             </a:pPr>
             <a:endParaRPr/>
@@ -1500,7 +2063,7 @@
       </p:sp>
       <p:sp>
         <p:nvSpPr>
-          <p:cNvPr id="119" name="Google Shape;119;p5:notes"/>
+          <p:cNvPr id="99" name="Google Shape;99;p3:notes"/>
           <p:cNvSpPr>
             <a:spLocks noGrp="1" noRot="1" noChangeAspect="1"/>
           </p:cNvSpPr>
@@ -1510,8 +2073,8 @@
         </p:nvSpPr>
         <p:spPr>
           <a:xfrm>
-            <a:off x="1143225" y="685800"/>
-            <a:ext cx="4572225" cy="3429000"/>
+            <a:off x="381000" y="685800"/>
+            <a:ext cx="6096000" cy="3429000"/>
           </a:xfrm>
           <a:custGeom>
             <a:avLst/>
@@ -1537,9 +2100,24 @@
               </a:path>
             </a:pathLst>
           </a:custGeom>
+          <a:noFill/>
+          <a:ln w="9525" cap="flat" cmpd="sng">
+            <a:solidFill>
+              <a:srgbClr val="000000"/>
+            </a:solidFill>
+            <a:prstDash val="solid"/>
+            <a:round/>
+            <a:headEnd type="none" w="sm" len="sm"/>
+            <a:tailEnd type="none" w="sm" len="sm"/>
+          </a:ln>
         </p:spPr>
       </p:sp>
     </p:spTree>
+    <p:extLst>
+      <p:ext uri="{BB962C8B-B14F-4D97-AF65-F5344CB8AC3E}">
+        <p14:creationId xmlns:p14="http://schemas.microsoft.com/office/powerpoint/2010/main" val="2207838164"/>
+      </p:ext>
+    </p:extLst>
   </p:cSld>
   <p:clrMapOvr>
     <a:masterClrMapping/>
@@ -1552,7 +2130,7 @@
   <p:cSld>
     <p:spTree>
       <p:nvGrpSpPr>
-        <p:cNvPr id="1" name="Shape 123"/>
+        <p:cNvPr id="1" name="Shape 97"/>
         <p:cNvGrpSpPr/>
         <p:nvPr/>
       </p:nvGrpSpPr>
@@ -1566,7 +2144,7 @@
       </p:grpSpPr>
       <p:sp>
         <p:nvSpPr>
-          <p:cNvPr id="124" name="Google Shape;124;g801308ffce_0_19:notes"/>
+          <p:cNvPr id="98" name="Google Shape;98;p3:notes"/>
           <p:cNvSpPr txBox="1">
             <a:spLocks noGrp="1"/>
           </p:cNvSpPr>
@@ -1582,6 +2160,10 @@
           <a:prstGeom prst="rect">
             <a:avLst/>
           </a:prstGeom>
+          <a:noFill/>
+          <a:ln>
+            <a:noFill/>
+          </a:ln>
         </p:spPr>
         <p:txBody>
           <a:bodyPr spcFirstLastPara="1" wrap="square" lIns="91425" tIns="91425" rIns="91425" bIns="91425" anchor="t" anchorCtr="0">
@@ -1590,12 +2172,16 @@
           <a:lstStyle/>
           <a:p>
             <a:pPr marL="0" lvl="0" indent="0" algn="l" rtl="0">
-              <a:spcBef>
-                <a:spcPts val="0"/>
-              </a:spcBef>
-              <a:spcAft>
-                <a:spcPts val="0"/>
-              </a:spcAft>
+              <a:lnSpc>
+                <a:spcPct val="100000"/>
+              </a:lnSpc>
+              <a:spcBef>
+                <a:spcPts val="0"/>
+              </a:spcBef>
+              <a:spcAft>
+                <a:spcPts val="0"/>
+              </a:spcAft>
+              <a:buSzPts val="1100"/>
               <a:buNone/>
             </a:pPr>
             <a:endParaRPr/>
@@ -1604,7 +2190,7 @@
       </p:sp>
       <p:sp>
         <p:nvSpPr>
-          <p:cNvPr id="125" name="Google Shape;125;g801308ffce_0_19:notes"/>
+          <p:cNvPr id="99" name="Google Shape;99;p3:notes"/>
           <p:cNvSpPr>
             <a:spLocks noGrp="1" noRot="1" noChangeAspect="1"/>
           </p:cNvSpPr>
@@ -1614,8 +2200,8 @@
         </p:nvSpPr>
         <p:spPr>
           <a:xfrm>
-            <a:off x="1143225" y="685800"/>
-            <a:ext cx="4572300" cy="3429000"/>
+            <a:off x="381000" y="685800"/>
+            <a:ext cx="6096000" cy="3429000"/>
           </a:xfrm>
           <a:custGeom>
             <a:avLst/>
@@ -1641,9 +2227,24 @@
               </a:path>
             </a:pathLst>
           </a:custGeom>
+          <a:noFill/>
+          <a:ln w="9525" cap="flat" cmpd="sng">
+            <a:solidFill>
+              <a:srgbClr val="000000"/>
+            </a:solidFill>
+            <a:prstDash val="solid"/>
+            <a:round/>
+            <a:headEnd type="none" w="sm" len="sm"/>
+            <a:tailEnd type="none" w="sm" len="sm"/>
+          </a:ln>
         </p:spPr>
       </p:sp>
     </p:spTree>
+    <p:extLst>
+      <p:ext uri="{BB962C8B-B14F-4D97-AF65-F5344CB8AC3E}">
+        <p14:creationId xmlns:p14="http://schemas.microsoft.com/office/powerpoint/2010/main" val="3477929096"/>
+      </p:ext>
+    </p:extLst>
   </p:cSld>
   <p:clrMapOvr>
     <a:masterClrMapping/>
@@ -1656,7 +2257,7 @@
   <p:cSld>
     <p:spTree>
       <p:nvGrpSpPr>
-        <p:cNvPr id="1" name="Shape 129"/>
+        <p:cNvPr id="1" name="Shape 97"/>
         <p:cNvGrpSpPr/>
         <p:nvPr/>
       </p:nvGrpSpPr>
@@ -1670,7 +2271,53 @@
       </p:grpSpPr>
       <p:sp>
         <p:nvSpPr>
-          <p:cNvPr id="130" name="Google Shape;130;g801308ffce_0_0:notes"/>
+          <p:cNvPr id="98" name="Google Shape;98;p3:notes"/>
+          <p:cNvSpPr txBox="1">
+            <a:spLocks noGrp="1"/>
+          </p:cNvSpPr>
+          <p:nvPr>
+            <p:ph type="body" idx="1"/>
+          </p:nvPr>
+        </p:nvSpPr>
+        <p:spPr>
+          <a:xfrm>
+            <a:off x="685800" y="4343400"/>
+            <a:ext cx="5486400" cy="4114800"/>
+          </a:xfrm>
+          <a:prstGeom prst="rect">
+            <a:avLst/>
+          </a:prstGeom>
+          <a:noFill/>
+          <a:ln>
+            <a:noFill/>
+          </a:ln>
+        </p:spPr>
+        <p:txBody>
+          <a:bodyPr spcFirstLastPara="1" wrap="square" lIns="91425" tIns="91425" rIns="91425" bIns="91425" anchor="t" anchorCtr="0">
+            <a:noAutofit/>
+          </a:bodyPr>
+          <a:lstStyle/>
+          <a:p>
+            <a:pPr marL="0" lvl="0" indent="0" algn="l" rtl="0">
+              <a:lnSpc>
+                <a:spcPct val="100000"/>
+              </a:lnSpc>
+              <a:spcBef>
+                <a:spcPts val="0"/>
+              </a:spcBef>
+              <a:spcAft>
+                <a:spcPts val="0"/>
+              </a:spcAft>
+              <a:buSzPts val="1100"/>
+              <a:buNone/>
+            </a:pPr>
+            <a:endParaRPr/>
+          </a:p>
+        </p:txBody>
+      </p:sp>
+      <p:sp>
+        <p:nvSpPr>
+          <p:cNvPr id="99" name="Google Shape;99;p3:notes"/>
           <p:cNvSpPr>
             <a:spLocks noGrp="1" noRot="1" noChangeAspect="1"/>
           </p:cNvSpPr>
@@ -1680,8 +2327,8 @@
         </p:nvSpPr>
         <p:spPr>
           <a:xfrm>
-            <a:off x="1143225" y="685800"/>
-            <a:ext cx="4572300" cy="3429000"/>
+            <a:off x="381000" y="685800"/>
+            <a:ext cx="6096000" cy="3429000"/>
           </a:xfrm>
           <a:custGeom>
             <a:avLst/>
@@ -1707,11 +2354,51 @@
               </a:path>
             </a:pathLst>
           </a:custGeom>
+          <a:noFill/>
+          <a:ln w="9525" cap="flat" cmpd="sng">
+            <a:solidFill>
+              <a:srgbClr val="000000"/>
+            </a:solidFill>
+            <a:prstDash val="solid"/>
+            <a:round/>
+            <a:headEnd type="none" w="sm" len="sm"/>
+            <a:tailEnd type="none" w="sm" len="sm"/>
+          </a:ln>
         </p:spPr>
       </p:sp>
+    </p:spTree>
+    <p:extLst>
+      <p:ext uri="{BB962C8B-B14F-4D97-AF65-F5344CB8AC3E}">
+        <p14:creationId xmlns:p14="http://schemas.microsoft.com/office/powerpoint/2010/main" val="1045359212"/>
+      </p:ext>
+    </p:extLst>
+  </p:cSld>
+  <p:clrMapOvr>
+    <a:masterClrMapping/>
+  </p:clrMapOvr>
+</p:notes>
+</file>
+
+<file path=ppt/notesSlides/notesSlide8.xml><?xml version="1.0" encoding="utf-8"?>
+<p:notes xmlns:a="http://schemas.openxmlformats.org/drawingml/2006/main" xmlns:r="http://schemas.openxmlformats.org/officeDocument/2006/relationships" xmlns:p="http://schemas.openxmlformats.org/presentationml/2006/main" showMasterSp="0" showMasterPhAnim="0">
+  <p:cSld>
+    <p:spTree>
+      <p:nvGrpSpPr>
+        <p:cNvPr id="1" name="Shape 97"/>
+        <p:cNvGrpSpPr/>
+        <p:nvPr/>
+      </p:nvGrpSpPr>
+      <p:grpSpPr>
+        <a:xfrm>
+          <a:off x="0" y="0"/>
+          <a:ext cx="0" cy="0"/>
+          <a:chOff x="0" y="0"/>
+          <a:chExt cx="0" cy="0"/>
+        </a:xfrm>
+      </p:grpSpPr>
       <p:sp>
         <p:nvSpPr>
-          <p:cNvPr id="131" name="Google Shape;131;g801308ffce_0_0:notes"/>
+          <p:cNvPr id="98" name="Google Shape;98;p3:notes"/>
           <p:cNvSpPr txBox="1">
             <a:spLocks noGrp="1"/>
           </p:cNvSpPr>
@@ -1727,6 +2414,10 @@
           <a:prstGeom prst="rect">
             <a:avLst/>
           </a:prstGeom>
+          <a:noFill/>
+          <a:ln>
+            <a:noFill/>
+          </a:ln>
         </p:spPr>
         <p:txBody>
           <a:bodyPr spcFirstLastPara="1" wrap="square" lIns="91425" tIns="91425" rIns="91425" bIns="91425" anchor="t" anchorCtr="0">
@@ -1735,46 +2426,25 @@
           <a:lstStyle/>
           <a:p>
             <a:pPr marL="0" lvl="0" indent="0" algn="l" rtl="0">
-              <a:spcBef>
-                <a:spcPts val="0"/>
-              </a:spcBef>
-              <a:spcAft>
-                <a:spcPts val="0"/>
-              </a:spcAft>
+              <a:lnSpc>
+                <a:spcPct val="100000"/>
+              </a:lnSpc>
+              <a:spcBef>
+                <a:spcPts val="0"/>
+              </a:spcBef>
+              <a:spcAft>
+                <a:spcPts val="0"/>
+              </a:spcAft>
+              <a:buSzPts val="1100"/>
               <a:buNone/>
             </a:pPr>
             <a:endParaRPr/>
           </a:p>
         </p:txBody>
       </p:sp>
-    </p:spTree>
-  </p:cSld>
-  <p:clrMapOvr>
-    <a:masterClrMapping/>
-  </p:clrMapOvr>
-</p:notes>
-</file>
-
-<file path=ppt/notesSlides/notesSlide8.xml><?xml version="1.0" encoding="utf-8"?>
-<p:notes xmlns:a="http://schemas.openxmlformats.org/drawingml/2006/main" xmlns:r="http://schemas.openxmlformats.org/officeDocument/2006/relationships" xmlns:p="http://schemas.openxmlformats.org/presentationml/2006/main" showMasterSp="0" showMasterPhAnim="0">
-  <p:cSld>
-    <p:spTree>
-      <p:nvGrpSpPr>
-        <p:cNvPr id="1" name="Shape 134"/>
-        <p:cNvGrpSpPr/>
-        <p:nvPr/>
-      </p:nvGrpSpPr>
-      <p:grpSpPr>
-        <a:xfrm>
-          <a:off x="0" y="0"/>
-          <a:ext cx="0" cy="0"/>
-          <a:chOff x="0" y="0"/>
-          <a:chExt cx="0" cy="0"/>
-        </a:xfrm>
-      </p:grpSpPr>
       <p:sp>
         <p:nvSpPr>
-          <p:cNvPr id="135" name="Google Shape;135;g801308ffce_0_6:notes"/>
+          <p:cNvPr id="99" name="Google Shape;99;p3:notes"/>
           <p:cNvSpPr>
             <a:spLocks noGrp="1" noRot="1" noChangeAspect="1"/>
           </p:cNvSpPr>
@@ -1784,8 +2454,8 @@
         </p:nvSpPr>
         <p:spPr>
           <a:xfrm>
-            <a:off x="1143225" y="685800"/>
-            <a:ext cx="4572300" cy="3429000"/>
+            <a:off x="381000" y="685800"/>
+            <a:ext cx="6096000" cy="3429000"/>
           </a:xfrm>
           <a:custGeom>
             <a:avLst/>
@@ -1811,11 +2481,51 @@
               </a:path>
             </a:pathLst>
           </a:custGeom>
+          <a:noFill/>
+          <a:ln w="9525" cap="flat" cmpd="sng">
+            <a:solidFill>
+              <a:srgbClr val="000000"/>
+            </a:solidFill>
+            <a:prstDash val="solid"/>
+            <a:round/>
+            <a:headEnd type="none" w="sm" len="sm"/>
+            <a:tailEnd type="none" w="sm" len="sm"/>
+          </a:ln>
         </p:spPr>
       </p:sp>
+    </p:spTree>
+    <p:extLst>
+      <p:ext uri="{BB962C8B-B14F-4D97-AF65-F5344CB8AC3E}">
+        <p14:creationId xmlns:p14="http://schemas.microsoft.com/office/powerpoint/2010/main" val="797738192"/>
+      </p:ext>
+    </p:extLst>
+  </p:cSld>
+  <p:clrMapOvr>
+    <a:masterClrMapping/>
+  </p:clrMapOvr>
+</p:notes>
+</file>
+
+<file path=ppt/notesSlides/notesSlide9.xml><?xml version="1.0" encoding="utf-8"?>
+<p:notes xmlns:a="http://schemas.openxmlformats.org/drawingml/2006/main" xmlns:r="http://schemas.openxmlformats.org/officeDocument/2006/relationships" xmlns:p="http://schemas.openxmlformats.org/presentationml/2006/main" showMasterSp="0" showMasterPhAnim="0">
+  <p:cSld>
+    <p:spTree>
+      <p:nvGrpSpPr>
+        <p:cNvPr id="1" name="Shape 97"/>
+        <p:cNvGrpSpPr/>
+        <p:nvPr/>
+      </p:nvGrpSpPr>
+      <p:grpSpPr>
+        <a:xfrm>
+          <a:off x="0" y="0"/>
+          <a:ext cx="0" cy="0"/>
+          <a:chOff x="0" y="0"/>
+          <a:chExt cx="0" cy="0"/>
+        </a:xfrm>
+      </p:grpSpPr>
       <p:sp>
         <p:nvSpPr>
-          <p:cNvPr id="136" name="Google Shape;136;g801308ffce_0_6:notes"/>
+          <p:cNvPr id="98" name="Google Shape;98;p3:notes"/>
           <p:cNvSpPr txBox="1">
             <a:spLocks noGrp="1"/>
           </p:cNvSpPr>
@@ -1831,6 +2541,10 @@
           <a:prstGeom prst="rect">
             <a:avLst/>
           </a:prstGeom>
+          <a:noFill/>
+          <a:ln>
+            <a:noFill/>
+          </a:ln>
         </p:spPr>
         <p:txBody>
           <a:bodyPr spcFirstLastPara="1" wrap="square" lIns="91425" tIns="91425" rIns="91425" bIns="91425" anchor="t" anchorCtr="0">
@@ -1839,46 +2553,25 @@
           <a:lstStyle/>
           <a:p>
             <a:pPr marL="0" lvl="0" indent="0" algn="l" rtl="0">
-              <a:spcBef>
-                <a:spcPts val="0"/>
-              </a:spcBef>
-              <a:spcAft>
-                <a:spcPts val="0"/>
-              </a:spcAft>
+              <a:lnSpc>
+                <a:spcPct val="100000"/>
+              </a:lnSpc>
+              <a:spcBef>
+                <a:spcPts val="0"/>
+              </a:spcBef>
+              <a:spcAft>
+                <a:spcPts val="0"/>
+              </a:spcAft>
+              <a:buSzPts val="1100"/>
               <a:buNone/>
             </a:pPr>
             <a:endParaRPr/>
           </a:p>
         </p:txBody>
       </p:sp>
-    </p:spTree>
-  </p:cSld>
-  <p:clrMapOvr>
-    <a:masterClrMapping/>
-  </p:clrMapOvr>
-</p:notes>
-</file>
-
-<file path=ppt/notesSlides/notesSlide9.xml><?xml version="1.0" encoding="utf-8"?>
-<p:notes xmlns:a="http://schemas.openxmlformats.org/drawingml/2006/main" xmlns:r="http://schemas.openxmlformats.org/officeDocument/2006/relationships" xmlns:p="http://schemas.openxmlformats.org/presentationml/2006/main" showMasterSp="0" showMasterPhAnim="0">
-  <p:cSld>
-    <p:spTree>
-      <p:nvGrpSpPr>
-        <p:cNvPr id="1" name="Shape 139"/>
-        <p:cNvGrpSpPr/>
-        <p:nvPr/>
-      </p:nvGrpSpPr>
-      <p:grpSpPr>
-        <a:xfrm>
-          <a:off x="0" y="0"/>
-          <a:ext cx="0" cy="0"/>
-          <a:chOff x="0" y="0"/>
-          <a:chExt cx="0" cy="0"/>
-        </a:xfrm>
-      </p:grpSpPr>
       <p:sp>
         <p:nvSpPr>
-          <p:cNvPr id="140" name="Google Shape;140;g801308ffce_0_14:notes"/>
+          <p:cNvPr id="99" name="Google Shape;99;p3:notes"/>
           <p:cNvSpPr>
             <a:spLocks noGrp="1" noRot="1" noChangeAspect="1"/>
           </p:cNvSpPr>
@@ -1888,8 +2581,8 @@
         </p:nvSpPr>
         <p:spPr>
           <a:xfrm>
-            <a:off x="1143225" y="685800"/>
-            <a:ext cx="4572300" cy="3429000"/>
+            <a:off x="381000" y="685800"/>
+            <a:ext cx="6096000" cy="3429000"/>
           </a:xfrm>
           <a:custGeom>
             <a:avLst/>
@@ -1915,45 +2608,17 @@
               </a:path>
             </a:pathLst>
           </a:custGeom>
+          <a:noFill/>
+          <a:ln w="9525" cap="flat" cmpd="sng">
+            <a:solidFill>
+              <a:srgbClr val="000000"/>
+            </a:solidFill>
+            <a:prstDash val="solid"/>
+            <a:round/>
+            <a:headEnd type="none" w="sm" len="sm"/>
+            <a:tailEnd type="none" w="sm" len="sm"/>
+          </a:ln>
         </p:spPr>
-      </p:sp>
-      <p:sp>
-        <p:nvSpPr>
-          <p:cNvPr id="141" name="Google Shape;141;g801308ffce_0_14:notes"/>
-          <p:cNvSpPr txBox="1">
-            <a:spLocks noGrp="1"/>
-          </p:cNvSpPr>
-          <p:nvPr>
-            <p:ph type="body" idx="1"/>
-          </p:nvPr>
-        </p:nvSpPr>
-        <p:spPr>
-          <a:xfrm>
-            <a:off x="685800" y="4343400"/>
-            <a:ext cx="5486400" cy="4114800"/>
-          </a:xfrm>
-          <a:prstGeom prst="rect">
-            <a:avLst/>
-          </a:prstGeom>
-        </p:spPr>
-        <p:txBody>
-          <a:bodyPr spcFirstLastPara="1" wrap="square" lIns="91425" tIns="91425" rIns="91425" bIns="91425" anchor="t" anchorCtr="0">
-            <a:noAutofit/>
-          </a:bodyPr>
-          <a:lstStyle/>
-          <a:p>
-            <a:pPr marL="0" lvl="0" indent="0" algn="l" rtl="0">
-              <a:spcBef>
-                <a:spcPts val="0"/>
-              </a:spcBef>
-              <a:spcAft>
-                <a:spcPts val="0"/>
-              </a:spcAft>
-              <a:buNone/>
-            </a:pPr>
-            <a:endParaRPr/>
-          </a:p>
-        </p:txBody>
       </p:sp>
     </p:spTree>
   </p:cSld>
@@ -15988,6 +16653,2168 @@
   <p:cSld>
     <p:spTree>
       <p:nvGrpSpPr>
+        <p:cNvPr id="1" name="Shape 100"/>
+        <p:cNvGrpSpPr/>
+        <p:nvPr/>
+      </p:nvGrpSpPr>
+      <p:grpSpPr>
+        <a:xfrm>
+          <a:off x="0" y="0"/>
+          <a:ext cx="0" cy="0"/>
+          <a:chOff x="0" y="0"/>
+          <a:chExt cx="0" cy="0"/>
+        </a:xfrm>
+      </p:grpSpPr>
+      <p:sp>
+        <p:nvSpPr>
+          <p:cNvPr id="101" name="Google Shape;101;p3"/>
+          <p:cNvSpPr/>
+          <p:nvPr/>
+        </p:nvSpPr>
+        <p:spPr>
+          <a:xfrm>
+            <a:off x="0" y="-5475"/>
+            <a:ext cx="12192000" cy="6858000"/>
+          </a:xfrm>
+          <a:prstGeom prst="rect">
+            <a:avLst/>
+          </a:prstGeom>
+          <a:solidFill>
+            <a:schemeClr val="lt1"/>
+          </a:solidFill>
+          <a:ln>
+            <a:noFill/>
+          </a:ln>
+        </p:spPr>
+        <p:txBody>
+          <a:bodyPr spcFirstLastPara="1" wrap="square" lIns="91425" tIns="45700" rIns="91425" bIns="45700" anchor="ctr" anchorCtr="0">
+            <a:noAutofit/>
+          </a:bodyPr>
+          <a:lstStyle/>
+          <a:p>
+            <a:pPr marL="0" marR="0" lvl="0" indent="0" algn="ctr" rtl="0">
+              <a:lnSpc>
+                <a:spcPct val="100000"/>
+              </a:lnSpc>
+              <a:spcBef>
+                <a:spcPts val="0"/>
+              </a:spcBef>
+              <a:spcAft>
+                <a:spcPts val="0"/>
+              </a:spcAft>
+              <a:buClr>
+                <a:srgbClr val="000000"/>
+              </a:buClr>
+              <a:buSzPts val="1800"/>
+              <a:buFont typeface="Arial"/>
+              <a:buNone/>
+            </a:pPr>
+            <a:endParaRPr sz="1800" b="0" i="0" u="none" strike="noStrike" cap="none">
+              <a:solidFill>
+                <a:schemeClr val="lt1"/>
+              </a:solidFill>
+              <a:latin typeface="Corbel"/>
+              <a:ea typeface="Corbel"/>
+              <a:cs typeface="Corbel"/>
+              <a:sym typeface="Corbel"/>
+            </a:endParaRPr>
+          </a:p>
+        </p:txBody>
+      </p:sp>
+      <p:sp>
+        <p:nvSpPr>
+          <p:cNvPr id="102" name="Google Shape;102;p3"/>
+          <p:cNvSpPr/>
+          <p:nvPr/>
+        </p:nvSpPr>
+        <p:spPr>
+          <a:xfrm>
+            <a:off x="-1" y="758953"/>
+            <a:ext cx="3577575" cy="5330952"/>
+          </a:xfrm>
+          <a:prstGeom prst="rect">
+            <a:avLst/>
+          </a:prstGeom>
+          <a:solidFill>
+            <a:schemeClr val="accent1"/>
+          </a:solidFill>
+          <a:ln>
+            <a:noFill/>
+          </a:ln>
+        </p:spPr>
+        <p:txBody>
+          <a:bodyPr spcFirstLastPara="1" wrap="square" lIns="91425" tIns="91425" rIns="91425" bIns="91425" anchor="ctr" anchorCtr="0">
+            <a:noAutofit/>
+          </a:bodyPr>
+          <a:lstStyle/>
+          <a:p>
+            <a:pPr marL="0" marR="0" lvl="0" indent="0" algn="l" rtl="0">
+              <a:lnSpc>
+                <a:spcPct val="100000"/>
+              </a:lnSpc>
+              <a:spcBef>
+                <a:spcPts val="0"/>
+              </a:spcBef>
+              <a:spcAft>
+                <a:spcPts val="0"/>
+              </a:spcAft>
+              <a:buClr>
+                <a:srgbClr val="000000"/>
+              </a:buClr>
+              <a:buSzPts val="1400"/>
+              <a:buFont typeface="Arial"/>
+              <a:buNone/>
+            </a:pPr>
+            <a:endParaRPr sz="1400" b="0" i="0" u="none" strike="noStrike" cap="none">
+              <a:solidFill>
+                <a:srgbClr val="000000"/>
+              </a:solidFill>
+              <a:latin typeface="Arial"/>
+              <a:ea typeface="Arial"/>
+              <a:cs typeface="Arial"/>
+              <a:sym typeface="Arial"/>
+            </a:endParaRPr>
+          </a:p>
+        </p:txBody>
+      </p:sp>
+      <p:sp>
+        <p:nvSpPr>
+          <p:cNvPr id="103" name="Google Shape;103;p3"/>
+          <p:cNvSpPr txBox="1">
+            <a:spLocks noGrp="1"/>
+          </p:cNvSpPr>
+          <p:nvPr>
+            <p:ph type="title"/>
+          </p:nvPr>
+        </p:nvSpPr>
+        <p:spPr>
+          <a:xfrm>
+            <a:off x="252919" y="1123837"/>
+            <a:ext cx="2947482" cy="1038177"/>
+          </a:xfrm>
+          <a:prstGeom prst="rect">
+            <a:avLst/>
+          </a:prstGeom>
+          <a:noFill/>
+          <a:ln>
+            <a:noFill/>
+          </a:ln>
+        </p:spPr>
+        <p:txBody>
+          <a:bodyPr spcFirstLastPara="1" wrap="square" lIns="91425" tIns="45700" rIns="91425" bIns="45700" anchor="b" anchorCtr="0">
+            <a:noAutofit/>
+          </a:bodyPr>
+          <a:lstStyle/>
+          <a:p>
+            <a:pPr marL="0" lvl="0" indent="0" algn="l" rtl="0">
+              <a:lnSpc>
+                <a:spcPct val="90000"/>
+              </a:lnSpc>
+              <a:spcBef>
+                <a:spcPts val="0"/>
+              </a:spcBef>
+              <a:spcAft>
+                <a:spcPts val="0"/>
+              </a:spcAft>
+              <a:buClr>
+                <a:srgbClr val="FFFFFF"/>
+              </a:buClr>
+              <a:buSzPts val="2160"/>
+              <a:buFont typeface="Corbel"/>
+              <a:buNone/>
+            </a:pPr>
+            <a:r>
+              <a:rPr lang="nl-NL" sz="3200" dirty="0"/>
+              <a:t>The first and last years</a:t>
+            </a:r>
+            <a:endParaRPr sz="4800" dirty="0"/>
+          </a:p>
+        </p:txBody>
+      </p:sp>
+      <p:sp>
+        <p:nvSpPr>
+          <p:cNvPr id="105" name="Google Shape;105;p3"/>
+          <p:cNvSpPr/>
+          <p:nvPr/>
+        </p:nvSpPr>
+        <p:spPr>
+          <a:xfrm>
+            <a:off x="11815864" y="758952"/>
+            <a:ext cx="384048" cy="5330952"/>
+          </a:xfrm>
+          <a:prstGeom prst="rect">
+            <a:avLst/>
+          </a:prstGeom>
+          <a:solidFill>
+            <a:srgbClr val="C8C8C8">
+              <a:alpha val="48627"/>
+            </a:srgbClr>
+          </a:solidFill>
+          <a:ln>
+            <a:noFill/>
+          </a:ln>
+        </p:spPr>
+        <p:txBody>
+          <a:bodyPr spcFirstLastPara="1" wrap="square" lIns="91425" tIns="91425" rIns="91425" bIns="91425" anchor="ctr" anchorCtr="0">
+            <a:noAutofit/>
+          </a:bodyPr>
+          <a:lstStyle/>
+          <a:p>
+            <a:pPr marL="0" marR="0" lvl="0" indent="0" algn="l" rtl="0">
+              <a:lnSpc>
+                <a:spcPct val="100000"/>
+              </a:lnSpc>
+              <a:spcBef>
+                <a:spcPts val="0"/>
+              </a:spcBef>
+              <a:spcAft>
+                <a:spcPts val="0"/>
+              </a:spcAft>
+              <a:buClr>
+                <a:srgbClr val="000000"/>
+              </a:buClr>
+              <a:buSzPts val="1400"/>
+              <a:buFont typeface="Arial"/>
+              <a:buNone/>
+            </a:pPr>
+            <a:endParaRPr sz="1400" b="0" i="0" u="none" strike="noStrike" cap="none">
+              <a:solidFill>
+                <a:srgbClr val="000000"/>
+              </a:solidFill>
+              <a:latin typeface="Arial"/>
+              <a:ea typeface="Arial"/>
+              <a:cs typeface="Arial"/>
+              <a:sym typeface="Arial"/>
+            </a:endParaRPr>
+          </a:p>
+        </p:txBody>
+      </p:sp>
+      <p:sp>
+        <p:nvSpPr>
+          <p:cNvPr id="9" name="Google Shape;104;p3"/>
+          <p:cNvSpPr txBox="1">
+            <a:spLocks/>
+          </p:cNvSpPr>
+          <p:nvPr/>
+        </p:nvSpPr>
+        <p:spPr>
+          <a:xfrm>
+            <a:off x="252919" y="2162014"/>
+            <a:ext cx="2947482" cy="3744264"/>
+          </a:xfrm>
+          <a:prstGeom prst="rect">
+            <a:avLst/>
+          </a:prstGeom>
+          <a:noFill/>
+          <a:ln>
+            <a:noFill/>
+          </a:ln>
+        </p:spPr>
+        <p:txBody>
+          <a:bodyPr spcFirstLastPara="1" wrap="square" lIns="91425" tIns="45700" rIns="91425" bIns="45700" anchor="t" anchorCtr="0">
+            <a:noAutofit/>
+          </a:bodyPr>
+          <a:lstStyle>
+            <a:defPPr marR="0" lvl="0" algn="l" rtl="0">
+              <a:lnSpc>
+                <a:spcPct val="100000"/>
+              </a:lnSpc>
+              <a:spcBef>
+                <a:spcPts val="0"/>
+              </a:spcBef>
+              <a:spcAft>
+                <a:spcPts val="0"/>
+              </a:spcAft>
+            </a:defPPr>
+            <a:lvl1pPr marL="457200" marR="0" lvl="0" indent="-342900" algn="l" rtl="0">
+              <a:lnSpc>
+                <a:spcPct val="90000"/>
+              </a:lnSpc>
+              <a:spcBef>
+                <a:spcPts val="1200"/>
+              </a:spcBef>
+              <a:spcAft>
+                <a:spcPts val="0"/>
+              </a:spcAft>
+              <a:buClr>
+                <a:schemeClr val="accent1"/>
+              </a:buClr>
+              <a:buSzPts val="1800"/>
+              <a:buFont typeface="Noto Sans Symbols"/>
+              <a:buChar char="●"/>
+              <a:defRPr sz="2000" b="0" i="0" u="none" strike="noStrike" cap="none">
+                <a:solidFill>
+                  <a:srgbClr val="595959"/>
+                </a:solidFill>
+                <a:latin typeface="Corbel"/>
+                <a:ea typeface="Corbel"/>
+                <a:cs typeface="Corbel"/>
+                <a:sym typeface="Corbel"/>
+              </a:defRPr>
+            </a:lvl1pPr>
+            <a:lvl2pPr marL="914400" marR="0" lvl="1" indent="-342900" algn="l" rtl="0">
+              <a:lnSpc>
+                <a:spcPct val="90000"/>
+              </a:lnSpc>
+              <a:spcBef>
+                <a:spcPts val="250"/>
+              </a:spcBef>
+              <a:spcAft>
+                <a:spcPts val="0"/>
+              </a:spcAft>
+              <a:buClr>
+                <a:schemeClr val="accent1"/>
+              </a:buClr>
+              <a:buSzPts val="1800"/>
+              <a:buFont typeface="Noto Sans Symbols"/>
+              <a:buChar char="●"/>
+              <a:defRPr sz="1800" b="0" i="0" u="none" strike="noStrike" cap="none">
+                <a:solidFill>
+                  <a:srgbClr val="595959"/>
+                </a:solidFill>
+                <a:latin typeface="Corbel"/>
+                <a:ea typeface="Corbel"/>
+                <a:cs typeface="Corbel"/>
+                <a:sym typeface="Corbel"/>
+              </a:defRPr>
+            </a:lvl2pPr>
+            <a:lvl3pPr marL="1371600" marR="0" lvl="2" indent="-342900" algn="l" rtl="0">
+              <a:lnSpc>
+                <a:spcPct val="90000"/>
+              </a:lnSpc>
+              <a:spcBef>
+                <a:spcPts val="250"/>
+              </a:spcBef>
+              <a:spcAft>
+                <a:spcPts val="0"/>
+              </a:spcAft>
+              <a:buClr>
+                <a:schemeClr val="accent1"/>
+              </a:buClr>
+              <a:buSzPts val="1800"/>
+              <a:buFont typeface="Noto Sans Symbols"/>
+              <a:buChar char="●"/>
+              <a:defRPr sz="1600" b="0" i="0" u="none" strike="noStrike" cap="none">
+                <a:solidFill>
+                  <a:srgbClr val="595959"/>
+                </a:solidFill>
+                <a:latin typeface="Corbel"/>
+                <a:ea typeface="Corbel"/>
+                <a:cs typeface="Corbel"/>
+                <a:sym typeface="Corbel"/>
+              </a:defRPr>
+            </a:lvl3pPr>
+            <a:lvl4pPr marL="1828800" marR="0" lvl="3" indent="-342900" algn="l" rtl="0">
+              <a:lnSpc>
+                <a:spcPct val="90000"/>
+              </a:lnSpc>
+              <a:spcBef>
+                <a:spcPts val="250"/>
+              </a:spcBef>
+              <a:spcAft>
+                <a:spcPts val="0"/>
+              </a:spcAft>
+              <a:buClr>
+                <a:schemeClr val="accent1"/>
+              </a:buClr>
+              <a:buSzPts val="1800"/>
+              <a:buFont typeface="Noto Sans Symbols"/>
+              <a:buChar char="●"/>
+              <a:defRPr sz="1400" b="0" i="0" u="none" strike="noStrike" cap="none">
+                <a:solidFill>
+                  <a:srgbClr val="595959"/>
+                </a:solidFill>
+                <a:latin typeface="Corbel"/>
+                <a:ea typeface="Corbel"/>
+                <a:cs typeface="Corbel"/>
+                <a:sym typeface="Corbel"/>
+              </a:defRPr>
+            </a:lvl4pPr>
+            <a:lvl5pPr marL="2286000" marR="0" lvl="4" indent="-342900" algn="l" rtl="0">
+              <a:lnSpc>
+                <a:spcPct val="90000"/>
+              </a:lnSpc>
+              <a:spcBef>
+                <a:spcPts val="250"/>
+              </a:spcBef>
+              <a:spcAft>
+                <a:spcPts val="0"/>
+              </a:spcAft>
+              <a:buClr>
+                <a:schemeClr val="accent1"/>
+              </a:buClr>
+              <a:buSzPts val="1800"/>
+              <a:buFont typeface="Noto Sans Symbols"/>
+              <a:buChar char="●"/>
+              <a:defRPr sz="1400" b="0" i="0" u="none" strike="noStrike" cap="none">
+                <a:solidFill>
+                  <a:srgbClr val="595959"/>
+                </a:solidFill>
+                <a:latin typeface="Corbel"/>
+                <a:ea typeface="Corbel"/>
+                <a:cs typeface="Corbel"/>
+                <a:sym typeface="Corbel"/>
+              </a:defRPr>
+            </a:lvl5pPr>
+            <a:lvl6pPr marL="2743200" marR="0" lvl="5" indent="-342900" algn="l" rtl="0">
+              <a:lnSpc>
+                <a:spcPct val="90000"/>
+              </a:lnSpc>
+              <a:spcBef>
+                <a:spcPts val="250"/>
+              </a:spcBef>
+              <a:spcAft>
+                <a:spcPts val="0"/>
+              </a:spcAft>
+              <a:buClr>
+                <a:schemeClr val="accent1"/>
+              </a:buClr>
+              <a:buSzPts val="1800"/>
+              <a:buFont typeface="Noto Sans Symbols"/>
+              <a:buChar char="●"/>
+              <a:defRPr sz="1400" b="0" i="0" u="none" strike="noStrike" cap="none">
+                <a:solidFill>
+                  <a:srgbClr val="595959"/>
+                </a:solidFill>
+                <a:latin typeface="Corbel"/>
+                <a:ea typeface="Corbel"/>
+                <a:cs typeface="Corbel"/>
+                <a:sym typeface="Corbel"/>
+              </a:defRPr>
+            </a:lvl6pPr>
+            <a:lvl7pPr marL="3200400" marR="0" lvl="6" indent="-342900" algn="l" rtl="0">
+              <a:lnSpc>
+                <a:spcPct val="90000"/>
+              </a:lnSpc>
+              <a:spcBef>
+                <a:spcPts val="250"/>
+              </a:spcBef>
+              <a:spcAft>
+                <a:spcPts val="0"/>
+              </a:spcAft>
+              <a:buClr>
+                <a:schemeClr val="accent1"/>
+              </a:buClr>
+              <a:buSzPts val="1800"/>
+              <a:buFont typeface="Noto Sans Symbols"/>
+              <a:buChar char="●"/>
+              <a:defRPr sz="1400" b="0" i="0" u="none" strike="noStrike" cap="none">
+                <a:solidFill>
+                  <a:srgbClr val="595959"/>
+                </a:solidFill>
+                <a:latin typeface="Corbel"/>
+                <a:ea typeface="Corbel"/>
+                <a:cs typeface="Corbel"/>
+                <a:sym typeface="Corbel"/>
+              </a:defRPr>
+            </a:lvl7pPr>
+            <a:lvl8pPr marL="3657600" marR="0" lvl="7" indent="-342900" algn="l" rtl="0">
+              <a:lnSpc>
+                <a:spcPct val="90000"/>
+              </a:lnSpc>
+              <a:spcBef>
+                <a:spcPts val="250"/>
+              </a:spcBef>
+              <a:spcAft>
+                <a:spcPts val="0"/>
+              </a:spcAft>
+              <a:buClr>
+                <a:schemeClr val="accent1"/>
+              </a:buClr>
+              <a:buSzPts val="1800"/>
+              <a:buFont typeface="Noto Sans Symbols"/>
+              <a:buChar char="●"/>
+              <a:defRPr sz="1400" b="0" i="0" u="none" strike="noStrike" cap="none">
+                <a:solidFill>
+                  <a:srgbClr val="595959"/>
+                </a:solidFill>
+                <a:latin typeface="Corbel"/>
+                <a:ea typeface="Corbel"/>
+                <a:cs typeface="Corbel"/>
+                <a:sym typeface="Corbel"/>
+              </a:defRPr>
+            </a:lvl8pPr>
+            <a:lvl9pPr marL="4114800" marR="0" lvl="8" indent="-342900" algn="l" rtl="0">
+              <a:lnSpc>
+                <a:spcPct val="90000"/>
+              </a:lnSpc>
+              <a:spcBef>
+                <a:spcPts val="250"/>
+              </a:spcBef>
+              <a:spcAft>
+                <a:spcPts val="250"/>
+              </a:spcAft>
+              <a:buClr>
+                <a:schemeClr val="accent1"/>
+              </a:buClr>
+              <a:buSzPts val="1800"/>
+              <a:buFont typeface="Noto Sans Symbols"/>
+              <a:buChar char="●"/>
+              <a:defRPr sz="1400" b="0" i="0" u="none" strike="noStrike" cap="none">
+                <a:solidFill>
+                  <a:srgbClr val="595959"/>
+                </a:solidFill>
+                <a:latin typeface="Corbel"/>
+                <a:ea typeface="Corbel"/>
+                <a:cs typeface="Corbel"/>
+                <a:sym typeface="Corbel"/>
+              </a:defRPr>
+            </a:lvl9pPr>
+          </a:lstStyle>
+          <a:p>
+            <a:pPr marL="0" indent="0">
+              <a:lnSpc>
+                <a:spcPct val="80000"/>
+              </a:lnSpc>
+              <a:spcBef>
+                <a:spcPts val="0"/>
+              </a:spcBef>
+              <a:buNone/>
+            </a:pPr>
+            <a:r>
+              <a:rPr lang="en-US" sz="1600" dirty="0">
+                <a:solidFill>
+                  <a:srgbClr val="FFFFFF"/>
+                </a:solidFill>
+              </a:rPr>
+              <a:t>In order to see how climate change influences  the composition of the clusters, we looked at what part of the days goes to what cluster</a:t>
+            </a:r>
+          </a:p>
+          <a:p>
+            <a:pPr marL="0" indent="0">
+              <a:lnSpc>
+                <a:spcPct val="80000"/>
+              </a:lnSpc>
+              <a:spcBef>
+                <a:spcPts val="0"/>
+              </a:spcBef>
+              <a:buFont typeface="Noto Sans Symbols"/>
+              <a:buNone/>
+            </a:pPr>
+            <a:endParaRPr lang="en-US" sz="1600" dirty="0">
+              <a:solidFill>
+                <a:srgbClr val="FFFFFF"/>
+              </a:solidFill>
+            </a:endParaRPr>
+          </a:p>
+          <a:p>
+            <a:pPr marL="0" indent="0">
+              <a:lnSpc>
+                <a:spcPct val="80000"/>
+              </a:lnSpc>
+              <a:spcBef>
+                <a:spcPts val="0"/>
+              </a:spcBef>
+              <a:buFont typeface="Noto Sans Symbols"/>
+              <a:buNone/>
+            </a:pPr>
+            <a:endParaRPr lang="en-US" sz="1600" dirty="0">
+              <a:solidFill>
+                <a:srgbClr val="FFFFFF"/>
+              </a:solidFill>
+            </a:endParaRPr>
+          </a:p>
+          <a:p>
+            <a:pPr marL="0" indent="0">
+              <a:lnSpc>
+                <a:spcPct val="80000"/>
+              </a:lnSpc>
+              <a:spcBef>
+                <a:spcPts val="0"/>
+              </a:spcBef>
+              <a:buFont typeface="Noto Sans Symbols"/>
+              <a:buNone/>
+            </a:pPr>
+            <a:r>
+              <a:rPr lang="en-US" sz="2800" dirty="0">
+                <a:solidFill>
+                  <a:srgbClr val="FFFFFF"/>
+                </a:solidFill>
+              </a:rPr>
+              <a:t>4 clusters:</a:t>
+            </a:r>
+            <a:endParaRPr lang="en-US" sz="3200" dirty="0"/>
+          </a:p>
+          <a:p>
+            <a:pPr marL="0" indent="0">
+              <a:lnSpc>
+                <a:spcPct val="80000"/>
+              </a:lnSpc>
+              <a:spcBef>
+                <a:spcPts val="0"/>
+              </a:spcBef>
+              <a:buFont typeface="Noto Sans Symbols"/>
+              <a:buNone/>
+            </a:pPr>
+            <a:endParaRPr lang="en-US" sz="1600" dirty="0">
+              <a:solidFill>
+                <a:srgbClr val="FFFFFF"/>
+              </a:solidFill>
+            </a:endParaRPr>
+          </a:p>
+          <a:p>
+            <a:pPr marL="0" indent="0">
+              <a:lnSpc>
+                <a:spcPct val="80000"/>
+              </a:lnSpc>
+              <a:spcBef>
+                <a:spcPts val="0"/>
+              </a:spcBef>
+              <a:buFont typeface="Noto Sans Symbols"/>
+              <a:buNone/>
+            </a:pPr>
+            <a:endParaRPr lang="en-US" sz="1600" dirty="0">
+              <a:solidFill>
+                <a:srgbClr val="FFFFFF"/>
+              </a:solidFill>
+            </a:endParaRPr>
+          </a:p>
+        </p:txBody>
+      </p:sp>
+      <p:pic>
+        <p:nvPicPr>
+          <p:cNvPr id="3" name="Picture 2">
+            <a:extLst>
+              <a:ext uri="{FF2B5EF4-FFF2-40B4-BE49-F238E27FC236}">
+                <a16:creationId xmlns:a16="http://schemas.microsoft.com/office/drawing/2014/main" id="{C2CCFFA5-CAEA-4140-B1AB-216FE7498AD0}"/>
+              </a:ext>
+            </a:extLst>
+          </p:cNvPr>
+          <p:cNvPicPr>
+            <a:picLocks noChangeAspect="1"/>
+          </p:cNvPicPr>
+          <p:nvPr/>
+        </p:nvPicPr>
+        <p:blipFill>
+          <a:blip r:embed="rId3"/>
+          <a:srcRect/>
+          <a:stretch/>
+        </p:blipFill>
+        <p:spPr>
+          <a:xfrm>
+            <a:off x="3713898" y="1589085"/>
+            <a:ext cx="8114712" cy="4500818"/>
+          </a:xfrm>
+          <a:prstGeom prst="rect">
+            <a:avLst/>
+          </a:prstGeom>
+        </p:spPr>
+      </p:pic>
+    </p:spTree>
+    <p:extLst>
+      <p:ext uri="{BB962C8B-B14F-4D97-AF65-F5344CB8AC3E}">
+        <p14:creationId xmlns:p14="http://schemas.microsoft.com/office/powerpoint/2010/main" val="1849569646"/>
+      </p:ext>
+    </p:extLst>
+  </p:cSld>
+  <p:clrMapOvr>
+    <a:masterClrMapping/>
+  </p:clrMapOvr>
+</p:sld>
+</file>
+
+<file path=ppt/slides/slide11.xml><?xml version="1.0" encoding="utf-8"?>
+<p:sld xmlns:a="http://schemas.openxmlformats.org/drawingml/2006/main" xmlns:r="http://schemas.openxmlformats.org/officeDocument/2006/relationships" xmlns:p="http://schemas.openxmlformats.org/presentationml/2006/main">
+  <p:cSld>
+    <p:bg>
+      <p:bgPr>
+        <a:solidFill>
+          <a:schemeClr val="lt1"/>
+        </a:solidFill>
+        <a:effectLst/>
+      </p:bgPr>
+    </p:bg>
+    <p:spTree>
+      <p:nvGrpSpPr>
+        <p:cNvPr id="1" name="Shape 100"/>
+        <p:cNvGrpSpPr/>
+        <p:nvPr/>
+      </p:nvGrpSpPr>
+      <p:grpSpPr>
+        <a:xfrm>
+          <a:off x="0" y="0"/>
+          <a:ext cx="0" cy="0"/>
+          <a:chOff x="0" y="0"/>
+          <a:chExt cx="0" cy="0"/>
+        </a:xfrm>
+      </p:grpSpPr>
+      <p:pic>
+        <p:nvPicPr>
+          <p:cNvPr id="106" name="Google Shape;106;p3"/>
+          <p:cNvPicPr preferRelativeResize="0"/>
+          <p:nvPr/>
+        </p:nvPicPr>
+        <p:blipFill rotWithShape="1">
+          <a:blip r:embed="rId3">
+            <a:alphaModFix/>
+          </a:blip>
+          <a:srcRect/>
+          <a:stretch/>
+        </p:blipFill>
+        <p:spPr>
+          <a:xfrm>
+            <a:off x="2735219" y="1228364"/>
+            <a:ext cx="9332400" cy="4505799"/>
+          </a:xfrm>
+          <a:prstGeom prst="rect">
+            <a:avLst/>
+          </a:prstGeom>
+          <a:noFill/>
+          <a:ln>
+            <a:noFill/>
+          </a:ln>
+        </p:spPr>
+      </p:pic>
+      <p:sp>
+        <p:nvSpPr>
+          <p:cNvPr id="102" name="Google Shape;102;p3"/>
+          <p:cNvSpPr/>
+          <p:nvPr/>
+        </p:nvSpPr>
+        <p:spPr>
+          <a:xfrm>
+            <a:off x="-1" y="758953"/>
+            <a:ext cx="3577575" cy="5330952"/>
+          </a:xfrm>
+          <a:prstGeom prst="rect">
+            <a:avLst/>
+          </a:prstGeom>
+          <a:solidFill>
+            <a:schemeClr val="accent1"/>
+          </a:solidFill>
+          <a:ln>
+            <a:noFill/>
+          </a:ln>
+        </p:spPr>
+        <p:txBody>
+          <a:bodyPr spcFirstLastPara="1" wrap="square" lIns="91425" tIns="91425" rIns="91425" bIns="91425" anchor="ctr" anchorCtr="0">
+            <a:noAutofit/>
+          </a:bodyPr>
+          <a:lstStyle/>
+          <a:p>
+            <a:pPr marL="0" marR="0" lvl="0" indent="0" algn="l" rtl="0">
+              <a:lnSpc>
+                <a:spcPct val="100000"/>
+              </a:lnSpc>
+              <a:spcBef>
+                <a:spcPts val="0"/>
+              </a:spcBef>
+              <a:spcAft>
+                <a:spcPts val="0"/>
+              </a:spcAft>
+              <a:buClr>
+                <a:srgbClr val="000000"/>
+              </a:buClr>
+              <a:buSzPts val="1400"/>
+              <a:buFont typeface="Arial"/>
+              <a:buNone/>
+            </a:pPr>
+            <a:endParaRPr sz="1400" b="0" i="0" u="none" strike="noStrike" cap="none">
+              <a:solidFill>
+                <a:srgbClr val="000000"/>
+              </a:solidFill>
+              <a:latin typeface="Arial"/>
+              <a:ea typeface="Arial"/>
+              <a:cs typeface="Arial"/>
+              <a:sym typeface="Arial"/>
+            </a:endParaRPr>
+          </a:p>
+        </p:txBody>
+      </p:sp>
+      <p:sp>
+        <p:nvSpPr>
+          <p:cNvPr id="104" name="Google Shape;104;p3"/>
+          <p:cNvSpPr txBox="1">
+            <a:spLocks noGrp="1"/>
+          </p:cNvSpPr>
+          <p:nvPr>
+            <p:ph type="body" idx="1"/>
+          </p:nvPr>
+        </p:nvSpPr>
+        <p:spPr>
+          <a:xfrm>
+            <a:off x="252920" y="2496804"/>
+            <a:ext cx="2947482" cy="3409473"/>
+          </a:xfrm>
+          <a:prstGeom prst="rect">
+            <a:avLst/>
+          </a:prstGeom>
+          <a:noFill/>
+          <a:ln>
+            <a:noFill/>
+          </a:ln>
+        </p:spPr>
+        <p:txBody>
+          <a:bodyPr spcFirstLastPara="1" wrap="square" lIns="91425" tIns="45700" rIns="91425" bIns="45700" anchor="t" anchorCtr="0">
+            <a:noAutofit/>
+          </a:bodyPr>
+          <a:lstStyle/>
+          <a:p>
+            <a:pPr marL="0" lvl="0" indent="0" algn="l" rtl="0">
+              <a:lnSpc>
+                <a:spcPct val="80000"/>
+              </a:lnSpc>
+              <a:spcBef>
+                <a:spcPts val="0"/>
+              </a:spcBef>
+              <a:spcAft>
+                <a:spcPts val="0"/>
+              </a:spcAft>
+              <a:buSzPts val="1800"/>
+              <a:buNone/>
+            </a:pPr>
+            <a:endParaRPr sz="1600" dirty="0">
+              <a:solidFill>
+                <a:srgbClr val="FFFFFF"/>
+              </a:solidFill>
+            </a:endParaRPr>
+          </a:p>
+          <a:p>
+            <a:pPr marL="0" lvl="0" indent="0" algn="l" rtl="0">
+              <a:lnSpc>
+                <a:spcPct val="80000"/>
+              </a:lnSpc>
+              <a:spcBef>
+                <a:spcPts val="0"/>
+              </a:spcBef>
+              <a:spcAft>
+                <a:spcPts val="0"/>
+              </a:spcAft>
+              <a:buSzPts val="1800"/>
+              <a:buNone/>
+            </a:pPr>
+            <a:endParaRPr sz="1600" dirty="0">
+              <a:solidFill>
+                <a:srgbClr val="FFFFFF"/>
+              </a:solidFill>
+            </a:endParaRPr>
+          </a:p>
+          <a:p>
+            <a:pPr marL="0" lvl="0" indent="0" algn="l" rtl="0">
+              <a:lnSpc>
+                <a:spcPct val="80000"/>
+              </a:lnSpc>
+              <a:spcBef>
+                <a:spcPts val="0"/>
+              </a:spcBef>
+              <a:spcAft>
+                <a:spcPts val="0"/>
+              </a:spcAft>
+              <a:buSzPts val="1800"/>
+              <a:buNone/>
+            </a:pPr>
+            <a:r>
+              <a:rPr lang="nl-NL" sz="1600" dirty="0">
+                <a:solidFill>
+                  <a:srgbClr val="FFFFFF"/>
+                </a:solidFill>
+              </a:rPr>
+              <a:t>Tried to see if clusters were different for different stations, wasn’t the case, see image on the right. This shows from left to right the clustering results for stations 1-5. Top shows clustering for first 10 years, bottom shows clustering for last 10 years. </a:t>
+            </a:r>
+            <a:endParaRPr sz="1600" dirty="0">
+              <a:solidFill>
+                <a:srgbClr val="FFFFFF"/>
+              </a:solidFill>
+            </a:endParaRPr>
+          </a:p>
+          <a:p>
+            <a:pPr marL="182880" lvl="0" indent="-81278" algn="l" rtl="0">
+              <a:lnSpc>
+                <a:spcPct val="80000"/>
+              </a:lnSpc>
+              <a:spcBef>
+                <a:spcPts val="0"/>
+              </a:spcBef>
+              <a:spcAft>
+                <a:spcPts val="0"/>
+              </a:spcAft>
+              <a:buSzPts val="1600"/>
+              <a:buNone/>
+            </a:pPr>
+            <a:endParaRPr dirty="0"/>
+          </a:p>
+          <a:p>
+            <a:pPr marL="182880" lvl="0" indent="-81278" algn="l" rtl="0">
+              <a:lnSpc>
+                <a:spcPct val="80000"/>
+              </a:lnSpc>
+              <a:spcBef>
+                <a:spcPts val="1200"/>
+              </a:spcBef>
+              <a:spcAft>
+                <a:spcPts val="0"/>
+              </a:spcAft>
+              <a:buSzPts val="1600"/>
+              <a:buNone/>
+            </a:pPr>
+            <a:endParaRPr sz="1600" dirty="0">
+              <a:solidFill>
+                <a:srgbClr val="FFFFFF"/>
+              </a:solidFill>
+            </a:endParaRPr>
+          </a:p>
+        </p:txBody>
+      </p:sp>
+      <p:sp>
+        <p:nvSpPr>
+          <p:cNvPr id="105" name="Google Shape;105;p3"/>
+          <p:cNvSpPr/>
+          <p:nvPr/>
+        </p:nvSpPr>
+        <p:spPr>
+          <a:xfrm>
+            <a:off x="11815864" y="758952"/>
+            <a:ext cx="384048" cy="5330952"/>
+          </a:xfrm>
+          <a:prstGeom prst="rect">
+            <a:avLst/>
+          </a:prstGeom>
+          <a:solidFill>
+            <a:srgbClr val="C8C8C8">
+              <a:alpha val="48627"/>
+            </a:srgbClr>
+          </a:solidFill>
+          <a:ln>
+            <a:noFill/>
+          </a:ln>
+        </p:spPr>
+        <p:txBody>
+          <a:bodyPr spcFirstLastPara="1" wrap="square" lIns="91425" tIns="91425" rIns="91425" bIns="91425" anchor="ctr" anchorCtr="0">
+            <a:noAutofit/>
+          </a:bodyPr>
+          <a:lstStyle/>
+          <a:p>
+            <a:pPr marL="0" marR="0" lvl="0" indent="0" algn="l" rtl="0">
+              <a:lnSpc>
+                <a:spcPct val="100000"/>
+              </a:lnSpc>
+              <a:spcBef>
+                <a:spcPts val="0"/>
+              </a:spcBef>
+              <a:spcAft>
+                <a:spcPts val="0"/>
+              </a:spcAft>
+              <a:buClr>
+                <a:srgbClr val="000000"/>
+              </a:buClr>
+              <a:buSzPts val="1400"/>
+              <a:buFont typeface="Arial"/>
+              <a:buNone/>
+            </a:pPr>
+            <a:endParaRPr sz="1400" b="0" i="0" u="none" strike="noStrike" cap="none">
+              <a:solidFill>
+                <a:srgbClr val="000000"/>
+              </a:solidFill>
+              <a:latin typeface="Arial"/>
+              <a:ea typeface="Arial"/>
+              <a:cs typeface="Arial"/>
+              <a:sym typeface="Arial"/>
+            </a:endParaRPr>
+          </a:p>
+        </p:txBody>
+      </p:sp>
+      <p:sp>
+        <p:nvSpPr>
+          <p:cNvPr id="6" name="Google Shape;103;p3">
+            <a:extLst>
+              <a:ext uri="{FF2B5EF4-FFF2-40B4-BE49-F238E27FC236}">
+                <a16:creationId xmlns:a16="http://schemas.microsoft.com/office/drawing/2014/main" id="{74E0C597-D449-4ABF-ACBE-364FA2A90C20}"/>
+              </a:ext>
+            </a:extLst>
+          </p:cNvPr>
+          <p:cNvSpPr txBox="1">
+            <a:spLocks noGrp="1"/>
+          </p:cNvSpPr>
+          <p:nvPr>
+            <p:ph type="title"/>
+          </p:nvPr>
+        </p:nvSpPr>
+        <p:spPr>
+          <a:xfrm>
+            <a:off x="252919" y="1123837"/>
+            <a:ext cx="3234942" cy="1038177"/>
+          </a:xfrm>
+          <a:prstGeom prst="rect">
+            <a:avLst/>
+          </a:prstGeom>
+          <a:noFill/>
+          <a:ln>
+            <a:noFill/>
+          </a:ln>
+        </p:spPr>
+        <p:txBody>
+          <a:bodyPr spcFirstLastPara="1" wrap="square" lIns="91425" tIns="45700" rIns="91425" bIns="45700" anchor="b" anchorCtr="0">
+            <a:noAutofit/>
+          </a:bodyPr>
+          <a:lstStyle/>
+          <a:p>
+            <a:pPr marL="0" lvl="0" indent="0" algn="l" rtl="0">
+              <a:lnSpc>
+                <a:spcPct val="90000"/>
+              </a:lnSpc>
+              <a:spcBef>
+                <a:spcPts val="0"/>
+              </a:spcBef>
+              <a:spcAft>
+                <a:spcPts val="0"/>
+              </a:spcAft>
+              <a:buClr>
+                <a:srgbClr val="FFFFFF"/>
+              </a:buClr>
+              <a:buSzPts val="2160"/>
+              <a:buFont typeface="Corbel"/>
+              <a:buNone/>
+            </a:pPr>
+            <a:r>
+              <a:rPr lang="nl-NL" sz="3200" dirty="0"/>
+              <a:t>Comparing different stations</a:t>
+            </a:r>
+            <a:endParaRPr sz="4800" dirty="0"/>
+          </a:p>
+        </p:txBody>
+      </p:sp>
+    </p:spTree>
+  </p:cSld>
+  <p:clrMapOvr>
+    <a:masterClrMapping/>
+  </p:clrMapOvr>
+  <mc:AlternateContent xmlns:mc="http://schemas.openxmlformats.org/markup-compatibility/2006" xmlns:p159="http://schemas.microsoft.com/office/powerpoint/2015/09/main">
+    <mc:Choice Requires="p159">
+      <p:transition xmlns:p14="http://schemas.microsoft.com/office/powerpoint/2010/main" spd="slow" p14:dur="2000">
+        <p159:morph option="byObject"/>
+      </p:transition>
+    </mc:Choice>
+    <mc:Fallback xmlns="">
+      <p:transition spd="slow">
+        <p:fade/>
+      </p:transition>
+    </mc:Fallback>
+  </mc:AlternateContent>
+</p:sld>
+</file>
+
+<file path=ppt/slides/slide12.xml><?xml version="1.0" encoding="utf-8"?>
+<p:sld xmlns:a="http://schemas.openxmlformats.org/drawingml/2006/main" xmlns:r="http://schemas.openxmlformats.org/officeDocument/2006/relationships" xmlns:p="http://schemas.openxmlformats.org/presentationml/2006/main">
+  <p:cSld>
+    <p:bg>
+      <p:bgPr>
+        <a:solidFill>
+          <a:schemeClr val="lt1"/>
+        </a:solidFill>
+        <a:effectLst/>
+      </p:bgPr>
+    </p:bg>
+    <p:spTree>
+      <p:nvGrpSpPr>
+        <p:cNvPr id="1" name="Shape 110"/>
+        <p:cNvGrpSpPr/>
+        <p:nvPr/>
+      </p:nvGrpSpPr>
+      <p:grpSpPr>
+        <a:xfrm>
+          <a:off x="0" y="0"/>
+          <a:ext cx="0" cy="0"/>
+          <a:chOff x="0" y="0"/>
+          <a:chExt cx="0" cy="0"/>
+        </a:xfrm>
+      </p:grpSpPr>
+      <p:sp>
+        <p:nvSpPr>
+          <p:cNvPr id="111" name="Google Shape;111;p4"/>
+          <p:cNvSpPr/>
+          <p:nvPr/>
+        </p:nvSpPr>
+        <p:spPr>
+          <a:xfrm>
+            <a:off x="0" y="0"/>
+            <a:ext cx="12192000" cy="6858000"/>
+          </a:xfrm>
+          <a:prstGeom prst="rect">
+            <a:avLst/>
+          </a:prstGeom>
+          <a:solidFill>
+            <a:schemeClr val="lt1"/>
+          </a:solidFill>
+          <a:ln>
+            <a:noFill/>
+          </a:ln>
+        </p:spPr>
+        <p:txBody>
+          <a:bodyPr spcFirstLastPara="1" wrap="square" lIns="91425" tIns="45700" rIns="91425" bIns="45700" anchor="ctr" anchorCtr="0">
+            <a:noAutofit/>
+          </a:bodyPr>
+          <a:lstStyle/>
+          <a:p>
+            <a:pPr marL="0" marR="0" lvl="0" indent="0" algn="ctr" rtl="0">
+              <a:lnSpc>
+                <a:spcPct val="100000"/>
+              </a:lnSpc>
+              <a:spcBef>
+                <a:spcPts val="0"/>
+              </a:spcBef>
+              <a:spcAft>
+                <a:spcPts val="0"/>
+              </a:spcAft>
+              <a:buClr>
+                <a:srgbClr val="000000"/>
+              </a:buClr>
+              <a:buSzPts val="1800"/>
+              <a:buFont typeface="Arial"/>
+              <a:buNone/>
+            </a:pPr>
+            <a:endParaRPr sz="1800" b="0" i="0" u="none" strike="noStrike" cap="none">
+              <a:solidFill>
+                <a:schemeClr val="lt1"/>
+              </a:solidFill>
+              <a:latin typeface="Corbel"/>
+              <a:ea typeface="Corbel"/>
+              <a:cs typeface="Corbel"/>
+              <a:sym typeface="Corbel"/>
+            </a:endParaRPr>
+          </a:p>
+        </p:txBody>
+      </p:sp>
+      <p:sp>
+        <p:nvSpPr>
+          <p:cNvPr id="112" name="Google Shape;112;p4"/>
+          <p:cNvSpPr/>
+          <p:nvPr/>
+        </p:nvSpPr>
+        <p:spPr>
+          <a:xfrm>
+            <a:off x="-1" y="758953"/>
+            <a:ext cx="3577575" cy="5330952"/>
+          </a:xfrm>
+          <a:prstGeom prst="rect">
+            <a:avLst/>
+          </a:prstGeom>
+          <a:solidFill>
+            <a:schemeClr val="accent1"/>
+          </a:solidFill>
+          <a:ln>
+            <a:noFill/>
+          </a:ln>
+        </p:spPr>
+        <p:txBody>
+          <a:bodyPr spcFirstLastPara="1" wrap="square" lIns="91425" tIns="91425" rIns="91425" bIns="91425" anchor="ctr" anchorCtr="0">
+            <a:noAutofit/>
+          </a:bodyPr>
+          <a:lstStyle/>
+          <a:p>
+            <a:pPr marL="0" marR="0" lvl="0" indent="0" algn="l" rtl="0">
+              <a:lnSpc>
+                <a:spcPct val="100000"/>
+              </a:lnSpc>
+              <a:spcBef>
+                <a:spcPts val="0"/>
+              </a:spcBef>
+              <a:spcAft>
+                <a:spcPts val="0"/>
+              </a:spcAft>
+              <a:buClr>
+                <a:srgbClr val="000000"/>
+              </a:buClr>
+              <a:buSzPts val="1400"/>
+              <a:buFont typeface="Arial"/>
+              <a:buNone/>
+            </a:pPr>
+            <a:endParaRPr sz="1400" b="0" i="0" u="none" strike="noStrike" cap="none">
+              <a:solidFill>
+                <a:srgbClr val="000000"/>
+              </a:solidFill>
+              <a:latin typeface="Arial"/>
+              <a:ea typeface="Arial"/>
+              <a:cs typeface="Arial"/>
+              <a:sym typeface="Arial"/>
+            </a:endParaRPr>
+          </a:p>
+        </p:txBody>
+      </p:sp>
+      <p:sp>
+        <p:nvSpPr>
+          <p:cNvPr id="114" name="Google Shape;114;p4"/>
+          <p:cNvSpPr/>
+          <p:nvPr/>
+        </p:nvSpPr>
+        <p:spPr>
+          <a:xfrm>
+            <a:off x="11815864" y="758952"/>
+            <a:ext cx="384048" cy="5330952"/>
+          </a:xfrm>
+          <a:prstGeom prst="rect">
+            <a:avLst/>
+          </a:prstGeom>
+          <a:solidFill>
+            <a:srgbClr val="C8C8C8">
+              <a:alpha val="48627"/>
+            </a:srgbClr>
+          </a:solidFill>
+          <a:ln>
+            <a:noFill/>
+          </a:ln>
+        </p:spPr>
+        <p:txBody>
+          <a:bodyPr spcFirstLastPara="1" wrap="square" lIns="91425" tIns="91425" rIns="91425" bIns="91425" anchor="ctr" anchorCtr="0">
+            <a:noAutofit/>
+          </a:bodyPr>
+          <a:lstStyle/>
+          <a:p>
+            <a:pPr marL="0" marR="0" lvl="0" indent="0" algn="l" rtl="0">
+              <a:lnSpc>
+                <a:spcPct val="100000"/>
+              </a:lnSpc>
+              <a:spcBef>
+                <a:spcPts val="0"/>
+              </a:spcBef>
+              <a:spcAft>
+                <a:spcPts val="0"/>
+              </a:spcAft>
+              <a:buClr>
+                <a:srgbClr val="000000"/>
+              </a:buClr>
+              <a:buSzPts val="1400"/>
+              <a:buFont typeface="Arial"/>
+              <a:buNone/>
+            </a:pPr>
+            <a:endParaRPr sz="1400" b="0" i="0" u="none" strike="noStrike" cap="none">
+              <a:solidFill>
+                <a:srgbClr val="000000"/>
+              </a:solidFill>
+              <a:latin typeface="Arial"/>
+              <a:ea typeface="Arial"/>
+              <a:cs typeface="Arial"/>
+              <a:sym typeface="Arial"/>
+            </a:endParaRPr>
+          </a:p>
+        </p:txBody>
+      </p:sp>
+      <p:sp>
+        <p:nvSpPr>
+          <p:cNvPr id="115" name="Google Shape;115;p4"/>
+          <p:cNvSpPr txBox="1">
+            <a:spLocks noGrp="1"/>
+          </p:cNvSpPr>
+          <p:nvPr>
+            <p:ph type="body" idx="1"/>
+          </p:nvPr>
+        </p:nvSpPr>
+        <p:spPr>
+          <a:xfrm>
+            <a:off x="252920" y="2162014"/>
+            <a:ext cx="2947500" cy="3744300"/>
+          </a:xfrm>
+          <a:prstGeom prst="rect">
+            <a:avLst/>
+          </a:prstGeom>
+          <a:noFill/>
+          <a:ln>
+            <a:noFill/>
+          </a:ln>
+        </p:spPr>
+        <p:txBody>
+          <a:bodyPr spcFirstLastPara="1" wrap="square" lIns="91425" tIns="45700" rIns="91425" bIns="45700" anchor="t" anchorCtr="0">
+            <a:noAutofit/>
+          </a:bodyPr>
+          <a:lstStyle/>
+          <a:p>
+            <a:pPr marL="0" lvl="0" indent="0" algn="l" rtl="0">
+              <a:lnSpc>
+                <a:spcPct val="80000"/>
+              </a:lnSpc>
+              <a:spcBef>
+                <a:spcPts val="0"/>
+              </a:spcBef>
+              <a:spcAft>
+                <a:spcPts val="0"/>
+              </a:spcAft>
+              <a:buSzPts val="1800"/>
+              <a:buNone/>
+            </a:pPr>
+            <a:r>
+              <a:rPr lang="nl-NL" sz="1600">
+                <a:solidFill>
+                  <a:srgbClr val="FFFFFF"/>
+                </a:solidFill>
+              </a:rPr>
+              <a:t>Setup: standardized all variables, so gave all variables mean zero, variance 1. Next, applied Kmeans clustering for 1 station. </a:t>
+            </a:r>
+            <a:endParaRPr/>
+          </a:p>
+          <a:p>
+            <a:pPr marL="0" lvl="0" indent="0" algn="l" rtl="0">
+              <a:lnSpc>
+                <a:spcPct val="80000"/>
+              </a:lnSpc>
+              <a:spcBef>
+                <a:spcPts val="0"/>
+              </a:spcBef>
+              <a:spcAft>
+                <a:spcPts val="0"/>
+              </a:spcAft>
+              <a:buSzPts val="1800"/>
+              <a:buNone/>
+            </a:pPr>
+            <a:endParaRPr sz="1600">
+              <a:solidFill>
+                <a:srgbClr val="FFFFFF"/>
+              </a:solidFill>
+            </a:endParaRPr>
+          </a:p>
+          <a:p>
+            <a:pPr marL="0" lvl="0" indent="0" algn="l" rtl="0">
+              <a:lnSpc>
+                <a:spcPct val="80000"/>
+              </a:lnSpc>
+              <a:spcBef>
+                <a:spcPts val="0"/>
+              </a:spcBef>
+              <a:spcAft>
+                <a:spcPts val="0"/>
+              </a:spcAft>
+              <a:buSzPts val="1800"/>
+              <a:buNone/>
+            </a:pPr>
+            <a:r>
+              <a:rPr lang="nl-NL" sz="1600">
+                <a:solidFill>
+                  <a:srgbClr val="FFFFFF"/>
+                </a:solidFill>
+              </a:rPr>
+              <a:t>Fixed a bug that gave weird results. </a:t>
+            </a:r>
+            <a:endParaRPr sz="1600">
+              <a:solidFill>
+                <a:srgbClr val="FFFFFF"/>
+              </a:solidFill>
+            </a:endParaRPr>
+          </a:p>
+          <a:p>
+            <a:pPr marL="0" lvl="0" indent="0" algn="l" rtl="0">
+              <a:lnSpc>
+                <a:spcPct val="80000"/>
+              </a:lnSpc>
+              <a:spcBef>
+                <a:spcPts val="0"/>
+              </a:spcBef>
+              <a:spcAft>
+                <a:spcPts val="0"/>
+              </a:spcAft>
+              <a:buSzPts val="1800"/>
+              <a:buNone/>
+            </a:pPr>
+            <a:endParaRPr sz="1600">
+              <a:solidFill>
+                <a:srgbClr val="FFFFFF"/>
+              </a:solidFill>
+            </a:endParaRPr>
+          </a:p>
+          <a:p>
+            <a:pPr marL="0" lvl="0" indent="0" algn="l" rtl="0">
+              <a:lnSpc>
+                <a:spcPct val="80000"/>
+              </a:lnSpc>
+              <a:spcBef>
+                <a:spcPts val="0"/>
+              </a:spcBef>
+              <a:spcAft>
+                <a:spcPts val="0"/>
+              </a:spcAft>
+              <a:buSzPts val="1800"/>
+              <a:buNone/>
+            </a:pPr>
+            <a:r>
+              <a:rPr lang="nl-NL" sz="1600">
+                <a:solidFill>
+                  <a:srgbClr val="FFFFFF"/>
+                </a:solidFill>
+              </a:rPr>
+              <a:t>Tried to see if we could cluster per station, wasn’t successful. Image shows the relative amount of points of each cluster, per station. Everything almost the same, as expected since data points between different stations don’t differ much, so clustering will most likely cluster based on seasons, and not on location.  </a:t>
+            </a:r>
+            <a:endParaRPr sz="1600">
+              <a:solidFill>
+                <a:srgbClr val="FFFFFF"/>
+              </a:solidFill>
+            </a:endParaRPr>
+          </a:p>
+          <a:p>
+            <a:pPr marL="182880" lvl="0" indent="-81278" algn="l" rtl="0">
+              <a:lnSpc>
+                <a:spcPct val="80000"/>
+              </a:lnSpc>
+              <a:spcBef>
+                <a:spcPts val="0"/>
+              </a:spcBef>
+              <a:spcAft>
+                <a:spcPts val="0"/>
+              </a:spcAft>
+              <a:buSzPts val="1600"/>
+              <a:buNone/>
+            </a:pPr>
+            <a:endParaRPr/>
+          </a:p>
+          <a:p>
+            <a:pPr marL="182880" lvl="0" indent="-81276" algn="l" rtl="0">
+              <a:lnSpc>
+                <a:spcPct val="80000"/>
+              </a:lnSpc>
+              <a:spcBef>
+                <a:spcPts val="1200"/>
+              </a:spcBef>
+              <a:spcAft>
+                <a:spcPts val="0"/>
+              </a:spcAft>
+              <a:buSzPts val="1600"/>
+              <a:buNone/>
+            </a:pPr>
+            <a:endParaRPr sz="1600">
+              <a:solidFill>
+                <a:srgbClr val="FFFFFF"/>
+              </a:solidFill>
+            </a:endParaRPr>
+          </a:p>
+        </p:txBody>
+      </p:sp>
+      <p:pic>
+        <p:nvPicPr>
+          <p:cNvPr id="116" name="Google Shape;116;p4"/>
+          <p:cNvPicPr preferRelativeResize="0"/>
+          <p:nvPr/>
+        </p:nvPicPr>
+        <p:blipFill rotWithShape="1">
+          <a:blip r:embed="rId3">
+            <a:alphaModFix/>
+          </a:blip>
+          <a:srcRect/>
+          <a:stretch/>
+        </p:blipFill>
+        <p:spPr>
+          <a:xfrm>
+            <a:off x="3985175" y="1742150"/>
+            <a:ext cx="7830700" cy="3256575"/>
+          </a:xfrm>
+          <a:prstGeom prst="rect">
+            <a:avLst/>
+          </a:prstGeom>
+          <a:noFill/>
+          <a:ln>
+            <a:noFill/>
+          </a:ln>
+        </p:spPr>
+      </p:pic>
+      <p:sp>
+        <p:nvSpPr>
+          <p:cNvPr id="10" name="Google Shape;103;p3">
+            <a:extLst>
+              <a:ext uri="{FF2B5EF4-FFF2-40B4-BE49-F238E27FC236}">
+                <a16:creationId xmlns:a16="http://schemas.microsoft.com/office/drawing/2014/main" id="{7076B766-B1F1-4B5E-AEC3-29F0073A786A}"/>
+              </a:ext>
+            </a:extLst>
+          </p:cNvPr>
+          <p:cNvSpPr txBox="1">
+            <a:spLocks noGrp="1"/>
+          </p:cNvSpPr>
+          <p:nvPr>
+            <p:ph type="title"/>
+          </p:nvPr>
+        </p:nvSpPr>
+        <p:spPr>
+          <a:xfrm>
+            <a:off x="252919" y="1123837"/>
+            <a:ext cx="3234942" cy="1038177"/>
+          </a:xfrm>
+          <a:prstGeom prst="rect">
+            <a:avLst/>
+          </a:prstGeom>
+          <a:noFill/>
+          <a:ln>
+            <a:noFill/>
+          </a:ln>
+        </p:spPr>
+        <p:txBody>
+          <a:bodyPr spcFirstLastPara="1" wrap="square" lIns="91425" tIns="45700" rIns="91425" bIns="45700" anchor="b" anchorCtr="0">
+            <a:noAutofit/>
+          </a:bodyPr>
+          <a:lstStyle/>
+          <a:p>
+            <a:pPr marL="0" lvl="0" indent="0" algn="l" rtl="0">
+              <a:lnSpc>
+                <a:spcPct val="90000"/>
+              </a:lnSpc>
+              <a:spcBef>
+                <a:spcPts val="0"/>
+              </a:spcBef>
+              <a:spcAft>
+                <a:spcPts val="0"/>
+              </a:spcAft>
+              <a:buClr>
+                <a:srgbClr val="FFFFFF"/>
+              </a:buClr>
+              <a:buSzPts val="2160"/>
+              <a:buFont typeface="Corbel"/>
+              <a:buNone/>
+            </a:pPr>
+            <a:r>
+              <a:rPr lang="nl-NL" sz="3200" dirty="0"/>
+              <a:t>Comparing different stations</a:t>
+            </a:r>
+            <a:endParaRPr sz="4800" dirty="0"/>
+          </a:p>
+        </p:txBody>
+      </p:sp>
+    </p:spTree>
+  </p:cSld>
+  <p:clrMapOvr>
+    <a:masterClrMapping/>
+  </p:clrMapOvr>
+</p:sld>
+</file>
+
+<file path=ppt/slides/slide13.xml><?xml version="1.0" encoding="utf-8"?>
+<p:sld xmlns:a="http://schemas.openxmlformats.org/drawingml/2006/main" xmlns:r="http://schemas.openxmlformats.org/officeDocument/2006/relationships" xmlns:p="http://schemas.openxmlformats.org/presentationml/2006/main">
+  <p:cSld>
+    <p:spTree>
+      <p:nvGrpSpPr>
+        <p:cNvPr id="1" name=""/>
+        <p:cNvGrpSpPr/>
+        <p:nvPr/>
+      </p:nvGrpSpPr>
+      <p:grpSpPr>
+        <a:xfrm>
+          <a:off x="0" y="0"/>
+          <a:ext cx="0" cy="0"/>
+          <a:chOff x="0" y="0"/>
+          <a:chExt cx="0" cy="0"/>
+        </a:xfrm>
+      </p:grpSpPr>
+      <p:sp>
+        <p:nvSpPr>
+          <p:cNvPr id="2" name="Title 1">
+            <a:extLst>
+              <a:ext uri="{FF2B5EF4-FFF2-40B4-BE49-F238E27FC236}">
+                <a16:creationId xmlns:a16="http://schemas.microsoft.com/office/drawing/2014/main" id="{2C7C7D18-8993-42FA-BDDE-99C581698D27}"/>
+              </a:ext>
+            </a:extLst>
+          </p:cNvPr>
+          <p:cNvSpPr>
+            <a:spLocks noGrp="1"/>
+          </p:cNvSpPr>
+          <p:nvPr>
+            <p:ph type="title"/>
+          </p:nvPr>
+        </p:nvSpPr>
+        <p:spPr/>
+        <p:txBody>
+          <a:bodyPr/>
+          <a:lstStyle/>
+          <a:p>
+            <a:r>
+              <a:rPr lang="nl-NL" dirty="0"/>
+              <a:t>Clustering</a:t>
+            </a:r>
+            <a:br>
+              <a:rPr lang="nl-NL" dirty="0"/>
+            </a:br>
+            <a:r>
+              <a:rPr lang="nl-NL" dirty="0"/>
+              <a:t>final remarks</a:t>
+            </a:r>
+          </a:p>
+        </p:txBody>
+      </p:sp>
+      <p:sp>
+        <p:nvSpPr>
+          <p:cNvPr id="3" name="Text Placeholder 2">
+            <a:extLst>
+              <a:ext uri="{FF2B5EF4-FFF2-40B4-BE49-F238E27FC236}">
+                <a16:creationId xmlns:a16="http://schemas.microsoft.com/office/drawing/2014/main" id="{C3BF615C-6395-4E16-BB34-8DD546AD93BC}"/>
+              </a:ext>
+            </a:extLst>
+          </p:cNvPr>
+          <p:cNvSpPr>
+            <a:spLocks noGrp="1"/>
+          </p:cNvSpPr>
+          <p:nvPr>
+            <p:ph type="body" idx="1"/>
+          </p:nvPr>
+        </p:nvSpPr>
+        <p:spPr/>
+        <p:txBody>
+          <a:bodyPr/>
+          <a:lstStyle/>
+          <a:p>
+            <a:r>
+              <a:rPr lang="nl-NL" dirty="0"/>
+              <a:t>We implemented the DBSCAN algorithm, but this was relatively time consuming with respect to the gained improvement </a:t>
+            </a:r>
+          </a:p>
+          <a:p>
+            <a:r>
+              <a:rPr lang="nl-NL" dirty="0"/>
+              <a:t>Question: What is the best way to quantify the difference in characteristics of the clusters (both in physical variables (temperature ect.) and distribution during the year) in a scientific appropriate way?  </a:t>
+            </a:r>
+            <a:r>
+              <a:rPr lang="nl-NL" i="1" dirty="0"/>
+              <a:t>Important since the histograms get messy for large number of clusters</a:t>
+            </a:r>
+            <a:endParaRPr lang="nl-NL" dirty="0"/>
+          </a:p>
+        </p:txBody>
+      </p:sp>
+    </p:spTree>
+    <p:extLst>
+      <p:ext uri="{BB962C8B-B14F-4D97-AF65-F5344CB8AC3E}">
+        <p14:creationId xmlns:p14="http://schemas.microsoft.com/office/powerpoint/2010/main" val="3635615551"/>
+      </p:ext>
+    </p:extLst>
+  </p:cSld>
+  <p:clrMapOvr>
+    <a:masterClrMapping/>
+  </p:clrMapOvr>
+</p:sld>
+</file>
+
+<file path=ppt/slides/slide14.xml><?xml version="1.0" encoding="utf-8"?>
+<p:sld xmlns:a="http://schemas.openxmlformats.org/drawingml/2006/main" xmlns:r="http://schemas.openxmlformats.org/officeDocument/2006/relationships" xmlns:p="http://schemas.openxmlformats.org/presentationml/2006/main">
+  <p:cSld>
+    <p:spTree>
+      <p:nvGrpSpPr>
+        <p:cNvPr id="1" name=""/>
+        <p:cNvGrpSpPr/>
+        <p:nvPr/>
+      </p:nvGrpSpPr>
+      <p:grpSpPr>
+        <a:xfrm>
+          <a:off x="0" y="0"/>
+          <a:ext cx="0" cy="0"/>
+          <a:chOff x="0" y="0"/>
+          <a:chExt cx="0" cy="0"/>
+        </a:xfrm>
+      </p:grpSpPr>
+      <p:sp>
+        <p:nvSpPr>
+          <p:cNvPr id="2" name="Title 1">
+            <a:extLst>
+              <a:ext uri="{FF2B5EF4-FFF2-40B4-BE49-F238E27FC236}">
+                <a16:creationId xmlns:a16="http://schemas.microsoft.com/office/drawing/2014/main" id="{6E3E3F51-BA41-4C99-89DA-6658BFFC1C8B}"/>
+              </a:ext>
+            </a:extLst>
+          </p:cNvPr>
+          <p:cNvSpPr>
+            <a:spLocks noGrp="1"/>
+          </p:cNvSpPr>
+          <p:nvPr>
+            <p:ph type="title"/>
+          </p:nvPr>
+        </p:nvSpPr>
+        <p:spPr>
+          <a:xfrm>
+            <a:off x="3867912" y="704690"/>
+            <a:ext cx="7315200" cy="1132651"/>
+          </a:xfrm>
+        </p:spPr>
+        <p:txBody>
+          <a:bodyPr/>
+          <a:lstStyle/>
+          <a:p>
+            <a:r>
+              <a:rPr lang="nl-NL" dirty="0"/>
+              <a:t>Model prediction</a:t>
+            </a:r>
+          </a:p>
+        </p:txBody>
+      </p:sp>
+      <p:sp>
+        <p:nvSpPr>
+          <p:cNvPr id="3" name="Text Placeholder 2">
+            <a:extLst>
+              <a:ext uri="{FF2B5EF4-FFF2-40B4-BE49-F238E27FC236}">
+                <a16:creationId xmlns:a16="http://schemas.microsoft.com/office/drawing/2014/main" id="{CC78A182-1A53-47AC-A989-9309F093377C}"/>
+              </a:ext>
+            </a:extLst>
+          </p:cNvPr>
+          <p:cNvSpPr>
+            <a:spLocks noGrp="1"/>
+          </p:cNvSpPr>
+          <p:nvPr>
+            <p:ph type="body" idx="1"/>
+          </p:nvPr>
+        </p:nvSpPr>
+        <p:spPr>
+          <a:xfrm>
+            <a:off x="3867912" y="1837341"/>
+            <a:ext cx="7876926" cy="3708905"/>
+          </a:xfrm>
+        </p:spPr>
+        <p:txBody>
+          <a:bodyPr/>
+          <a:lstStyle/>
+          <a:p>
+            <a:pPr marL="114300" lvl="0" indent="0">
+              <a:buSzPts val="1800"/>
+            </a:pPr>
+            <a:r>
+              <a:rPr lang="en-GB" sz="3200" dirty="0"/>
+              <a:t>Furthermore, we looked into the possibility of predicting the variables from one model based on the values from another model and a part of its own history. </a:t>
+            </a:r>
+          </a:p>
+          <a:p>
+            <a:pPr marL="114300" lvl="0" indent="0">
+              <a:buSzPts val="1800"/>
+            </a:pPr>
+            <a:r>
+              <a:rPr lang="en-GB" sz="3200" dirty="0"/>
+              <a:t>First steps into multi linear regression were done, however the results will be shown next week. </a:t>
+            </a:r>
+          </a:p>
+          <a:p>
+            <a:pPr marL="114300" lvl="0" indent="0">
+              <a:buSzPts val="1800"/>
+            </a:pPr>
+            <a:r>
+              <a:rPr lang="en-GB" sz="3200" dirty="0"/>
+              <a:t>Other methods used are neural networks and K-means </a:t>
+            </a:r>
+          </a:p>
+          <a:p>
+            <a:endParaRPr lang="nl-NL" dirty="0"/>
+          </a:p>
+        </p:txBody>
+      </p:sp>
+    </p:spTree>
+    <p:extLst>
+      <p:ext uri="{BB962C8B-B14F-4D97-AF65-F5344CB8AC3E}">
+        <p14:creationId xmlns:p14="http://schemas.microsoft.com/office/powerpoint/2010/main" val="864458795"/>
+      </p:ext>
+    </p:extLst>
+  </p:cSld>
+  <p:clrMapOvr>
+    <a:masterClrMapping/>
+  </p:clrMapOvr>
+  <p:timing>
+    <p:tnLst>
+      <p:par>
+        <p:cTn id="1" dur="indefinite" restart="never" nodeType="tmRoot">
+          <p:childTnLst>
+            <p:seq concurrent="1" nextAc="seek">
+              <p:cTn id="2" dur="indefinite" nodeType="mainSeq">
+                <p:childTnLst>
+                  <p:par>
+                    <p:cTn id="3" fill="hold">
+                      <p:stCondLst>
+                        <p:cond delay="indefinite"/>
+                      </p:stCondLst>
+                      <p:childTnLst>
+                        <p:par>
+                          <p:cTn id="4" fill="hold">
+                            <p:stCondLst>
+                              <p:cond delay="0"/>
+                            </p:stCondLst>
+                            <p:childTnLst>
+                              <p:par>
+                                <p:cTn id="5" presetID="10" presetClass="entr" presetSubtype="0" fill="hold" grpId="0" nodeType="clickEffect">
+                                  <p:stCondLst>
+                                    <p:cond delay="0"/>
+                                  </p:stCondLst>
+                                  <p:childTnLst>
+                                    <p:set>
+                                      <p:cBhvr>
+                                        <p:cTn id="6" dur="1" fill="hold">
+                                          <p:stCondLst>
+                                            <p:cond delay="0"/>
+                                          </p:stCondLst>
+                                        </p:cTn>
+                                        <p:tgtEl>
+                                          <p:spTgt spid="3">
+                                            <p:txEl>
+                                              <p:pRg st="0" end="0"/>
+                                            </p:txEl>
+                                          </p:spTgt>
+                                        </p:tgtEl>
+                                        <p:attrNameLst>
+                                          <p:attrName>style.visibility</p:attrName>
+                                        </p:attrNameLst>
+                                      </p:cBhvr>
+                                      <p:to>
+                                        <p:strVal val="visible"/>
+                                      </p:to>
+                                    </p:set>
+                                    <p:animEffect transition="in" filter="fade">
+                                      <p:cBhvr>
+                                        <p:cTn id="7" dur="500"/>
+                                        <p:tgtEl>
+                                          <p:spTgt spid="3">
+                                            <p:txEl>
+                                              <p:pRg st="0" end="0"/>
+                                            </p:txEl>
+                                          </p:spTgt>
+                                        </p:tgtEl>
+                                      </p:cBhvr>
+                                    </p:animEffect>
+                                  </p:childTnLst>
+                                </p:cTn>
+                              </p:par>
+                            </p:childTnLst>
+                          </p:cTn>
+                        </p:par>
+                      </p:childTnLst>
+                    </p:cTn>
+                  </p:par>
+                  <p:par>
+                    <p:cTn id="8" fill="hold">
+                      <p:stCondLst>
+                        <p:cond delay="indefinite"/>
+                      </p:stCondLst>
+                      <p:childTnLst>
+                        <p:par>
+                          <p:cTn id="9" fill="hold">
+                            <p:stCondLst>
+                              <p:cond delay="0"/>
+                            </p:stCondLst>
+                            <p:childTnLst>
+                              <p:par>
+                                <p:cTn id="10" presetID="10" presetClass="entr" presetSubtype="0" fill="hold" grpId="0" nodeType="clickEffect">
+                                  <p:stCondLst>
+                                    <p:cond delay="0"/>
+                                  </p:stCondLst>
+                                  <p:childTnLst>
+                                    <p:set>
+                                      <p:cBhvr>
+                                        <p:cTn id="11" dur="1" fill="hold">
+                                          <p:stCondLst>
+                                            <p:cond delay="0"/>
+                                          </p:stCondLst>
+                                        </p:cTn>
+                                        <p:tgtEl>
+                                          <p:spTgt spid="3">
+                                            <p:txEl>
+                                              <p:pRg st="1" end="1"/>
+                                            </p:txEl>
+                                          </p:spTgt>
+                                        </p:tgtEl>
+                                        <p:attrNameLst>
+                                          <p:attrName>style.visibility</p:attrName>
+                                        </p:attrNameLst>
+                                      </p:cBhvr>
+                                      <p:to>
+                                        <p:strVal val="visible"/>
+                                      </p:to>
+                                    </p:set>
+                                    <p:animEffect transition="in" filter="fade">
+                                      <p:cBhvr>
+                                        <p:cTn id="12" dur="500"/>
+                                        <p:tgtEl>
+                                          <p:spTgt spid="3">
+                                            <p:txEl>
+                                              <p:pRg st="1" end="1"/>
+                                            </p:txEl>
+                                          </p:spTgt>
+                                        </p:tgtEl>
+                                      </p:cBhvr>
+                                    </p:animEffect>
+                                  </p:childTnLst>
+                                </p:cTn>
+                              </p:par>
+                            </p:childTnLst>
+                          </p:cTn>
+                        </p:par>
+                      </p:childTnLst>
+                    </p:cTn>
+                  </p:par>
+                  <p:par>
+                    <p:cTn id="13" fill="hold">
+                      <p:stCondLst>
+                        <p:cond delay="indefinite"/>
+                      </p:stCondLst>
+                      <p:childTnLst>
+                        <p:par>
+                          <p:cTn id="14" fill="hold">
+                            <p:stCondLst>
+                              <p:cond delay="0"/>
+                            </p:stCondLst>
+                            <p:childTnLst>
+                              <p:par>
+                                <p:cTn id="15" presetID="10" presetClass="entr" presetSubtype="0" fill="hold" grpId="0" nodeType="clickEffect">
+                                  <p:stCondLst>
+                                    <p:cond delay="0"/>
+                                  </p:stCondLst>
+                                  <p:childTnLst>
+                                    <p:set>
+                                      <p:cBhvr>
+                                        <p:cTn id="16" dur="1" fill="hold">
+                                          <p:stCondLst>
+                                            <p:cond delay="0"/>
+                                          </p:stCondLst>
+                                        </p:cTn>
+                                        <p:tgtEl>
+                                          <p:spTgt spid="3">
+                                            <p:txEl>
+                                              <p:pRg st="2" end="2"/>
+                                            </p:txEl>
+                                          </p:spTgt>
+                                        </p:tgtEl>
+                                        <p:attrNameLst>
+                                          <p:attrName>style.visibility</p:attrName>
+                                        </p:attrNameLst>
+                                      </p:cBhvr>
+                                      <p:to>
+                                        <p:strVal val="visible"/>
+                                      </p:to>
+                                    </p:set>
+                                    <p:animEffect transition="in" filter="fade">
+                                      <p:cBhvr>
+                                        <p:cTn id="17" dur="500"/>
+                                        <p:tgtEl>
+                                          <p:spTgt spid="3">
+                                            <p:txEl>
+                                              <p:pRg st="2" end="2"/>
+                                            </p:txEl>
+                                          </p:spTgt>
+                                        </p:tgtEl>
+                                      </p:cBhvr>
+                                    </p:animEffect>
+                                  </p:childTnLst>
+                                </p:cTn>
+                              </p:par>
+                            </p:childTnLst>
+                          </p:cTn>
+                        </p:par>
+                      </p:childTnLst>
+                    </p:cTn>
+                  </p:par>
+                </p:childTnLst>
+              </p:cTn>
+              <p:prevCondLst>
+                <p:cond evt="onPrev" delay="0">
+                  <p:tgtEl>
+                    <p:sldTgt/>
+                  </p:tgtEl>
+                </p:cond>
+              </p:prevCondLst>
+              <p:nextCondLst>
+                <p:cond evt="onNext" delay="0">
+                  <p:tgtEl>
+                    <p:sldTgt/>
+                  </p:tgtEl>
+                </p:cond>
+              </p:nextCondLst>
+            </p:seq>
+          </p:childTnLst>
+        </p:cTn>
+      </p:par>
+    </p:tnLst>
+    <p:bldLst>
+      <p:bldP spid="3" grpId="0" build="p"/>
+    </p:bldLst>
+  </p:timing>
+</p:sld>
+</file>
+
+<file path=ppt/slides/slide15.xml><?xml version="1.0" encoding="utf-8"?>
+<p:sld xmlns:a="http://schemas.openxmlformats.org/drawingml/2006/main" xmlns:r="http://schemas.openxmlformats.org/officeDocument/2006/relationships" xmlns:p="http://schemas.openxmlformats.org/presentationml/2006/main">
+  <p:cSld>
+    <p:spTree>
+      <p:nvGrpSpPr>
+        <p:cNvPr id="1" name="Shape 126"/>
+        <p:cNvGrpSpPr/>
+        <p:nvPr/>
+      </p:nvGrpSpPr>
+      <p:grpSpPr>
+        <a:xfrm>
+          <a:off x="0" y="0"/>
+          <a:ext cx="0" cy="0"/>
+          <a:chOff x="0" y="0"/>
+          <a:chExt cx="0" cy="0"/>
+        </a:xfrm>
+      </p:grpSpPr>
+      <p:sp>
+        <p:nvSpPr>
+          <p:cNvPr id="127" name="Google Shape;127;g801308ffce_0_19"/>
+          <p:cNvSpPr txBox="1">
+            <a:spLocks noGrp="1"/>
+          </p:cNvSpPr>
+          <p:nvPr>
+            <p:ph type="title"/>
+          </p:nvPr>
+        </p:nvSpPr>
+        <p:spPr>
+          <a:xfrm>
+            <a:off x="252919" y="1123837"/>
+            <a:ext cx="2947500" cy="4601100"/>
+          </a:xfrm>
+          <a:prstGeom prst="rect">
+            <a:avLst/>
+          </a:prstGeom>
+          <a:noFill/>
+          <a:ln>
+            <a:noFill/>
+          </a:ln>
+        </p:spPr>
+        <p:txBody>
+          <a:bodyPr spcFirstLastPara="1" wrap="square" lIns="91425" tIns="45700" rIns="91425" bIns="45700" anchor="ctr" anchorCtr="0">
+            <a:noAutofit/>
+          </a:bodyPr>
+          <a:lstStyle/>
+          <a:p>
+            <a:pPr marL="0" lvl="0" indent="0" algn="l" rtl="0">
+              <a:lnSpc>
+                <a:spcPct val="90000"/>
+              </a:lnSpc>
+              <a:spcBef>
+                <a:spcPts val="0"/>
+              </a:spcBef>
+              <a:spcAft>
+                <a:spcPts val="0"/>
+              </a:spcAft>
+              <a:buClr>
+                <a:srgbClr val="FFFFFF"/>
+              </a:buClr>
+              <a:buSzPts val="1800"/>
+              <a:buNone/>
+            </a:pPr>
+            <a:r>
+              <a:rPr lang="nl-NL" dirty="0"/>
+              <a:t>Model Prediction using dense ANN’s</a:t>
+            </a:r>
+            <a:endParaRPr dirty="0"/>
+          </a:p>
+        </p:txBody>
+      </p:sp>
+      <p:sp>
+        <p:nvSpPr>
+          <p:cNvPr id="128" name="Google Shape;128;g801308ffce_0_19"/>
+          <p:cNvSpPr txBox="1">
+            <a:spLocks noGrp="1"/>
+          </p:cNvSpPr>
+          <p:nvPr>
+            <p:ph type="body" idx="1"/>
+          </p:nvPr>
+        </p:nvSpPr>
+        <p:spPr>
+          <a:xfrm>
+            <a:off x="3869268" y="864108"/>
+            <a:ext cx="7315200" cy="5120700"/>
+          </a:xfrm>
+          <a:prstGeom prst="rect">
+            <a:avLst/>
+          </a:prstGeom>
+          <a:noFill/>
+          <a:ln>
+            <a:noFill/>
+          </a:ln>
+        </p:spPr>
+        <p:txBody>
+          <a:bodyPr spcFirstLastPara="1" wrap="square" lIns="91425" tIns="45700" rIns="91425" bIns="45700" anchor="ctr" anchorCtr="0">
+            <a:noAutofit/>
+          </a:bodyPr>
+          <a:lstStyle/>
+          <a:p>
+            <a:pPr marL="457200" lvl="0" indent="-342900" algn="l" rtl="0">
+              <a:lnSpc>
+                <a:spcPct val="90000"/>
+              </a:lnSpc>
+              <a:spcBef>
+                <a:spcPts val="1200"/>
+              </a:spcBef>
+              <a:spcAft>
+                <a:spcPts val="0"/>
+              </a:spcAft>
+              <a:buSzPts val="1800"/>
+              <a:buChar char="●"/>
+            </a:pPr>
+            <a:r>
+              <a:rPr lang="nl-NL"/>
+              <a:t>Experimental Setup. Splitting data into training and test sets: We took the first 1000 days from two different models and created a labeled training set from that. This means the input is a vector of variables for one day of model 1 and the label is the vector of variables for model 2. </a:t>
+            </a:r>
+            <a:endParaRPr/>
+          </a:p>
+          <a:p>
+            <a:pPr marL="457200" lvl="0" indent="-342900" algn="l" rtl="0">
+              <a:lnSpc>
+                <a:spcPct val="90000"/>
+              </a:lnSpc>
+              <a:spcBef>
+                <a:spcPts val="1200"/>
+              </a:spcBef>
+              <a:spcAft>
+                <a:spcPts val="0"/>
+              </a:spcAft>
+              <a:buSzPts val="1800"/>
+              <a:buChar char="●"/>
+            </a:pPr>
+            <a:r>
+              <a:rPr lang="nl-NL"/>
+              <a:t>The task is to predict from a vector of observations for model 1 the corresponding vector of observations for model 2. Note that we did not (yet) use recurrent neural networks to take into account the relationship between different time steps. However, already for a simple dense ANN the results are surprisingly pretty convincing.</a:t>
+            </a:r>
+            <a:endParaRPr/>
+          </a:p>
+        </p:txBody>
+      </p:sp>
+    </p:spTree>
+  </p:cSld>
+  <p:clrMapOvr>
+    <a:masterClrMapping/>
+  </p:clrMapOvr>
+</p:sld>
+</file>
+
+<file path=ppt/slides/slide16.xml><?xml version="1.0" encoding="utf-8"?>
+<p:sld xmlns:a="http://schemas.openxmlformats.org/drawingml/2006/main" xmlns:r="http://schemas.openxmlformats.org/officeDocument/2006/relationships" xmlns:p="http://schemas.openxmlformats.org/presentationml/2006/main">
+  <p:cSld>
+    <p:spTree>
+      <p:nvGrpSpPr>
+        <p:cNvPr id="1" name="Shape 132"/>
+        <p:cNvGrpSpPr/>
+        <p:nvPr/>
+      </p:nvGrpSpPr>
+      <p:grpSpPr>
+        <a:xfrm>
+          <a:off x="0" y="0"/>
+          <a:ext cx="0" cy="0"/>
+          <a:chOff x="0" y="0"/>
+          <a:chExt cx="0" cy="0"/>
+        </a:xfrm>
+      </p:grpSpPr>
+      <p:pic>
+        <p:nvPicPr>
+          <p:cNvPr id="133" name="Google Shape;133;g801308ffce_0_0"/>
+          <p:cNvPicPr preferRelativeResize="0"/>
+          <p:nvPr/>
+        </p:nvPicPr>
+        <p:blipFill>
+          <a:blip r:embed="rId3">
+            <a:alphaModFix/>
+          </a:blip>
+          <a:stretch>
+            <a:fillRect/>
+          </a:stretch>
+        </p:blipFill>
+        <p:spPr>
+          <a:xfrm>
+            <a:off x="992100" y="167400"/>
+            <a:ext cx="10044077" cy="6266799"/>
+          </a:xfrm>
+          <a:prstGeom prst="rect">
+            <a:avLst/>
+          </a:prstGeom>
+          <a:noFill/>
+          <a:ln>
+            <a:noFill/>
+          </a:ln>
+        </p:spPr>
+      </p:pic>
+    </p:spTree>
+  </p:cSld>
+  <p:clrMapOvr>
+    <a:masterClrMapping/>
+  </p:clrMapOvr>
+</p:sld>
+</file>
+
+<file path=ppt/slides/slide17.xml><?xml version="1.0" encoding="utf-8"?>
+<p:sld xmlns:a="http://schemas.openxmlformats.org/drawingml/2006/main" xmlns:r="http://schemas.openxmlformats.org/officeDocument/2006/relationships" xmlns:p="http://schemas.openxmlformats.org/presentationml/2006/main">
+  <p:cSld>
+    <p:spTree>
+      <p:nvGrpSpPr>
         <p:cNvPr id="1" name="Shape 137"/>
         <p:cNvGrpSpPr/>
         <p:nvPr/>
@@ -16036,7 +18863,7 @@
 </p:sld>
 </file>
 
-<file path=ppt/slides/slide11.xml><?xml version="1.0" encoding="utf-8"?>
+<file path=ppt/slides/slide18.xml><?xml version="1.0" encoding="utf-8"?>
 <p:sld xmlns:a="http://schemas.openxmlformats.org/drawingml/2006/main" xmlns:r="http://schemas.openxmlformats.org/officeDocument/2006/relationships" xmlns:p="http://schemas.openxmlformats.org/presentationml/2006/main">
   <p:cSld>
     <p:spTree>
@@ -16089,7 +18916,7 @@
 </p:sld>
 </file>
 
-<file path=ppt/slides/slide12.xml><?xml version="1.0" encoding="utf-8"?>
+<file path=ppt/slides/slide19.xml><?xml version="1.0" encoding="utf-8"?>
 <p:sld xmlns:a="http://schemas.openxmlformats.org/drawingml/2006/main" xmlns:r="http://schemas.openxmlformats.org/officeDocument/2006/relationships" xmlns:p="http://schemas.openxmlformats.org/presentationml/2006/main">
   <p:cSld>
     <p:spTree>
@@ -16152,10 +18979,17 @@
               <a:buNone/>
             </a:pPr>
             <a:r>
-              <a:rPr lang="nl-NL"/>
+              <a:rPr lang="nl-NL" dirty="0"/>
               <a:t>Model Prediction using dense ANN’s</a:t>
             </a:r>
-            <a:endParaRPr/>
+            <a:br>
+              <a:rPr lang="nl-NL" dirty="0"/>
+            </a:br>
+            <a:r>
+              <a:rPr lang="nl-NL" dirty="0"/>
+              <a:t>final remarks</a:t>
+            </a:r>
+            <a:endParaRPr dirty="0"/>
           </a:p>
         </p:txBody>
       </p:sp>
@@ -16461,13 +19295,13 @@
           <a:p>
             <a:r>
               <a:rPr lang="nl-NL" sz="3200" dirty="0"/>
-              <a:t>We generalized the code in order to compare different stations</a:t>
+              <a:t>We improved the algorithms which give insight in the clusters for the first and last 10 years</a:t>
             </a:r>
           </a:p>
           <a:p>
             <a:r>
               <a:rPr lang="nl-NL" sz="3200" dirty="0"/>
-              <a:t>We improved the algorithms which give insight in the clusters for the first and last 10 years</a:t>
+              <a:t>We generalized the code in order to compare different stations</a:t>
             </a:r>
           </a:p>
           <a:p>
@@ -16891,34 +19725,26 @@
                                   </p:childTnLst>
                                 </p:cTn>
                               </p:par>
+                            </p:childTnLst>
+                          </p:cTn>
+                        </p:par>
+                      </p:childTnLst>
+                    </p:cTn>
+                  </p:par>
+                  <p:par>
+                    <p:cTn id="36" fill="hold">
+                      <p:stCondLst>
+                        <p:cond delay="indefinite"/>
+                      </p:stCondLst>
+                      <p:childTnLst>
+                        <p:par>
+                          <p:cTn id="37" fill="hold">
+                            <p:stCondLst>
+                              <p:cond delay="0"/>
+                            </p:stCondLst>
+                            <p:childTnLst>
                               <p:par>
-                                <p:cTn id="36" presetID="42" presetClass="path" presetSubtype="0" accel="50000" decel="50000" fill="hold" grpId="1" nodeType="withEffect">
-                                  <p:stCondLst>
-                                    <p:cond delay="0"/>
-                                  </p:stCondLst>
-                                  <p:childTnLst>
-                                    <p:animMotion origin="layout" path="M 1.11022E-16 -3.33333E-6 L 0.00052 -0.13333 " pathEditMode="relative" rAng="0" ptsTypes="AA">
-                                      <p:cBhvr>
-                                        <p:cTn id="37" dur="2000" fill="hold"/>
-                                        <p:tgtEl>
-                                          <p:spTgt spid="3">
-                                            <p:txEl>
-                                              <p:pRg st="2" end="2"/>
-                                            </p:txEl>
-                                          </p:spTgt>
-                                        </p:tgtEl>
-                                        <p:attrNameLst>
-                                          <p:attrName>ppt_x</p:attrName>
-                                          <p:attrName>ppt_y</p:attrName>
-                                        </p:attrNameLst>
-                                      </p:cBhvr>
-                                      <p:rCtr x="26" y="-6667"/>
-                                    </p:animMotion>
-                                  </p:childTnLst>
-                                </p:cTn>
-                              </p:par>
-                              <p:par>
-                                <p:cTn id="38" presetID="42" presetClass="path" presetSubtype="0" accel="50000" decel="50000" fill="hold" grpId="1" nodeType="withEffect">
+                                <p:cTn id="38" presetID="42" presetClass="path" presetSubtype="0" accel="50000" decel="50000" fill="hold" grpId="1" nodeType="clickEffect">
                                   <p:stCondLst>
                                     <p:cond delay="0"/>
                                   </p:stCondLst>
@@ -16929,7 +19755,7 @@
                                         <p:tgtEl>
                                           <p:spTgt spid="3">
                                             <p:txEl>
-                                              <p:pRg st="3" end="3"/>
+                                              <p:pRg st="2" end="2"/>
                                             </p:txEl>
                                           </p:spTgt>
                                         </p:tgtEl>
@@ -16952,6 +19778,32 @@
                                     <p:animMotion origin="layout" path="M 1.11022E-16 -3.33333E-6 L 0.00052 -0.13333 " pathEditMode="relative" rAng="0" ptsTypes="AA">
                                       <p:cBhvr>
                                         <p:cTn id="41" dur="2000" fill="hold"/>
+                                        <p:tgtEl>
+                                          <p:spTgt spid="3">
+                                            <p:txEl>
+                                              <p:pRg st="3" end="3"/>
+                                            </p:txEl>
+                                          </p:spTgt>
+                                        </p:tgtEl>
+                                        <p:attrNameLst>
+                                          <p:attrName>ppt_x</p:attrName>
+                                          <p:attrName>ppt_y</p:attrName>
+                                        </p:attrNameLst>
+                                      </p:cBhvr>
+                                      <p:rCtr x="26" y="-6667"/>
+                                    </p:animMotion>
+                                  </p:childTnLst>
+                                </p:cTn>
+                              </p:par>
+                              <p:par>
+                                <p:cTn id="42" presetID="42" presetClass="path" presetSubtype="0" accel="50000" decel="50000" fill="hold" grpId="1" nodeType="withEffect">
+                                  <p:stCondLst>
+                                    <p:cond delay="0"/>
+                                  </p:stCondLst>
+                                  <p:childTnLst>
+                                    <p:animMotion origin="layout" path="M 1.11022E-16 -3.33333E-6 L 0.00052 -0.13333 " pathEditMode="relative" rAng="0" ptsTypes="AA">
+                                      <p:cBhvr>
+                                        <p:cTn id="43" dur="2000" fill="hold"/>
                                         <p:tgtEl>
                                           <p:spTgt spid="3">
                                             <p:txEl>
@@ -17008,326 +19860,6 @@
 <file path=ppt/slides/slide4.xml><?xml version="1.0" encoding="utf-8"?>
 <p:sld xmlns:a="http://schemas.openxmlformats.org/drawingml/2006/main" xmlns:r="http://schemas.openxmlformats.org/officeDocument/2006/relationships" xmlns:p="http://schemas.openxmlformats.org/presentationml/2006/main">
   <p:cSld>
-    <p:bg>
-      <p:bgPr>
-        <a:solidFill>
-          <a:schemeClr val="lt1"/>
-        </a:solidFill>
-        <a:effectLst/>
-      </p:bgPr>
-    </p:bg>
-    <p:spTree>
-      <p:nvGrpSpPr>
-        <p:cNvPr id="1" name="Shape 100"/>
-        <p:cNvGrpSpPr/>
-        <p:nvPr/>
-      </p:nvGrpSpPr>
-      <p:grpSpPr>
-        <a:xfrm>
-          <a:off x="0" y="0"/>
-          <a:ext cx="0" cy="0"/>
-          <a:chOff x="0" y="0"/>
-          <a:chExt cx="0" cy="0"/>
-        </a:xfrm>
-      </p:grpSpPr>
-      <p:pic>
-        <p:nvPicPr>
-          <p:cNvPr id="106" name="Google Shape;106;p3"/>
-          <p:cNvPicPr preferRelativeResize="0"/>
-          <p:nvPr/>
-        </p:nvPicPr>
-        <p:blipFill rotWithShape="1">
-          <a:blip r:embed="rId3">
-            <a:alphaModFix/>
-          </a:blip>
-          <a:srcRect/>
-          <a:stretch/>
-        </p:blipFill>
-        <p:spPr>
-          <a:xfrm>
-            <a:off x="2735219" y="1228364"/>
-            <a:ext cx="9332400" cy="4505799"/>
-          </a:xfrm>
-          <a:prstGeom prst="rect">
-            <a:avLst/>
-          </a:prstGeom>
-          <a:noFill/>
-          <a:ln>
-            <a:noFill/>
-          </a:ln>
-        </p:spPr>
-      </p:pic>
-      <p:sp>
-        <p:nvSpPr>
-          <p:cNvPr id="102" name="Google Shape;102;p3"/>
-          <p:cNvSpPr/>
-          <p:nvPr/>
-        </p:nvSpPr>
-        <p:spPr>
-          <a:xfrm>
-            <a:off x="-1" y="758953"/>
-            <a:ext cx="3577575" cy="5330952"/>
-          </a:xfrm>
-          <a:prstGeom prst="rect">
-            <a:avLst/>
-          </a:prstGeom>
-          <a:solidFill>
-            <a:schemeClr val="accent1"/>
-          </a:solidFill>
-          <a:ln>
-            <a:noFill/>
-          </a:ln>
-        </p:spPr>
-        <p:txBody>
-          <a:bodyPr spcFirstLastPara="1" wrap="square" lIns="91425" tIns="91425" rIns="91425" bIns="91425" anchor="ctr" anchorCtr="0">
-            <a:noAutofit/>
-          </a:bodyPr>
-          <a:lstStyle/>
-          <a:p>
-            <a:pPr marL="0" marR="0" lvl="0" indent="0" algn="l" rtl="0">
-              <a:lnSpc>
-                <a:spcPct val="100000"/>
-              </a:lnSpc>
-              <a:spcBef>
-                <a:spcPts val="0"/>
-              </a:spcBef>
-              <a:spcAft>
-                <a:spcPts val="0"/>
-              </a:spcAft>
-              <a:buClr>
-                <a:srgbClr val="000000"/>
-              </a:buClr>
-              <a:buSzPts val="1400"/>
-              <a:buFont typeface="Arial"/>
-              <a:buNone/>
-            </a:pPr>
-            <a:endParaRPr sz="1400" b="0" i="0" u="none" strike="noStrike" cap="none">
-              <a:solidFill>
-                <a:srgbClr val="000000"/>
-              </a:solidFill>
-              <a:latin typeface="Arial"/>
-              <a:ea typeface="Arial"/>
-              <a:cs typeface="Arial"/>
-              <a:sym typeface="Arial"/>
-            </a:endParaRPr>
-          </a:p>
-        </p:txBody>
-      </p:sp>
-      <p:sp>
-        <p:nvSpPr>
-          <p:cNvPr id="104" name="Google Shape;104;p3"/>
-          <p:cNvSpPr txBox="1">
-            <a:spLocks noGrp="1"/>
-          </p:cNvSpPr>
-          <p:nvPr>
-            <p:ph type="body" idx="1"/>
-          </p:nvPr>
-        </p:nvSpPr>
-        <p:spPr>
-          <a:xfrm>
-            <a:off x="252920" y="969154"/>
-            <a:ext cx="2947482" cy="4937124"/>
-          </a:xfrm>
-          <a:prstGeom prst="rect">
-            <a:avLst/>
-          </a:prstGeom>
-          <a:noFill/>
-          <a:ln>
-            <a:noFill/>
-          </a:ln>
-        </p:spPr>
-        <p:txBody>
-          <a:bodyPr spcFirstLastPara="1" wrap="square" lIns="91425" tIns="45700" rIns="91425" bIns="45700" anchor="t" anchorCtr="0">
-            <a:noAutofit/>
-          </a:bodyPr>
-          <a:lstStyle/>
-          <a:p>
-            <a:pPr marL="0" lvl="0" indent="0" algn="l" rtl="0">
-              <a:lnSpc>
-                <a:spcPct val="80000"/>
-              </a:lnSpc>
-              <a:spcBef>
-                <a:spcPts val="0"/>
-              </a:spcBef>
-              <a:spcAft>
-                <a:spcPts val="0"/>
-              </a:spcAft>
-              <a:buSzPts val="1800"/>
-              <a:buNone/>
-            </a:pPr>
-            <a:endParaRPr sz="1600" dirty="0">
-              <a:solidFill>
-                <a:srgbClr val="FFFFFF"/>
-              </a:solidFill>
-            </a:endParaRPr>
-          </a:p>
-          <a:p>
-            <a:pPr marL="0" lvl="0" indent="0" algn="l" rtl="0">
-              <a:lnSpc>
-                <a:spcPct val="80000"/>
-              </a:lnSpc>
-              <a:spcBef>
-                <a:spcPts val="0"/>
-              </a:spcBef>
-              <a:spcAft>
-                <a:spcPts val="0"/>
-              </a:spcAft>
-              <a:buSzPts val="1800"/>
-              <a:buNone/>
-            </a:pPr>
-            <a:endParaRPr sz="1600" dirty="0">
-              <a:solidFill>
-                <a:srgbClr val="FFFFFF"/>
-              </a:solidFill>
-            </a:endParaRPr>
-          </a:p>
-          <a:p>
-            <a:pPr marL="0" lvl="0" indent="0" algn="l" rtl="0">
-              <a:lnSpc>
-                <a:spcPct val="80000"/>
-              </a:lnSpc>
-              <a:spcBef>
-                <a:spcPts val="0"/>
-              </a:spcBef>
-              <a:spcAft>
-                <a:spcPts val="0"/>
-              </a:spcAft>
-              <a:buSzPts val="1800"/>
-              <a:buNone/>
-            </a:pPr>
-            <a:r>
-              <a:rPr lang="nl-NL" sz="1600" dirty="0">
-                <a:solidFill>
-                  <a:srgbClr val="FFFFFF"/>
-                </a:solidFill>
-              </a:rPr>
-              <a:t>Tried to see if clusters were different for different stations, wasn’t the case, see image on the right. This shows from left to right the clustering results for stations 1-5. Top shows clustering for first 10 years, bottom shows clustering for last 10 years. </a:t>
-            </a:r>
-            <a:endParaRPr sz="1600" dirty="0">
-              <a:solidFill>
-                <a:srgbClr val="FFFFFF"/>
-              </a:solidFill>
-            </a:endParaRPr>
-          </a:p>
-          <a:p>
-            <a:pPr marL="182880" lvl="0" indent="-81278" algn="l" rtl="0">
-              <a:lnSpc>
-                <a:spcPct val="80000"/>
-              </a:lnSpc>
-              <a:spcBef>
-                <a:spcPts val="0"/>
-              </a:spcBef>
-              <a:spcAft>
-                <a:spcPts val="0"/>
-              </a:spcAft>
-              <a:buSzPts val="1600"/>
-              <a:buNone/>
-            </a:pPr>
-            <a:endParaRPr dirty="0"/>
-          </a:p>
-          <a:p>
-            <a:pPr marL="182880" lvl="0" indent="-81278" algn="l" rtl="0">
-              <a:lnSpc>
-                <a:spcPct val="80000"/>
-              </a:lnSpc>
-              <a:spcBef>
-                <a:spcPts val="1200"/>
-              </a:spcBef>
-              <a:spcAft>
-                <a:spcPts val="0"/>
-              </a:spcAft>
-              <a:buSzPts val="1600"/>
-              <a:buNone/>
-            </a:pPr>
-            <a:endParaRPr sz="1600" dirty="0">
-              <a:solidFill>
-                <a:srgbClr val="FFFFFF"/>
-              </a:solidFill>
-            </a:endParaRPr>
-          </a:p>
-        </p:txBody>
-      </p:sp>
-      <p:sp>
-        <p:nvSpPr>
-          <p:cNvPr id="105" name="Google Shape;105;p3"/>
-          <p:cNvSpPr/>
-          <p:nvPr/>
-        </p:nvSpPr>
-        <p:spPr>
-          <a:xfrm>
-            <a:off x="11815864" y="758952"/>
-            <a:ext cx="384048" cy="5330952"/>
-          </a:xfrm>
-          <a:prstGeom prst="rect">
-            <a:avLst/>
-          </a:prstGeom>
-          <a:solidFill>
-            <a:srgbClr val="C8C8C8">
-              <a:alpha val="48627"/>
-            </a:srgbClr>
-          </a:solidFill>
-          <a:ln>
-            <a:noFill/>
-          </a:ln>
-        </p:spPr>
-        <p:txBody>
-          <a:bodyPr spcFirstLastPara="1" wrap="square" lIns="91425" tIns="91425" rIns="91425" bIns="91425" anchor="ctr" anchorCtr="0">
-            <a:noAutofit/>
-          </a:bodyPr>
-          <a:lstStyle/>
-          <a:p>
-            <a:pPr marL="0" marR="0" lvl="0" indent="0" algn="l" rtl="0">
-              <a:lnSpc>
-                <a:spcPct val="100000"/>
-              </a:lnSpc>
-              <a:spcBef>
-                <a:spcPts val="0"/>
-              </a:spcBef>
-              <a:spcAft>
-                <a:spcPts val="0"/>
-              </a:spcAft>
-              <a:buClr>
-                <a:srgbClr val="000000"/>
-              </a:buClr>
-              <a:buSzPts val="1400"/>
-              <a:buFont typeface="Arial"/>
-              <a:buNone/>
-            </a:pPr>
-            <a:endParaRPr sz="1400" b="0" i="0" u="none" strike="noStrike" cap="none">
-              <a:solidFill>
-                <a:srgbClr val="000000"/>
-              </a:solidFill>
-              <a:latin typeface="Arial"/>
-              <a:ea typeface="Arial"/>
-              <a:cs typeface="Arial"/>
-              <a:sym typeface="Arial"/>
-            </a:endParaRPr>
-          </a:p>
-        </p:txBody>
-      </p:sp>
-    </p:spTree>
-  </p:cSld>
-  <p:clrMapOvr>
-    <a:masterClrMapping/>
-  </p:clrMapOvr>
-  <mc:AlternateContent xmlns:mc="http://schemas.openxmlformats.org/markup-compatibility/2006" xmlns:p159="http://schemas.microsoft.com/office/powerpoint/2015/09/main">
-    <mc:Choice Requires="p159">
-      <p:transition xmlns:p14="http://schemas.microsoft.com/office/powerpoint/2010/main" spd="slow" p14:dur="2000">
-        <p159:morph option="byObject"/>
-      </p:transition>
-    </mc:Choice>
-    <mc:Fallback xmlns="">
-      <p:transition spd="slow">
-        <p:fade/>
-      </p:transition>
-    </mc:Fallback>
-  </mc:AlternateContent>
-</p:sld>
-</file>
-
-<file path=ppt/slides/slide5.xml><?xml version="1.0" encoding="utf-8"?>
-<p:sld xmlns:a="http://schemas.openxmlformats.org/drawingml/2006/main" xmlns:r="http://schemas.openxmlformats.org/officeDocument/2006/relationships" xmlns:p="http://schemas.openxmlformats.org/presentationml/2006/main">
-  <p:cSld>
     <p:spTree>
       <p:nvGrpSpPr>
         <p:cNvPr id="1" name=""/>
@@ -17364,7 +19896,7 @@
           <a:lstStyle/>
           <a:p>
             <a:r>
-              <a:rPr lang="nl-NL" dirty="0"/>
+              <a:rPr lang="nl-NL" sz="3200" dirty="0"/>
               <a:t>Removing a bug:</a:t>
             </a:r>
           </a:p>
@@ -17420,7 +19952,7 @@
               <a:t>All points in the </a:t>
             </a:r>
             <a:r>
-              <a:rPr lang="nl-NL">
+              <a:rPr lang="nl-NL" dirty="0">
                 <a:solidFill>
                   <a:schemeClr val="accent4"/>
                 </a:solidFill>
@@ -17428,12 +19960,12 @@
               <a:t>orange </a:t>
             </a:r>
             <a:r>
-              <a:rPr lang="nl-NL">
+              <a:rPr lang="nl-NL" dirty="0">
                 <a:solidFill>
                   <a:schemeClr val="tx1"/>
                 </a:solidFill>
               </a:rPr>
-              <a:t>cluster are identical, due to an error in the removing of NaN points </a:t>
+              <a:t>cluster are identical, due to an error in the removing of NaN points (it only contains ~50 points out of the 30000)</a:t>
             </a:r>
             <a:endParaRPr lang="nl-NL" dirty="0">
               <a:solidFill>
@@ -17443,6 +19975,39 @@
           </a:p>
         </p:txBody>
       </p:sp>
+      <p:pic>
+        <p:nvPicPr>
+          <p:cNvPr id="4" name="Google Shape;147;p13">
+            <a:extLst>
+              <a:ext uri="{FF2B5EF4-FFF2-40B4-BE49-F238E27FC236}">
+                <a16:creationId xmlns:a16="http://schemas.microsoft.com/office/drawing/2014/main" id="{8543D657-20E4-4A98-BA31-869DF24F9159}"/>
+              </a:ext>
+            </a:extLst>
+          </p:cNvPr>
+          <p:cNvPicPr preferRelativeResize="0"/>
+          <p:nvPr/>
+        </p:nvPicPr>
+        <p:blipFill rotWithShape="1">
+          <a:blip r:embed="rId2">
+            <a:alphaModFix/>
+          </a:blip>
+          <a:srcRect/>
+          <a:stretch/>
+        </p:blipFill>
+        <p:spPr>
+          <a:xfrm>
+            <a:off x="4429638" y="1931253"/>
+            <a:ext cx="5842532" cy="2497638"/>
+          </a:xfrm>
+          <a:prstGeom prst="rect">
+            <a:avLst/>
+          </a:prstGeom>
+          <a:noFill/>
+          <a:ln>
+            <a:noFill/>
+          </a:ln>
+        </p:spPr>
+      </p:pic>
     </p:spTree>
     <p:extLst>
       <p:ext uri="{BB962C8B-B14F-4D97-AF65-F5344CB8AC3E}">
@@ -17456,20 +20021,12 @@
 </p:sld>
 </file>
 
-<file path=ppt/slides/slide6.xml><?xml version="1.0" encoding="utf-8"?>
+<file path=ppt/slides/slide5.xml><?xml version="1.0" encoding="utf-8"?>
 <p:sld xmlns:a="http://schemas.openxmlformats.org/drawingml/2006/main" xmlns:r="http://schemas.openxmlformats.org/officeDocument/2006/relationships" xmlns:p="http://schemas.openxmlformats.org/presentationml/2006/main">
   <p:cSld>
-    <p:bg>
-      <p:bgPr>
-        <a:solidFill>
-          <a:schemeClr val="lt1"/>
-        </a:solidFill>
-        <a:effectLst/>
-      </p:bgPr>
-    </p:bg>
     <p:spTree>
       <p:nvGrpSpPr>
-        <p:cNvPr id="1" name="Shape 110"/>
+        <p:cNvPr id="1" name="Shape 100"/>
         <p:cNvGrpSpPr/>
         <p:nvPr/>
       </p:nvGrpSpPr>
@@ -17483,13 +20040,13 @@
       </p:grpSpPr>
       <p:sp>
         <p:nvSpPr>
-          <p:cNvPr id="111" name="Google Shape;111;p4"/>
+          <p:cNvPr id="101" name="Google Shape;101;p3"/>
           <p:cNvSpPr/>
           <p:nvPr/>
         </p:nvSpPr>
         <p:spPr>
           <a:xfrm>
-            <a:off x="0" y="0"/>
+            <a:off x="0" y="-5475"/>
             <a:ext cx="12192000" cy="6858000"/>
           </a:xfrm>
           <a:prstGeom prst="rect">
@@ -17539,7 +20096,7 @@
       </p:sp>
       <p:sp>
         <p:nvSpPr>
-          <p:cNvPr id="112" name="Google Shape;112;p4"/>
+          <p:cNvPr id="102" name="Google Shape;102;p3"/>
           <p:cNvSpPr/>
           <p:nvPr/>
         </p:nvSpPr>
@@ -17595,7 +20152,7 @@
       </p:sp>
       <p:sp>
         <p:nvSpPr>
-          <p:cNvPr id="113" name="Google Shape;113;p4"/>
+          <p:cNvPr id="103" name="Google Shape;103;p3"/>
           <p:cNvSpPr txBox="1">
             <a:spLocks noGrp="1"/>
           </p:cNvSpPr>
@@ -17640,16 +20197,16 @@
               <a:buNone/>
             </a:pPr>
             <a:r>
-              <a:rPr lang="nl-NL" sz="2160"/>
-              <a:t>3) Clustering</a:t>
+              <a:rPr lang="nl-NL" sz="3200" dirty="0"/>
+              <a:t>Analyzing the clusters</a:t>
             </a:r>
-            <a:endParaRPr/>
+            <a:endParaRPr sz="4800" dirty="0"/>
           </a:p>
         </p:txBody>
       </p:sp>
       <p:sp>
         <p:nvSpPr>
-          <p:cNvPr id="114" name="Google Shape;114;p4"/>
+          <p:cNvPr id="105" name="Google Shape;105;p3"/>
           <p:cNvSpPr/>
           <p:nvPr/>
         </p:nvSpPr>
@@ -17705,20 +20262,41 @@
           </a:p>
         </p:txBody>
       </p:sp>
+      <p:pic>
+        <p:nvPicPr>
+          <p:cNvPr id="4" name="Picture 3"/>
+          <p:cNvPicPr>
+            <a:picLocks noChangeAspect="1"/>
+          </p:cNvPicPr>
+          <p:nvPr/>
+        </p:nvPicPr>
+        <p:blipFill>
+          <a:blip r:embed="rId3"/>
+          <a:srcRect/>
+          <a:stretch/>
+        </p:blipFill>
+        <p:spPr>
+          <a:xfrm>
+            <a:off x="3883826" y="972496"/>
+            <a:ext cx="7554865" cy="4743874"/>
+          </a:xfrm>
+          <a:prstGeom prst="rect">
+            <a:avLst/>
+          </a:prstGeom>
+        </p:spPr>
+      </p:pic>
       <p:sp>
         <p:nvSpPr>
-          <p:cNvPr id="115" name="Google Shape;115;p4"/>
+          <p:cNvPr id="9" name="Google Shape;104;p3"/>
           <p:cNvSpPr txBox="1">
-            <a:spLocks noGrp="1"/>
+            <a:spLocks/>
           </p:cNvSpPr>
-          <p:nvPr>
-            <p:ph type="body" idx="1"/>
-          </p:nvPr>
+          <p:nvPr/>
         </p:nvSpPr>
         <p:spPr>
           <a:xfrm>
-            <a:off x="252920" y="2162014"/>
-            <a:ext cx="2947500" cy="3744300"/>
+            <a:off x="252919" y="2162013"/>
+            <a:ext cx="2947482" cy="3986915"/>
           </a:xfrm>
           <a:prstGeom prst="rect">
             <a:avLst/>
@@ -17732,193 +20310,392 @@
           <a:bodyPr spcFirstLastPara="1" wrap="square" lIns="91425" tIns="45700" rIns="91425" bIns="45700" anchor="t" anchorCtr="0">
             <a:noAutofit/>
           </a:bodyPr>
-          <a:lstStyle/>
+          <a:lstStyle>
+            <a:defPPr marR="0" lvl="0" algn="l" rtl="0">
+              <a:lnSpc>
+                <a:spcPct val="100000"/>
+              </a:lnSpc>
+              <a:spcBef>
+                <a:spcPts val="0"/>
+              </a:spcBef>
+              <a:spcAft>
+                <a:spcPts val="0"/>
+              </a:spcAft>
+            </a:defPPr>
+            <a:lvl1pPr marL="457200" marR="0" lvl="0" indent="-342900" algn="l" rtl="0">
+              <a:lnSpc>
+                <a:spcPct val="90000"/>
+              </a:lnSpc>
+              <a:spcBef>
+                <a:spcPts val="1200"/>
+              </a:spcBef>
+              <a:spcAft>
+                <a:spcPts val="0"/>
+              </a:spcAft>
+              <a:buClr>
+                <a:schemeClr val="accent1"/>
+              </a:buClr>
+              <a:buSzPts val="1800"/>
+              <a:buFont typeface="Noto Sans Symbols"/>
+              <a:buChar char="●"/>
+              <a:defRPr sz="2000" b="0" i="0" u="none" strike="noStrike" cap="none">
+                <a:solidFill>
+                  <a:srgbClr val="595959"/>
+                </a:solidFill>
+                <a:latin typeface="Corbel"/>
+                <a:ea typeface="Corbel"/>
+                <a:cs typeface="Corbel"/>
+                <a:sym typeface="Corbel"/>
+              </a:defRPr>
+            </a:lvl1pPr>
+            <a:lvl2pPr marL="914400" marR="0" lvl="1" indent="-342900" algn="l" rtl="0">
+              <a:lnSpc>
+                <a:spcPct val="90000"/>
+              </a:lnSpc>
+              <a:spcBef>
+                <a:spcPts val="250"/>
+              </a:spcBef>
+              <a:spcAft>
+                <a:spcPts val="0"/>
+              </a:spcAft>
+              <a:buClr>
+                <a:schemeClr val="accent1"/>
+              </a:buClr>
+              <a:buSzPts val="1800"/>
+              <a:buFont typeface="Noto Sans Symbols"/>
+              <a:buChar char="●"/>
+              <a:defRPr sz="1800" b="0" i="0" u="none" strike="noStrike" cap="none">
+                <a:solidFill>
+                  <a:srgbClr val="595959"/>
+                </a:solidFill>
+                <a:latin typeface="Corbel"/>
+                <a:ea typeface="Corbel"/>
+                <a:cs typeface="Corbel"/>
+                <a:sym typeface="Corbel"/>
+              </a:defRPr>
+            </a:lvl2pPr>
+            <a:lvl3pPr marL="1371600" marR="0" lvl="2" indent="-342900" algn="l" rtl="0">
+              <a:lnSpc>
+                <a:spcPct val="90000"/>
+              </a:lnSpc>
+              <a:spcBef>
+                <a:spcPts val="250"/>
+              </a:spcBef>
+              <a:spcAft>
+                <a:spcPts val="0"/>
+              </a:spcAft>
+              <a:buClr>
+                <a:schemeClr val="accent1"/>
+              </a:buClr>
+              <a:buSzPts val="1800"/>
+              <a:buFont typeface="Noto Sans Symbols"/>
+              <a:buChar char="●"/>
+              <a:defRPr sz="1600" b="0" i="0" u="none" strike="noStrike" cap="none">
+                <a:solidFill>
+                  <a:srgbClr val="595959"/>
+                </a:solidFill>
+                <a:latin typeface="Corbel"/>
+                <a:ea typeface="Corbel"/>
+                <a:cs typeface="Corbel"/>
+                <a:sym typeface="Corbel"/>
+              </a:defRPr>
+            </a:lvl3pPr>
+            <a:lvl4pPr marL="1828800" marR="0" lvl="3" indent="-342900" algn="l" rtl="0">
+              <a:lnSpc>
+                <a:spcPct val="90000"/>
+              </a:lnSpc>
+              <a:spcBef>
+                <a:spcPts val="250"/>
+              </a:spcBef>
+              <a:spcAft>
+                <a:spcPts val="0"/>
+              </a:spcAft>
+              <a:buClr>
+                <a:schemeClr val="accent1"/>
+              </a:buClr>
+              <a:buSzPts val="1800"/>
+              <a:buFont typeface="Noto Sans Symbols"/>
+              <a:buChar char="●"/>
+              <a:defRPr sz="1400" b="0" i="0" u="none" strike="noStrike" cap="none">
+                <a:solidFill>
+                  <a:srgbClr val="595959"/>
+                </a:solidFill>
+                <a:latin typeface="Corbel"/>
+                <a:ea typeface="Corbel"/>
+                <a:cs typeface="Corbel"/>
+                <a:sym typeface="Corbel"/>
+              </a:defRPr>
+            </a:lvl4pPr>
+            <a:lvl5pPr marL="2286000" marR="0" lvl="4" indent="-342900" algn="l" rtl="0">
+              <a:lnSpc>
+                <a:spcPct val="90000"/>
+              </a:lnSpc>
+              <a:spcBef>
+                <a:spcPts val="250"/>
+              </a:spcBef>
+              <a:spcAft>
+                <a:spcPts val="0"/>
+              </a:spcAft>
+              <a:buClr>
+                <a:schemeClr val="accent1"/>
+              </a:buClr>
+              <a:buSzPts val="1800"/>
+              <a:buFont typeface="Noto Sans Symbols"/>
+              <a:buChar char="●"/>
+              <a:defRPr sz="1400" b="0" i="0" u="none" strike="noStrike" cap="none">
+                <a:solidFill>
+                  <a:srgbClr val="595959"/>
+                </a:solidFill>
+                <a:latin typeface="Corbel"/>
+                <a:ea typeface="Corbel"/>
+                <a:cs typeface="Corbel"/>
+                <a:sym typeface="Corbel"/>
+              </a:defRPr>
+            </a:lvl5pPr>
+            <a:lvl6pPr marL="2743200" marR="0" lvl="5" indent="-342900" algn="l" rtl="0">
+              <a:lnSpc>
+                <a:spcPct val="90000"/>
+              </a:lnSpc>
+              <a:spcBef>
+                <a:spcPts val="250"/>
+              </a:spcBef>
+              <a:spcAft>
+                <a:spcPts val="0"/>
+              </a:spcAft>
+              <a:buClr>
+                <a:schemeClr val="accent1"/>
+              </a:buClr>
+              <a:buSzPts val="1800"/>
+              <a:buFont typeface="Noto Sans Symbols"/>
+              <a:buChar char="●"/>
+              <a:defRPr sz="1400" b="0" i="0" u="none" strike="noStrike" cap="none">
+                <a:solidFill>
+                  <a:srgbClr val="595959"/>
+                </a:solidFill>
+                <a:latin typeface="Corbel"/>
+                <a:ea typeface="Corbel"/>
+                <a:cs typeface="Corbel"/>
+                <a:sym typeface="Corbel"/>
+              </a:defRPr>
+            </a:lvl6pPr>
+            <a:lvl7pPr marL="3200400" marR="0" lvl="6" indent="-342900" algn="l" rtl="0">
+              <a:lnSpc>
+                <a:spcPct val="90000"/>
+              </a:lnSpc>
+              <a:spcBef>
+                <a:spcPts val="250"/>
+              </a:spcBef>
+              <a:spcAft>
+                <a:spcPts val="0"/>
+              </a:spcAft>
+              <a:buClr>
+                <a:schemeClr val="accent1"/>
+              </a:buClr>
+              <a:buSzPts val="1800"/>
+              <a:buFont typeface="Noto Sans Symbols"/>
+              <a:buChar char="●"/>
+              <a:defRPr sz="1400" b="0" i="0" u="none" strike="noStrike" cap="none">
+                <a:solidFill>
+                  <a:srgbClr val="595959"/>
+                </a:solidFill>
+                <a:latin typeface="Corbel"/>
+                <a:ea typeface="Corbel"/>
+                <a:cs typeface="Corbel"/>
+                <a:sym typeface="Corbel"/>
+              </a:defRPr>
+            </a:lvl7pPr>
+            <a:lvl8pPr marL="3657600" marR="0" lvl="7" indent="-342900" algn="l" rtl="0">
+              <a:lnSpc>
+                <a:spcPct val="90000"/>
+              </a:lnSpc>
+              <a:spcBef>
+                <a:spcPts val="250"/>
+              </a:spcBef>
+              <a:spcAft>
+                <a:spcPts val="0"/>
+              </a:spcAft>
+              <a:buClr>
+                <a:schemeClr val="accent1"/>
+              </a:buClr>
+              <a:buSzPts val="1800"/>
+              <a:buFont typeface="Noto Sans Symbols"/>
+              <a:buChar char="●"/>
+              <a:defRPr sz="1400" b="0" i="0" u="none" strike="noStrike" cap="none">
+                <a:solidFill>
+                  <a:srgbClr val="595959"/>
+                </a:solidFill>
+                <a:latin typeface="Corbel"/>
+                <a:ea typeface="Corbel"/>
+                <a:cs typeface="Corbel"/>
+                <a:sym typeface="Corbel"/>
+              </a:defRPr>
+            </a:lvl8pPr>
+            <a:lvl9pPr marL="4114800" marR="0" lvl="8" indent="-342900" algn="l" rtl="0">
+              <a:lnSpc>
+                <a:spcPct val="90000"/>
+              </a:lnSpc>
+              <a:spcBef>
+                <a:spcPts val="250"/>
+              </a:spcBef>
+              <a:spcAft>
+                <a:spcPts val="250"/>
+              </a:spcAft>
+              <a:buClr>
+                <a:schemeClr val="accent1"/>
+              </a:buClr>
+              <a:buSzPts val="1800"/>
+              <a:buFont typeface="Noto Sans Symbols"/>
+              <a:buChar char="●"/>
+              <a:defRPr sz="1400" b="0" i="0" u="none" strike="noStrike" cap="none">
+                <a:solidFill>
+                  <a:srgbClr val="595959"/>
+                </a:solidFill>
+                <a:latin typeface="Corbel"/>
+                <a:ea typeface="Corbel"/>
+                <a:cs typeface="Corbel"/>
+                <a:sym typeface="Corbel"/>
+              </a:defRPr>
+            </a:lvl9pPr>
+          </a:lstStyle>
           <a:p>
-            <a:pPr marL="0" lvl="0" indent="0" algn="l" rtl="0">
+            <a:pPr marL="0" indent="0">
               <a:lnSpc>
                 <a:spcPct val="80000"/>
               </a:lnSpc>
               <a:spcBef>
                 <a:spcPts val="0"/>
               </a:spcBef>
-              <a:spcAft>
-                <a:spcPts val="0"/>
-              </a:spcAft>
-              <a:buSzPts val="1800"/>
+              <a:buFont typeface="Noto Sans Symbols"/>
               <a:buNone/>
             </a:pPr>
             <a:r>
-              <a:rPr lang="nl-NL" sz="1600">
+              <a:rPr lang="en-US" sz="1600" dirty="0">
                 <a:solidFill>
                   <a:srgbClr val="FFFFFF"/>
                 </a:solidFill>
               </a:rPr>
-              <a:t>Setup: standardized all variables, so gave all variables mean zero, variance 1. Next, applied Kmeans clustering for 1 station. </a:t>
+              <a:t>When we remove the orange cluster, we are left with two clusters roughly representing summer and winter.</a:t>
             </a:r>
-            <a:endParaRPr/>
+            <a:endParaRPr lang="en-US" dirty="0"/>
           </a:p>
           <a:p>
-            <a:pPr marL="0" lvl="0" indent="0" algn="l" rtl="0">
+            <a:pPr marL="0" indent="0">
               <a:lnSpc>
                 <a:spcPct val="80000"/>
               </a:lnSpc>
               <a:spcBef>
                 <a:spcPts val="0"/>
               </a:spcBef>
-              <a:spcAft>
-                <a:spcPts val="0"/>
-              </a:spcAft>
-              <a:buSzPts val="1800"/>
+              <a:buFont typeface="Noto Sans Symbols"/>
               <a:buNone/>
             </a:pPr>
-            <a:endParaRPr sz="1600">
+            <a:endParaRPr lang="en-US" sz="1600" dirty="0">
               <a:solidFill>
                 <a:srgbClr val="FFFFFF"/>
               </a:solidFill>
             </a:endParaRPr>
           </a:p>
           <a:p>
-            <a:pPr marL="0" lvl="0" indent="0" algn="l" rtl="0">
+            <a:pPr marL="0" indent="0">
               <a:lnSpc>
                 <a:spcPct val="80000"/>
               </a:lnSpc>
               <a:spcBef>
                 <a:spcPts val="0"/>
               </a:spcBef>
-              <a:spcAft>
-                <a:spcPts val="0"/>
-              </a:spcAft>
-              <a:buSzPts val="1800"/>
+              <a:buFont typeface="Noto Sans Symbols"/>
               <a:buNone/>
             </a:pPr>
             <a:r>
-              <a:rPr lang="nl-NL" sz="1600">
+              <a:rPr lang="en-US" sz="1600" dirty="0">
                 <a:solidFill>
                   <a:srgbClr val="FFFFFF"/>
                 </a:solidFill>
               </a:rPr>
-              <a:t>Fixed a bug that gave weird results. </a:t>
+              <a:t>Here we see the properties of these clusters</a:t>
             </a:r>
-            <a:endParaRPr sz="1600">
+          </a:p>
+          <a:p>
+            <a:pPr marL="0" lvl="0" indent="0">
+              <a:lnSpc>
+                <a:spcPct val="80000"/>
+              </a:lnSpc>
+              <a:spcBef>
+                <a:spcPts val="0"/>
+              </a:spcBef>
+              <a:buNone/>
+            </a:pPr>
+            <a:endParaRPr lang="en-US" sz="1600" dirty="0">
               <a:solidFill>
                 <a:srgbClr val="FFFFFF"/>
               </a:solidFill>
             </a:endParaRPr>
           </a:p>
           <a:p>
-            <a:pPr marL="0" lvl="0" indent="0" algn="l" rtl="0">
+            <a:pPr marL="0" lvl="0" indent="0">
               <a:lnSpc>
                 <a:spcPct val="80000"/>
               </a:lnSpc>
               <a:spcBef>
                 <a:spcPts val="0"/>
               </a:spcBef>
-              <a:spcAft>
-                <a:spcPts val="0"/>
-              </a:spcAft>
-              <a:buSzPts val="1800"/>
               <a:buNone/>
             </a:pPr>
-            <a:endParaRPr sz="1600">
+            <a:r>
+              <a:rPr lang="en-US" sz="1600" dirty="0">
+                <a:solidFill>
+                  <a:srgbClr val="FFFFFF"/>
+                </a:solidFill>
+              </a:rPr>
+              <a:t>Looked at the difference between the distributions of each variable in the two clusters (left is summer cluster, right is winter cluster). A large difference means that it is an important indicator for differentiating between summer and winter.</a:t>
+            </a:r>
+            <a:endParaRPr lang="en-US" sz="1600" dirty="0"/>
+          </a:p>
+          <a:p>
+            <a:pPr marL="0" indent="0">
+              <a:lnSpc>
+                <a:spcPct val="80000"/>
+              </a:lnSpc>
+              <a:spcBef>
+                <a:spcPts val="0"/>
+              </a:spcBef>
+              <a:buFont typeface="Noto Sans Symbols"/>
+              <a:buNone/>
+            </a:pPr>
+            <a:endParaRPr lang="en-US" sz="1600" dirty="0">
               <a:solidFill>
                 <a:srgbClr val="FFFFFF"/>
               </a:solidFill>
             </a:endParaRPr>
           </a:p>
           <a:p>
-            <a:pPr marL="0" lvl="0" indent="0" algn="l" rtl="0">
+            <a:pPr marL="0" indent="0">
               <a:lnSpc>
                 <a:spcPct val="80000"/>
               </a:lnSpc>
               <a:spcBef>
                 <a:spcPts val="0"/>
               </a:spcBef>
-              <a:spcAft>
-                <a:spcPts val="0"/>
-              </a:spcAft>
-              <a:buSzPts val="1800"/>
+              <a:buFont typeface="Noto Sans Symbols"/>
               <a:buNone/>
             </a:pPr>
             <a:r>
-              <a:rPr lang="nl-NL" sz="1600">
+              <a:rPr lang="en-US" sz="2800" dirty="0">
                 <a:solidFill>
                   <a:srgbClr val="FFFFFF"/>
                 </a:solidFill>
               </a:rPr>
-              <a:t>Tried to see if we could cluster per station, wasn’t successful. Image shows the relative amount of points of each cluster, per station. Everything almost the same, as expected since data points between different stations don’t differ much, so clustering will most likely cluster based on seasons, and not on location.  </a:t>
+              <a:t>2 Clusters</a:t>
             </a:r>
-            <a:endParaRPr sz="1600">
-              <a:solidFill>
-                <a:srgbClr val="FFFFFF"/>
-              </a:solidFill>
-            </a:endParaRPr>
-          </a:p>
-          <a:p>
-            <a:pPr marL="182880" lvl="0" indent="-81278" algn="l" rtl="0">
-              <a:lnSpc>
-                <a:spcPct val="80000"/>
-              </a:lnSpc>
-              <a:spcBef>
-                <a:spcPts val="0"/>
-              </a:spcBef>
-              <a:spcAft>
-                <a:spcPts val="0"/>
-              </a:spcAft>
-              <a:buSzPts val="1600"/>
-              <a:buNone/>
-            </a:pPr>
-            <a:endParaRPr/>
-          </a:p>
-          <a:p>
-            <a:pPr marL="182880" lvl="0" indent="-81276" algn="l" rtl="0">
-              <a:lnSpc>
-                <a:spcPct val="80000"/>
-              </a:lnSpc>
-              <a:spcBef>
-                <a:spcPts val="1200"/>
-              </a:spcBef>
-              <a:spcAft>
-                <a:spcPts val="0"/>
-              </a:spcAft>
-              <a:buSzPts val="1600"/>
-              <a:buNone/>
-            </a:pPr>
-            <a:endParaRPr sz="1600">
-              <a:solidFill>
-                <a:srgbClr val="FFFFFF"/>
-              </a:solidFill>
-            </a:endParaRPr>
           </a:p>
         </p:txBody>
       </p:sp>
-      <p:pic>
-        <p:nvPicPr>
-          <p:cNvPr id="116" name="Google Shape;116;p4"/>
-          <p:cNvPicPr preferRelativeResize="0"/>
-          <p:nvPr/>
-        </p:nvPicPr>
-        <p:blipFill rotWithShape="1">
-          <a:blip r:embed="rId3">
-            <a:alphaModFix/>
-          </a:blip>
-          <a:srcRect/>
-          <a:stretch/>
-        </p:blipFill>
-        <p:spPr>
-          <a:xfrm>
-            <a:off x="3985175" y="1742150"/>
-            <a:ext cx="7830700" cy="3256575"/>
-          </a:xfrm>
-          <a:prstGeom prst="rect">
-            <a:avLst/>
-          </a:prstGeom>
-          <a:noFill/>
-          <a:ln>
-            <a:noFill/>
-          </a:ln>
-        </p:spPr>
-      </p:pic>
     </p:spTree>
+    <p:extLst>
+      <p:ext uri="{BB962C8B-B14F-4D97-AF65-F5344CB8AC3E}">
+        <p14:creationId xmlns:p14="http://schemas.microsoft.com/office/powerpoint/2010/main" val="1382423389"/>
+      </p:ext>
+    </p:extLst>
   </p:cSld>
   <p:clrMapOvr>
     <a:masterClrMapping/>
@@ -17926,12 +20703,12 @@
 </p:sld>
 </file>
 
-<file path=ppt/slides/slide7.xml><?xml version="1.0" encoding="utf-8"?>
+<file path=ppt/slides/slide6.xml><?xml version="1.0" encoding="utf-8"?>
 <p:sld xmlns:a="http://schemas.openxmlformats.org/drawingml/2006/main" xmlns:r="http://schemas.openxmlformats.org/officeDocument/2006/relationships" xmlns:p="http://schemas.openxmlformats.org/presentationml/2006/main">
   <p:cSld>
     <p:spTree>
       <p:nvGrpSpPr>
-        <p:cNvPr id="1" name="Shape 120"/>
+        <p:cNvPr id="1" name="Shape 100"/>
         <p:cNvGrpSpPr/>
         <p:nvPr/>
       </p:nvGrpSpPr>
@@ -17945,7 +20722,119 @@
       </p:grpSpPr>
       <p:sp>
         <p:nvSpPr>
-          <p:cNvPr id="121" name="Google Shape;121;p5"/>
+          <p:cNvPr id="101" name="Google Shape;101;p3"/>
+          <p:cNvSpPr/>
+          <p:nvPr/>
+        </p:nvSpPr>
+        <p:spPr>
+          <a:xfrm>
+            <a:off x="0" y="-5475"/>
+            <a:ext cx="12192000" cy="6858000"/>
+          </a:xfrm>
+          <a:prstGeom prst="rect">
+            <a:avLst/>
+          </a:prstGeom>
+          <a:solidFill>
+            <a:schemeClr val="lt1"/>
+          </a:solidFill>
+          <a:ln>
+            <a:noFill/>
+          </a:ln>
+        </p:spPr>
+        <p:txBody>
+          <a:bodyPr spcFirstLastPara="1" wrap="square" lIns="91425" tIns="45700" rIns="91425" bIns="45700" anchor="ctr" anchorCtr="0">
+            <a:noAutofit/>
+          </a:bodyPr>
+          <a:lstStyle/>
+          <a:p>
+            <a:pPr marL="0" marR="0" lvl="0" indent="0" algn="ctr" rtl="0">
+              <a:lnSpc>
+                <a:spcPct val="100000"/>
+              </a:lnSpc>
+              <a:spcBef>
+                <a:spcPts val="0"/>
+              </a:spcBef>
+              <a:spcAft>
+                <a:spcPts val="0"/>
+              </a:spcAft>
+              <a:buClr>
+                <a:srgbClr val="000000"/>
+              </a:buClr>
+              <a:buSzPts val="1800"/>
+              <a:buFont typeface="Arial"/>
+              <a:buNone/>
+            </a:pPr>
+            <a:endParaRPr sz="1800" b="0" i="0" u="none" strike="noStrike" cap="none">
+              <a:solidFill>
+                <a:schemeClr val="lt1"/>
+              </a:solidFill>
+              <a:latin typeface="Corbel"/>
+              <a:ea typeface="Corbel"/>
+              <a:cs typeface="Corbel"/>
+              <a:sym typeface="Corbel"/>
+            </a:endParaRPr>
+          </a:p>
+        </p:txBody>
+      </p:sp>
+      <p:sp>
+        <p:nvSpPr>
+          <p:cNvPr id="102" name="Google Shape;102;p3"/>
+          <p:cNvSpPr/>
+          <p:nvPr/>
+        </p:nvSpPr>
+        <p:spPr>
+          <a:xfrm>
+            <a:off x="-1" y="758953"/>
+            <a:ext cx="3577575" cy="5330952"/>
+          </a:xfrm>
+          <a:prstGeom prst="rect">
+            <a:avLst/>
+          </a:prstGeom>
+          <a:solidFill>
+            <a:schemeClr val="accent1"/>
+          </a:solidFill>
+          <a:ln>
+            <a:noFill/>
+          </a:ln>
+        </p:spPr>
+        <p:txBody>
+          <a:bodyPr spcFirstLastPara="1" wrap="square" lIns="91425" tIns="91425" rIns="91425" bIns="91425" anchor="ctr" anchorCtr="0">
+            <a:noAutofit/>
+          </a:bodyPr>
+          <a:lstStyle/>
+          <a:p>
+            <a:pPr marL="0" marR="0" lvl="0" indent="0" algn="l" rtl="0">
+              <a:lnSpc>
+                <a:spcPct val="100000"/>
+              </a:lnSpc>
+              <a:spcBef>
+                <a:spcPts val="0"/>
+              </a:spcBef>
+              <a:spcAft>
+                <a:spcPts val="0"/>
+              </a:spcAft>
+              <a:buClr>
+                <a:srgbClr val="000000"/>
+              </a:buClr>
+              <a:buSzPts val="1400"/>
+              <a:buFont typeface="Arial"/>
+              <a:buNone/>
+            </a:pPr>
+            <a:endParaRPr sz="1400" b="0" i="0" u="none" strike="noStrike" cap="none">
+              <a:solidFill>
+                <a:srgbClr val="000000"/>
+              </a:solidFill>
+              <a:latin typeface="Arial"/>
+              <a:ea typeface="Arial"/>
+              <a:cs typeface="Arial"/>
+              <a:sym typeface="Arial"/>
+            </a:endParaRPr>
+          </a:p>
+        </p:txBody>
+      </p:sp>
+      <p:sp>
+        <p:nvSpPr>
+          <p:cNvPr id="103" name="Google Shape;103;p3"/>
           <p:cNvSpPr txBox="1">
             <a:spLocks noGrp="1"/>
           </p:cNvSpPr>
@@ -17956,7 +20845,7 @@
         <p:spPr>
           <a:xfrm>
             <a:off x="252919" y="1123837"/>
-            <a:ext cx="2947482" cy="4601183"/>
+            <a:ext cx="2947482" cy="1038177"/>
           </a:xfrm>
           <a:prstGeom prst="rect">
             <a:avLst/>
@@ -17967,7 +20856,7 @@
           </a:ln>
         </p:spPr>
         <p:txBody>
-          <a:bodyPr spcFirstLastPara="1" wrap="square" lIns="91425" tIns="45700" rIns="91425" bIns="45700" anchor="ctr" anchorCtr="0">
+          <a:bodyPr spcFirstLastPara="1" wrap="square" lIns="91425" tIns="45700" rIns="91425" bIns="45700" anchor="b" anchorCtr="0">
             <a:noAutofit/>
           </a:bodyPr>
           <a:lstStyle/>
@@ -17985,31 +20874,111 @@
               <a:buClr>
                 <a:srgbClr val="FFFFFF"/>
               </a:buClr>
-              <a:buSzPts val="1800"/>
+              <a:buSzPts val="2160"/>
+              <a:buFont typeface="Corbel"/>
               <a:buNone/>
             </a:pPr>
             <a:r>
-              <a:rPr lang="nl-NL"/>
-              <a:t>Model prediction</a:t>
+              <a:rPr lang="nl-NL" sz="3200" dirty="0"/>
+              <a:t>Analyzing the clusters</a:t>
             </a:r>
-            <a:endParaRPr/>
+            <a:endParaRPr sz="4800" dirty="0"/>
           </a:p>
         </p:txBody>
       </p:sp>
       <p:sp>
         <p:nvSpPr>
-          <p:cNvPr id="122" name="Google Shape;122;p5"/>
-          <p:cNvSpPr txBox="1">
-            <a:spLocks noGrp="1"/>
-          </p:cNvSpPr>
-          <p:nvPr>
-            <p:ph type="body" idx="1"/>
-          </p:nvPr>
+          <p:cNvPr id="105" name="Google Shape;105;p3"/>
+          <p:cNvSpPr/>
+          <p:nvPr/>
         </p:nvSpPr>
         <p:spPr>
           <a:xfrm>
-            <a:off x="3869268" y="864108"/>
-            <a:ext cx="7315200" cy="5120640"/>
+            <a:off x="11815864" y="758952"/>
+            <a:ext cx="384048" cy="5330952"/>
+          </a:xfrm>
+          <a:prstGeom prst="rect">
+            <a:avLst/>
+          </a:prstGeom>
+          <a:solidFill>
+            <a:srgbClr val="C8C8C8">
+              <a:alpha val="48627"/>
+            </a:srgbClr>
+          </a:solidFill>
+          <a:ln>
+            <a:noFill/>
+          </a:ln>
+        </p:spPr>
+        <p:txBody>
+          <a:bodyPr spcFirstLastPara="1" wrap="square" lIns="91425" tIns="91425" rIns="91425" bIns="91425" anchor="ctr" anchorCtr="0">
+            <a:noAutofit/>
+          </a:bodyPr>
+          <a:lstStyle/>
+          <a:p>
+            <a:pPr marL="0" marR="0" lvl="0" indent="0" algn="l" rtl="0">
+              <a:lnSpc>
+                <a:spcPct val="100000"/>
+              </a:lnSpc>
+              <a:spcBef>
+                <a:spcPts val="0"/>
+              </a:spcBef>
+              <a:spcAft>
+                <a:spcPts val="0"/>
+              </a:spcAft>
+              <a:buClr>
+                <a:srgbClr val="000000"/>
+              </a:buClr>
+              <a:buSzPts val="1400"/>
+              <a:buFont typeface="Arial"/>
+              <a:buNone/>
+            </a:pPr>
+            <a:endParaRPr sz="1400" b="0" i="0" u="none" strike="noStrike" cap="none">
+              <a:solidFill>
+                <a:srgbClr val="000000"/>
+              </a:solidFill>
+              <a:latin typeface="Arial"/>
+              <a:ea typeface="Arial"/>
+              <a:cs typeface="Arial"/>
+              <a:sym typeface="Arial"/>
+            </a:endParaRPr>
+          </a:p>
+        </p:txBody>
+      </p:sp>
+      <p:pic>
+        <p:nvPicPr>
+          <p:cNvPr id="4" name="Picture 3"/>
+          <p:cNvPicPr>
+            <a:picLocks noChangeAspect="1"/>
+          </p:cNvPicPr>
+          <p:nvPr/>
+        </p:nvPicPr>
+        <p:blipFill>
+          <a:blip r:embed="rId3"/>
+          <a:srcRect/>
+          <a:stretch/>
+        </p:blipFill>
+        <p:spPr>
+          <a:xfrm>
+            <a:off x="3883826" y="972496"/>
+            <a:ext cx="7554865" cy="4743873"/>
+          </a:xfrm>
+          <a:prstGeom prst="rect">
+            <a:avLst/>
+          </a:prstGeom>
+        </p:spPr>
+      </p:pic>
+      <p:sp>
+        <p:nvSpPr>
+          <p:cNvPr id="9" name="Google Shape;104;p3"/>
+          <p:cNvSpPr txBox="1">
+            <a:spLocks/>
+          </p:cNvSpPr>
+          <p:nvPr/>
+        </p:nvSpPr>
+        <p:spPr>
+          <a:xfrm>
+            <a:off x="252919" y="2162013"/>
+            <a:ext cx="2947482" cy="3986915"/>
           </a:xfrm>
           <a:prstGeom prst="rect">
             <a:avLst/>
@@ -18020,73 +20989,395 @@
           </a:ln>
         </p:spPr>
         <p:txBody>
-          <a:bodyPr spcFirstLastPara="1" wrap="square" lIns="91425" tIns="45700" rIns="91425" bIns="45700" anchor="ctr" anchorCtr="0">
+          <a:bodyPr spcFirstLastPara="1" wrap="square" lIns="91425" tIns="45700" rIns="91425" bIns="45700" anchor="t" anchorCtr="0">
             <a:noAutofit/>
           </a:bodyPr>
-          <a:lstStyle/>
+          <a:lstStyle>
+            <a:defPPr marR="0" lvl="0" algn="l" rtl="0">
+              <a:lnSpc>
+                <a:spcPct val="100000"/>
+              </a:lnSpc>
+              <a:spcBef>
+                <a:spcPts val="0"/>
+              </a:spcBef>
+              <a:spcAft>
+                <a:spcPts val="0"/>
+              </a:spcAft>
+            </a:defPPr>
+            <a:lvl1pPr marL="457200" marR="0" lvl="0" indent="-342900" algn="l" rtl="0">
+              <a:lnSpc>
+                <a:spcPct val="90000"/>
+              </a:lnSpc>
+              <a:spcBef>
+                <a:spcPts val="1200"/>
+              </a:spcBef>
+              <a:spcAft>
+                <a:spcPts val="0"/>
+              </a:spcAft>
+              <a:buClr>
+                <a:schemeClr val="accent1"/>
+              </a:buClr>
+              <a:buSzPts val="1800"/>
+              <a:buFont typeface="Noto Sans Symbols"/>
+              <a:buChar char="●"/>
+              <a:defRPr sz="2000" b="0" i="0" u="none" strike="noStrike" cap="none">
+                <a:solidFill>
+                  <a:srgbClr val="595959"/>
+                </a:solidFill>
+                <a:latin typeface="Corbel"/>
+                <a:ea typeface="Corbel"/>
+                <a:cs typeface="Corbel"/>
+                <a:sym typeface="Corbel"/>
+              </a:defRPr>
+            </a:lvl1pPr>
+            <a:lvl2pPr marL="914400" marR="0" lvl="1" indent="-342900" algn="l" rtl="0">
+              <a:lnSpc>
+                <a:spcPct val="90000"/>
+              </a:lnSpc>
+              <a:spcBef>
+                <a:spcPts val="250"/>
+              </a:spcBef>
+              <a:spcAft>
+                <a:spcPts val="0"/>
+              </a:spcAft>
+              <a:buClr>
+                <a:schemeClr val="accent1"/>
+              </a:buClr>
+              <a:buSzPts val="1800"/>
+              <a:buFont typeface="Noto Sans Symbols"/>
+              <a:buChar char="●"/>
+              <a:defRPr sz="1800" b="0" i="0" u="none" strike="noStrike" cap="none">
+                <a:solidFill>
+                  <a:srgbClr val="595959"/>
+                </a:solidFill>
+                <a:latin typeface="Corbel"/>
+                <a:ea typeface="Corbel"/>
+                <a:cs typeface="Corbel"/>
+                <a:sym typeface="Corbel"/>
+              </a:defRPr>
+            </a:lvl2pPr>
+            <a:lvl3pPr marL="1371600" marR="0" lvl="2" indent="-342900" algn="l" rtl="0">
+              <a:lnSpc>
+                <a:spcPct val="90000"/>
+              </a:lnSpc>
+              <a:spcBef>
+                <a:spcPts val="250"/>
+              </a:spcBef>
+              <a:spcAft>
+                <a:spcPts val="0"/>
+              </a:spcAft>
+              <a:buClr>
+                <a:schemeClr val="accent1"/>
+              </a:buClr>
+              <a:buSzPts val="1800"/>
+              <a:buFont typeface="Noto Sans Symbols"/>
+              <a:buChar char="●"/>
+              <a:defRPr sz="1600" b="0" i="0" u="none" strike="noStrike" cap="none">
+                <a:solidFill>
+                  <a:srgbClr val="595959"/>
+                </a:solidFill>
+                <a:latin typeface="Corbel"/>
+                <a:ea typeface="Corbel"/>
+                <a:cs typeface="Corbel"/>
+                <a:sym typeface="Corbel"/>
+              </a:defRPr>
+            </a:lvl3pPr>
+            <a:lvl4pPr marL="1828800" marR="0" lvl="3" indent="-342900" algn="l" rtl="0">
+              <a:lnSpc>
+                <a:spcPct val="90000"/>
+              </a:lnSpc>
+              <a:spcBef>
+                <a:spcPts val="250"/>
+              </a:spcBef>
+              <a:spcAft>
+                <a:spcPts val="0"/>
+              </a:spcAft>
+              <a:buClr>
+                <a:schemeClr val="accent1"/>
+              </a:buClr>
+              <a:buSzPts val="1800"/>
+              <a:buFont typeface="Noto Sans Symbols"/>
+              <a:buChar char="●"/>
+              <a:defRPr sz="1400" b="0" i="0" u="none" strike="noStrike" cap="none">
+                <a:solidFill>
+                  <a:srgbClr val="595959"/>
+                </a:solidFill>
+                <a:latin typeface="Corbel"/>
+                <a:ea typeface="Corbel"/>
+                <a:cs typeface="Corbel"/>
+                <a:sym typeface="Corbel"/>
+              </a:defRPr>
+            </a:lvl4pPr>
+            <a:lvl5pPr marL="2286000" marR="0" lvl="4" indent="-342900" algn="l" rtl="0">
+              <a:lnSpc>
+                <a:spcPct val="90000"/>
+              </a:lnSpc>
+              <a:spcBef>
+                <a:spcPts val="250"/>
+              </a:spcBef>
+              <a:spcAft>
+                <a:spcPts val="0"/>
+              </a:spcAft>
+              <a:buClr>
+                <a:schemeClr val="accent1"/>
+              </a:buClr>
+              <a:buSzPts val="1800"/>
+              <a:buFont typeface="Noto Sans Symbols"/>
+              <a:buChar char="●"/>
+              <a:defRPr sz="1400" b="0" i="0" u="none" strike="noStrike" cap="none">
+                <a:solidFill>
+                  <a:srgbClr val="595959"/>
+                </a:solidFill>
+                <a:latin typeface="Corbel"/>
+                <a:ea typeface="Corbel"/>
+                <a:cs typeface="Corbel"/>
+                <a:sym typeface="Corbel"/>
+              </a:defRPr>
+            </a:lvl5pPr>
+            <a:lvl6pPr marL="2743200" marR="0" lvl="5" indent="-342900" algn="l" rtl="0">
+              <a:lnSpc>
+                <a:spcPct val="90000"/>
+              </a:lnSpc>
+              <a:spcBef>
+                <a:spcPts val="250"/>
+              </a:spcBef>
+              <a:spcAft>
+                <a:spcPts val="0"/>
+              </a:spcAft>
+              <a:buClr>
+                <a:schemeClr val="accent1"/>
+              </a:buClr>
+              <a:buSzPts val="1800"/>
+              <a:buFont typeface="Noto Sans Symbols"/>
+              <a:buChar char="●"/>
+              <a:defRPr sz="1400" b="0" i="0" u="none" strike="noStrike" cap="none">
+                <a:solidFill>
+                  <a:srgbClr val="595959"/>
+                </a:solidFill>
+                <a:latin typeface="Corbel"/>
+                <a:ea typeface="Corbel"/>
+                <a:cs typeface="Corbel"/>
+                <a:sym typeface="Corbel"/>
+              </a:defRPr>
+            </a:lvl6pPr>
+            <a:lvl7pPr marL="3200400" marR="0" lvl="6" indent="-342900" algn="l" rtl="0">
+              <a:lnSpc>
+                <a:spcPct val="90000"/>
+              </a:lnSpc>
+              <a:spcBef>
+                <a:spcPts val="250"/>
+              </a:spcBef>
+              <a:spcAft>
+                <a:spcPts val="0"/>
+              </a:spcAft>
+              <a:buClr>
+                <a:schemeClr val="accent1"/>
+              </a:buClr>
+              <a:buSzPts val="1800"/>
+              <a:buFont typeface="Noto Sans Symbols"/>
+              <a:buChar char="●"/>
+              <a:defRPr sz="1400" b="0" i="0" u="none" strike="noStrike" cap="none">
+                <a:solidFill>
+                  <a:srgbClr val="595959"/>
+                </a:solidFill>
+                <a:latin typeface="Corbel"/>
+                <a:ea typeface="Corbel"/>
+                <a:cs typeface="Corbel"/>
+                <a:sym typeface="Corbel"/>
+              </a:defRPr>
+            </a:lvl7pPr>
+            <a:lvl8pPr marL="3657600" marR="0" lvl="7" indent="-342900" algn="l" rtl="0">
+              <a:lnSpc>
+                <a:spcPct val="90000"/>
+              </a:lnSpc>
+              <a:spcBef>
+                <a:spcPts val="250"/>
+              </a:spcBef>
+              <a:spcAft>
+                <a:spcPts val="0"/>
+              </a:spcAft>
+              <a:buClr>
+                <a:schemeClr val="accent1"/>
+              </a:buClr>
+              <a:buSzPts val="1800"/>
+              <a:buFont typeface="Noto Sans Symbols"/>
+              <a:buChar char="●"/>
+              <a:defRPr sz="1400" b="0" i="0" u="none" strike="noStrike" cap="none">
+                <a:solidFill>
+                  <a:srgbClr val="595959"/>
+                </a:solidFill>
+                <a:latin typeface="Corbel"/>
+                <a:ea typeface="Corbel"/>
+                <a:cs typeface="Corbel"/>
+                <a:sym typeface="Corbel"/>
+              </a:defRPr>
+            </a:lvl8pPr>
+            <a:lvl9pPr marL="4114800" marR="0" lvl="8" indent="-342900" algn="l" rtl="0">
+              <a:lnSpc>
+                <a:spcPct val="90000"/>
+              </a:lnSpc>
+              <a:spcBef>
+                <a:spcPts val="250"/>
+              </a:spcBef>
+              <a:spcAft>
+                <a:spcPts val="250"/>
+              </a:spcAft>
+              <a:buClr>
+                <a:schemeClr val="accent1"/>
+              </a:buClr>
+              <a:buSzPts val="1800"/>
+              <a:buFont typeface="Noto Sans Symbols"/>
+              <a:buChar char="●"/>
+              <a:defRPr sz="1400" b="0" i="0" u="none" strike="noStrike" cap="none">
+                <a:solidFill>
+                  <a:srgbClr val="595959"/>
+                </a:solidFill>
+                <a:latin typeface="Corbel"/>
+                <a:ea typeface="Corbel"/>
+                <a:cs typeface="Corbel"/>
+                <a:sym typeface="Corbel"/>
+              </a:defRPr>
+            </a:lvl9pPr>
+          </a:lstStyle>
           <a:p>
-            <a:pPr marL="457200" lvl="0" indent="-342900" algn="l" rtl="0">
-              <a:lnSpc>
-                <a:spcPct val="90000"/>
-              </a:lnSpc>
-              <a:spcBef>
-                <a:spcPts val="1200"/>
-              </a:spcBef>
-              <a:spcAft>
-                <a:spcPts val="0"/>
-              </a:spcAft>
-              <a:buSzPts val="1800"/>
-              <a:buChar char="●"/>
+            <a:pPr marL="0" indent="0">
+              <a:lnSpc>
+                <a:spcPct val="80000"/>
+              </a:lnSpc>
+              <a:spcBef>
+                <a:spcPts val="0"/>
+              </a:spcBef>
+              <a:buFont typeface="Noto Sans Symbols"/>
+              <a:buNone/>
             </a:pPr>
             <a:r>
-              <a:rPr lang="nl-NL"/>
-              <a:t>Furthermore, we looked into the possibility of predicting the variables from one model based on the values from another model and a part of its own history. </a:t>
+              <a:rPr lang="en-US" sz="1600" dirty="0">
+                <a:solidFill>
+                  <a:srgbClr val="FFFFFF"/>
+                </a:solidFill>
+              </a:rPr>
+              <a:t>When we remove the orange cluster, we are left with two clusters roughly representing summer and winter.</a:t>
             </a:r>
-            <a:endParaRPr/>
+            <a:endParaRPr lang="en-US" dirty="0"/>
           </a:p>
           <a:p>
-            <a:pPr marL="457200" lvl="0" indent="-342900" algn="l" rtl="0">
-              <a:lnSpc>
-                <a:spcPct val="90000"/>
-              </a:lnSpc>
-              <a:spcBef>
-                <a:spcPts val="1200"/>
-              </a:spcBef>
-              <a:spcAft>
-                <a:spcPts val="0"/>
-              </a:spcAft>
-              <a:buSzPts val="1800"/>
-              <a:buChar char="●"/>
+            <a:pPr marL="0" indent="0">
+              <a:lnSpc>
+                <a:spcPct val="80000"/>
+              </a:lnSpc>
+              <a:spcBef>
+                <a:spcPts val="0"/>
+              </a:spcBef>
+              <a:buFont typeface="Noto Sans Symbols"/>
+              <a:buNone/>
+            </a:pPr>
+            <a:endParaRPr lang="en-US" sz="1600" dirty="0">
+              <a:solidFill>
+                <a:srgbClr val="FFFFFF"/>
+              </a:solidFill>
+            </a:endParaRPr>
+          </a:p>
+          <a:p>
+            <a:pPr marL="0" indent="0">
+              <a:lnSpc>
+                <a:spcPct val="80000"/>
+              </a:lnSpc>
+              <a:spcBef>
+                <a:spcPts val="0"/>
+              </a:spcBef>
+              <a:buFont typeface="Noto Sans Symbols"/>
+              <a:buNone/>
             </a:pPr>
             <a:r>
-              <a:rPr lang="nl-NL"/>
-              <a:t>First steps into multi linear regression were done, however the results will be shown next week. </a:t>
+              <a:rPr lang="en-US" sz="1600" dirty="0">
+                <a:solidFill>
+                  <a:srgbClr val="FFFFFF"/>
+                </a:solidFill>
+              </a:rPr>
+              <a:t>Here we see the properties of these clusters</a:t>
             </a:r>
-            <a:endParaRPr/>
           </a:p>
           <a:p>
-            <a:pPr marL="457200" lvl="0" indent="-342900" algn="l" rtl="0">
-              <a:lnSpc>
-                <a:spcPct val="90000"/>
-              </a:lnSpc>
-              <a:spcBef>
-                <a:spcPts val="1200"/>
-              </a:spcBef>
-              <a:spcAft>
-                <a:spcPts val="0"/>
-              </a:spcAft>
-              <a:buSzPts val="1800"/>
-              <a:buChar char="●"/>
+            <a:pPr marL="0" lvl="0" indent="0">
+              <a:lnSpc>
+                <a:spcPct val="80000"/>
+              </a:lnSpc>
+              <a:spcBef>
+                <a:spcPts val="0"/>
+              </a:spcBef>
+              <a:buNone/>
+            </a:pPr>
+            <a:endParaRPr lang="en-US" sz="1600" dirty="0">
+              <a:solidFill>
+                <a:srgbClr val="FFFFFF"/>
+              </a:solidFill>
+            </a:endParaRPr>
+          </a:p>
+          <a:p>
+            <a:pPr marL="0" lvl="0" indent="0">
+              <a:lnSpc>
+                <a:spcPct val="80000"/>
+              </a:lnSpc>
+              <a:spcBef>
+                <a:spcPts val="0"/>
+              </a:spcBef>
+              <a:buNone/>
             </a:pPr>
             <a:r>
-              <a:rPr lang="nl-NL"/>
-              <a:t>Other methods used are neural networks and K-means </a:t>
+              <a:rPr lang="en-US" sz="1600" dirty="0">
+                <a:solidFill>
+                  <a:srgbClr val="FFFFFF"/>
+                </a:solidFill>
+              </a:rPr>
+              <a:t>Looked at the difference between the distributions of each variable in the two clusters (left is summer cluster, right is winter cluster). A large difference means that it is an important indicator for differentiating between summer and winter.</a:t>
             </a:r>
-            <a:endParaRPr/>
+            <a:endParaRPr lang="en-US" sz="1600" dirty="0"/>
+          </a:p>
+          <a:p>
+            <a:pPr marL="0" indent="0">
+              <a:lnSpc>
+                <a:spcPct val="80000"/>
+              </a:lnSpc>
+              <a:spcBef>
+                <a:spcPts val="0"/>
+              </a:spcBef>
+              <a:buFont typeface="Noto Sans Symbols"/>
+              <a:buNone/>
+            </a:pPr>
+            <a:endParaRPr lang="en-US" sz="1600" dirty="0">
+              <a:solidFill>
+                <a:srgbClr val="FFFFFF"/>
+              </a:solidFill>
+            </a:endParaRPr>
+          </a:p>
+          <a:p>
+            <a:pPr marL="0" indent="0">
+              <a:lnSpc>
+                <a:spcPct val="80000"/>
+              </a:lnSpc>
+              <a:spcBef>
+                <a:spcPts val="0"/>
+              </a:spcBef>
+              <a:buFont typeface="Noto Sans Symbols"/>
+              <a:buNone/>
+            </a:pPr>
+            <a:r>
+              <a:rPr lang="en-US" sz="2800" dirty="0">
+                <a:solidFill>
+                  <a:srgbClr val="FFFFFF"/>
+                </a:solidFill>
+              </a:rPr>
+              <a:t>2 Clusters</a:t>
+            </a:r>
           </a:p>
         </p:txBody>
       </p:sp>
     </p:spTree>
+    <p:extLst>
+      <p:ext uri="{BB962C8B-B14F-4D97-AF65-F5344CB8AC3E}">
+        <p14:creationId xmlns:p14="http://schemas.microsoft.com/office/powerpoint/2010/main" val="3903292093"/>
+      </p:ext>
+    </p:extLst>
   </p:cSld>
   <p:clrMapOvr>
     <a:masterClrMapping/>
@@ -18094,12 +21385,12 @@
 </p:sld>
 </file>
 
-<file path=ppt/slides/slide8.xml><?xml version="1.0" encoding="utf-8"?>
+<file path=ppt/slides/slide7.xml><?xml version="1.0" encoding="utf-8"?>
 <p:sld xmlns:a="http://schemas.openxmlformats.org/drawingml/2006/main" xmlns:r="http://schemas.openxmlformats.org/officeDocument/2006/relationships" xmlns:p="http://schemas.openxmlformats.org/presentationml/2006/main">
   <p:cSld>
     <p:spTree>
       <p:nvGrpSpPr>
-        <p:cNvPr id="1" name="Shape 126"/>
+        <p:cNvPr id="1" name="Shape 100"/>
         <p:cNvGrpSpPr/>
         <p:nvPr/>
       </p:nvGrpSpPr>
@@ -18113,7 +21404,119 @@
       </p:grpSpPr>
       <p:sp>
         <p:nvSpPr>
-          <p:cNvPr id="127" name="Google Shape;127;g801308ffce_0_19"/>
+          <p:cNvPr id="101" name="Google Shape;101;p3"/>
+          <p:cNvSpPr/>
+          <p:nvPr/>
+        </p:nvSpPr>
+        <p:spPr>
+          <a:xfrm>
+            <a:off x="0" y="-5475"/>
+            <a:ext cx="12192000" cy="6858000"/>
+          </a:xfrm>
+          <a:prstGeom prst="rect">
+            <a:avLst/>
+          </a:prstGeom>
+          <a:solidFill>
+            <a:schemeClr val="lt1"/>
+          </a:solidFill>
+          <a:ln>
+            <a:noFill/>
+          </a:ln>
+        </p:spPr>
+        <p:txBody>
+          <a:bodyPr spcFirstLastPara="1" wrap="square" lIns="91425" tIns="45700" rIns="91425" bIns="45700" anchor="ctr" anchorCtr="0">
+            <a:noAutofit/>
+          </a:bodyPr>
+          <a:lstStyle/>
+          <a:p>
+            <a:pPr marL="0" marR="0" lvl="0" indent="0" algn="ctr" rtl="0">
+              <a:lnSpc>
+                <a:spcPct val="100000"/>
+              </a:lnSpc>
+              <a:spcBef>
+                <a:spcPts val="0"/>
+              </a:spcBef>
+              <a:spcAft>
+                <a:spcPts val="0"/>
+              </a:spcAft>
+              <a:buClr>
+                <a:srgbClr val="000000"/>
+              </a:buClr>
+              <a:buSzPts val="1800"/>
+              <a:buFont typeface="Arial"/>
+              <a:buNone/>
+            </a:pPr>
+            <a:endParaRPr sz="1800" b="0" i="0" u="none" strike="noStrike" cap="none">
+              <a:solidFill>
+                <a:schemeClr val="lt1"/>
+              </a:solidFill>
+              <a:latin typeface="Corbel"/>
+              <a:ea typeface="Corbel"/>
+              <a:cs typeface="Corbel"/>
+              <a:sym typeface="Corbel"/>
+            </a:endParaRPr>
+          </a:p>
+        </p:txBody>
+      </p:sp>
+      <p:sp>
+        <p:nvSpPr>
+          <p:cNvPr id="102" name="Google Shape;102;p3"/>
+          <p:cNvSpPr/>
+          <p:nvPr/>
+        </p:nvSpPr>
+        <p:spPr>
+          <a:xfrm>
+            <a:off x="-1" y="758953"/>
+            <a:ext cx="3577575" cy="5330952"/>
+          </a:xfrm>
+          <a:prstGeom prst="rect">
+            <a:avLst/>
+          </a:prstGeom>
+          <a:solidFill>
+            <a:schemeClr val="accent1"/>
+          </a:solidFill>
+          <a:ln>
+            <a:noFill/>
+          </a:ln>
+        </p:spPr>
+        <p:txBody>
+          <a:bodyPr spcFirstLastPara="1" wrap="square" lIns="91425" tIns="91425" rIns="91425" bIns="91425" anchor="ctr" anchorCtr="0">
+            <a:noAutofit/>
+          </a:bodyPr>
+          <a:lstStyle/>
+          <a:p>
+            <a:pPr marL="0" marR="0" lvl="0" indent="0" algn="l" rtl="0">
+              <a:lnSpc>
+                <a:spcPct val="100000"/>
+              </a:lnSpc>
+              <a:spcBef>
+                <a:spcPts val="0"/>
+              </a:spcBef>
+              <a:spcAft>
+                <a:spcPts val="0"/>
+              </a:spcAft>
+              <a:buClr>
+                <a:srgbClr val="000000"/>
+              </a:buClr>
+              <a:buSzPts val="1400"/>
+              <a:buFont typeface="Arial"/>
+              <a:buNone/>
+            </a:pPr>
+            <a:endParaRPr sz="1400" b="0" i="0" u="none" strike="noStrike" cap="none">
+              <a:solidFill>
+                <a:srgbClr val="000000"/>
+              </a:solidFill>
+              <a:latin typeface="Arial"/>
+              <a:ea typeface="Arial"/>
+              <a:cs typeface="Arial"/>
+              <a:sym typeface="Arial"/>
+            </a:endParaRPr>
+          </a:p>
+        </p:txBody>
+      </p:sp>
+      <p:sp>
+        <p:nvSpPr>
+          <p:cNvPr id="103" name="Google Shape;103;p3"/>
           <p:cNvSpPr txBox="1">
             <a:spLocks noGrp="1"/>
           </p:cNvSpPr>
@@ -18124,7 +21527,7 @@
         <p:spPr>
           <a:xfrm>
             <a:off x="252919" y="1123837"/>
-            <a:ext cx="2947500" cy="4601100"/>
+            <a:ext cx="2947482" cy="1038177"/>
           </a:xfrm>
           <a:prstGeom prst="rect">
             <a:avLst/>
@@ -18135,7 +21538,7 @@
           </a:ln>
         </p:spPr>
         <p:txBody>
-          <a:bodyPr spcFirstLastPara="1" wrap="square" lIns="91425" tIns="45700" rIns="91425" bIns="45700" anchor="ctr" anchorCtr="0">
+          <a:bodyPr spcFirstLastPara="1" wrap="square" lIns="91425" tIns="45700" rIns="91425" bIns="45700" anchor="b" anchorCtr="0">
             <a:noAutofit/>
           </a:bodyPr>
           <a:lstStyle/>
@@ -18153,31 +21556,111 @@
               <a:buClr>
                 <a:srgbClr val="FFFFFF"/>
               </a:buClr>
-              <a:buSzPts val="1800"/>
+              <a:buSzPts val="2160"/>
+              <a:buFont typeface="Corbel"/>
               <a:buNone/>
             </a:pPr>
             <a:r>
-              <a:rPr lang="nl-NL"/>
-              <a:t>Model Prediction using dense ANN’s</a:t>
+              <a:rPr lang="nl-NL" sz="3200" dirty="0"/>
+              <a:t>Analyzing the clusters</a:t>
             </a:r>
-            <a:endParaRPr/>
+            <a:endParaRPr sz="4800" dirty="0"/>
           </a:p>
         </p:txBody>
       </p:sp>
       <p:sp>
         <p:nvSpPr>
-          <p:cNvPr id="128" name="Google Shape;128;g801308ffce_0_19"/>
-          <p:cNvSpPr txBox="1">
-            <a:spLocks noGrp="1"/>
-          </p:cNvSpPr>
-          <p:nvPr>
-            <p:ph type="body" idx="1"/>
-          </p:nvPr>
+          <p:cNvPr id="105" name="Google Shape;105;p3"/>
+          <p:cNvSpPr/>
+          <p:nvPr/>
         </p:nvSpPr>
         <p:spPr>
           <a:xfrm>
-            <a:off x="3869268" y="864108"/>
-            <a:ext cx="7315200" cy="5120700"/>
+            <a:off x="11815864" y="758952"/>
+            <a:ext cx="384048" cy="5330952"/>
+          </a:xfrm>
+          <a:prstGeom prst="rect">
+            <a:avLst/>
+          </a:prstGeom>
+          <a:solidFill>
+            <a:srgbClr val="C8C8C8">
+              <a:alpha val="48627"/>
+            </a:srgbClr>
+          </a:solidFill>
+          <a:ln>
+            <a:noFill/>
+          </a:ln>
+        </p:spPr>
+        <p:txBody>
+          <a:bodyPr spcFirstLastPara="1" wrap="square" lIns="91425" tIns="91425" rIns="91425" bIns="91425" anchor="ctr" anchorCtr="0">
+            <a:noAutofit/>
+          </a:bodyPr>
+          <a:lstStyle/>
+          <a:p>
+            <a:pPr marL="0" marR="0" lvl="0" indent="0" algn="l" rtl="0">
+              <a:lnSpc>
+                <a:spcPct val="100000"/>
+              </a:lnSpc>
+              <a:spcBef>
+                <a:spcPts val="0"/>
+              </a:spcBef>
+              <a:spcAft>
+                <a:spcPts val="0"/>
+              </a:spcAft>
+              <a:buClr>
+                <a:srgbClr val="000000"/>
+              </a:buClr>
+              <a:buSzPts val="1400"/>
+              <a:buFont typeface="Arial"/>
+              <a:buNone/>
+            </a:pPr>
+            <a:endParaRPr sz="1400" b="0" i="0" u="none" strike="noStrike" cap="none">
+              <a:solidFill>
+                <a:srgbClr val="000000"/>
+              </a:solidFill>
+              <a:latin typeface="Arial"/>
+              <a:ea typeface="Arial"/>
+              <a:cs typeface="Arial"/>
+              <a:sym typeface="Arial"/>
+            </a:endParaRPr>
+          </a:p>
+        </p:txBody>
+      </p:sp>
+      <p:pic>
+        <p:nvPicPr>
+          <p:cNvPr id="4" name="Picture 3"/>
+          <p:cNvPicPr>
+            <a:picLocks noChangeAspect="1"/>
+          </p:cNvPicPr>
+          <p:nvPr/>
+        </p:nvPicPr>
+        <p:blipFill>
+          <a:blip r:embed="rId3"/>
+          <a:srcRect/>
+          <a:stretch/>
+        </p:blipFill>
+        <p:spPr>
+          <a:xfrm>
+            <a:off x="3883826" y="972496"/>
+            <a:ext cx="7554865" cy="4743873"/>
+          </a:xfrm>
+          <a:prstGeom prst="rect">
+            <a:avLst/>
+          </a:prstGeom>
+        </p:spPr>
+      </p:pic>
+      <p:sp>
+        <p:nvSpPr>
+          <p:cNvPr id="9" name="Google Shape;104;p3"/>
+          <p:cNvSpPr txBox="1">
+            <a:spLocks/>
+          </p:cNvSpPr>
+          <p:nvPr/>
+        </p:nvSpPr>
+        <p:spPr>
+          <a:xfrm>
+            <a:off x="252919" y="2162013"/>
+            <a:ext cx="2947482" cy="3986915"/>
           </a:xfrm>
           <a:prstGeom prst="rect">
             <a:avLst/>
@@ -18188,53 +21671,1045 @@
           </a:ln>
         </p:spPr>
         <p:txBody>
+          <a:bodyPr spcFirstLastPara="1" wrap="square" lIns="91425" tIns="45700" rIns="91425" bIns="45700" anchor="t" anchorCtr="0">
+            <a:noAutofit/>
+          </a:bodyPr>
+          <a:lstStyle>
+            <a:defPPr marR="0" lvl="0" algn="l" rtl="0">
+              <a:lnSpc>
+                <a:spcPct val="100000"/>
+              </a:lnSpc>
+              <a:spcBef>
+                <a:spcPts val="0"/>
+              </a:spcBef>
+              <a:spcAft>
+                <a:spcPts val="0"/>
+              </a:spcAft>
+            </a:defPPr>
+            <a:lvl1pPr marL="457200" marR="0" lvl="0" indent="-342900" algn="l" rtl="0">
+              <a:lnSpc>
+                <a:spcPct val="90000"/>
+              </a:lnSpc>
+              <a:spcBef>
+                <a:spcPts val="1200"/>
+              </a:spcBef>
+              <a:spcAft>
+                <a:spcPts val="0"/>
+              </a:spcAft>
+              <a:buClr>
+                <a:schemeClr val="accent1"/>
+              </a:buClr>
+              <a:buSzPts val="1800"/>
+              <a:buFont typeface="Noto Sans Symbols"/>
+              <a:buChar char="●"/>
+              <a:defRPr sz="2000" b="0" i="0" u="none" strike="noStrike" cap="none">
+                <a:solidFill>
+                  <a:srgbClr val="595959"/>
+                </a:solidFill>
+                <a:latin typeface="Corbel"/>
+                <a:ea typeface="Corbel"/>
+                <a:cs typeface="Corbel"/>
+                <a:sym typeface="Corbel"/>
+              </a:defRPr>
+            </a:lvl1pPr>
+            <a:lvl2pPr marL="914400" marR="0" lvl="1" indent="-342900" algn="l" rtl="0">
+              <a:lnSpc>
+                <a:spcPct val="90000"/>
+              </a:lnSpc>
+              <a:spcBef>
+                <a:spcPts val="250"/>
+              </a:spcBef>
+              <a:spcAft>
+                <a:spcPts val="0"/>
+              </a:spcAft>
+              <a:buClr>
+                <a:schemeClr val="accent1"/>
+              </a:buClr>
+              <a:buSzPts val="1800"/>
+              <a:buFont typeface="Noto Sans Symbols"/>
+              <a:buChar char="●"/>
+              <a:defRPr sz="1800" b="0" i="0" u="none" strike="noStrike" cap="none">
+                <a:solidFill>
+                  <a:srgbClr val="595959"/>
+                </a:solidFill>
+                <a:latin typeface="Corbel"/>
+                <a:ea typeface="Corbel"/>
+                <a:cs typeface="Corbel"/>
+                <a:sym typeface="Corbel"/>
+              </a:defRPr>
+            </a:lvl2pPr>
+            <a:lvl3pPr marL="1371600" marR="0" lvl="2" indent="-342900" algn="l" rtl="0">
+              <a:lnSpc>
+                <a:spcPct val="90000"/>
+              </a:lnSpc>
+              <a:spcBef>
+                <a:spcPts val="250"/>
+              </a:spcBef>
+              <a:spcAft>
+                <a:spcPts val="0"/>
+              </a:spcAft>
+              <a:buClr>
+                <a:schemeClr val="accent1"/>
+              </a:buClr>
+              <a:buSzPts val="1800"/>
+              <a:buFont typeface="Noto Sans Symbols"/>
+              <a:buChar char="●"/>
+              <a:defRPr sz="1600" b="0" i="0" u="none" strike="noStrike" cap="none">
+                <a:solidFill>
+                  <a:srgbClr val="595959"/>
+                </a:solidFill>
+                <a:latin typeface="Corbel"/>
+                <a:ea typeface="Corbel"/>
+                <a:cs typeface="Corbel"/>
+                <a:sym typeface="Corbel"/>
+              </a:defRPr>
+            </a:lvl3pPr>
+            <a:lvl4pPr marL="1828800" marR="0" lvl="3" indent="-342900" algn="l" rtl="0">
+              <a:lnSpc>
+                <a:spcPct val="90000"/>
+              </a:lnSpc>
+              <a:spcBef>
+                <a:spcPts val="250"/>
+              </a:spcBef>
+              <a:spcAft>
+                <a:spcPts val="0"/>
+              </a:spcAft>
+              <a:buClr>
+                <a:schemeClr val="accent1"/>
+              </a:buClr>
+              <a:buSzPts val="1800"/>
+              <a:buFont typeface="Noto Sans Symbols"/>
+              <a:buChar char="●"/>
+              <a:defRPr sz="1400" b="0" i="0" u="none" strike="noStrike" cap="none">
+                <a:solidFill>
+                  <a:srgbClr val="595959"/>
+                </a:solidFill>
+                <a:latin typeface="Corbel"/>
+                <a:ea typeface="Corbel"/>
+                <a:cs typeface="Corbel"/>
+                <a:sym typeface="Corbel"/>
+              </a:defRPr>
+            </a:lvl4pPr>
+            <a:lvl5pPr marL="2286000" marR="0" lvl="4" indent="-342900" algn="l" rtl="0">
+              <a:lnSpc>
+                <a:spcPct val="90000"/>
+              </a:lnSpc>
+              <a:spcBef>
+                <a:spcPts val="250"/>
+              </a:spcBef>
+              <a:spcAft>
+                <a:spcPts val="0"/>
+              </a:spcAft>
+              <a:buClr>
+                <a:schemeClr val="accent1"/>
+              </a:buClr>
+              <a:buSzPts val="1800"/>
+              <a:buFont typeface="Noto Sans Symbols"/>
+              <a:buChar char="●"/>
+              <a:defRPr sz="1400" b="0" i="0" u="none" strike="noStrike" cap="none">
+                <a:solidFill>
+                  <a:srgbClr val="595959"/>
+                </a:solidFill>
+                <a:latin typeface="Corbel"/>
+                <a:ea typeface="Corbel"/>
+                <a:cs typeface="Corbel"/>
+                <a:sym typeface="Corbel"/>
+              </a:defRPr>
+            </a:lvl5pPr>
+            <a:lvl6pPr marL="2743200" marR="0" lvl="5" indent="-342900" algn="l" rtl="0">
+              <a:lnSpc>
+                <a:spcPct val="90000"/>
+              </a:lnSpc>
+              <a:spcBef>
+                <a:spcPts val="250"/>
+              </a:spcBef>
+              <a:spcAft>
+                <a:spcPts val="0"/>
+              </a:spcAft>
+              <a:buClr>
+                <a:schemeClr val="accent1"/>
+              </a:buClr>
+              <a:buSzPts val="1800"/>
+              <a:buFont typeface="Noto Sans Symbols"/>
+              <a:buChar char="●"/>
+              <a:defRPr sz="1400" b="0" i="0" u="none" strike="noStrike" cap="none">
+                <a:solidFill>
+                  <a:srgbClr val="595959"/>
+                </a:solidFill>
+                <a:latin typeface="Corbel"/>
+                <a:ea typeface="Corbel"/>
+                <a:cs typeface="Corbel"/>
+                <a:sym typeface="Corbel"/>
+              </a:defRPr>
+            </a:lvl6pPr>
+            <a:lvl7pPr marL="3200400" marR="0" lvl="6" indent="-342900" algn="l" rtl="0">
+              <a:lnSpc>
+                <a:spcPct val="90000"/>
+              </a:lnSpc>
+              <a:spcBef>
+                <a:spcPts val="250"/>
+              </a:spcBef>
+              <a:spcAft>
+                <a:spcPts val="0"/>
+              </a:spcAft>
+              <a:buClr>
+                <a:schemeClr val="accent1"/>
+              </a:buClr>
+              <a:buSzPts val="1800"/>
+              <a:buFont typeface="Noto Sans Symbols"/>
+              <a:buChar char="●"/>
+              <a:defRPr sz="1400" b="0" i="0" u="none" strike="noStrike" cap="none">
+                <a:solidFill>
+                  <a:srgbClr val="595959"/>
+                </a:solidFill>
+                <a:latin typeface="Corbel"/>
+                <a:ea typeface="Corbel"/>
+                <a:cs typeface="Corbel"/>
+                <a:sym typeface="Corbel"/>
+              </a:defRPr>
+            </a:lvl7pPr>
+            <a:lvl8pPr marL="3657600" marR="0" lvl="7" indent="-342900" algn="l" rtl="0">
+              <a:lnSpc>
+                <a:spcPct val="90000"/>
+              </a:lnSpc>
+              <a:spcBef>
+                <a:spcPts val="250"/>
+              </a:spcBef>
+              <a:spcAft>
+                <a:spcPts val="0"/>
+              </a:spcAft>
+              <a:buClr>
+                <a:schemeClr val="accent1"/>
+              </a:buClr>
+              <a:buSzPts val="1800"/>
+              <a:buFont typeface="Noto Sans Symbols"/>
+              <a:buChar char="●"/>
+              <a:defRPr sz="1400" b="0" i="0" u="none" strike="noStrike" cap="none">
+                <a:solidFill>
+                  <a:srgbClr val="595959"/>
+                </a:solidFill>
+                <a:latin typeface="Corbel"/>
+                <a:ea typeface="Corbel"/>
+                <a:cs typeface="Corbel"/>
+                <a:sym typeface="Corbel"/>
+              </a:defRPr>
+            </a:lvl8pPr>
+            <a:lvl9pPr marL="4114800" marR="0" lvl="8" indent="-342900" algn="l" rtl="0">
+              <a:lnSpc>
+                <a:spcPct val="90000"/>
+              </a:lnSpc>
+              <a:spcBef>
+                <a:spcPts val="250"/>
+              </a:spcBef>
+              <a:spcAft>
+                <a:spcPts val="250"/>
+              </a:spcAft>
+              <a:buClr>
+                <a:schemeClr val="accent1"/>
+              </a:buClr>
+              <a:buSzPts val="1800"/>
+              <a:buFont typeface="Noto Sans Symbols"/>
+              <a:buChar char="●"/>
+              <a:defRPr sz="1400" b="0" i="0" u="none" strike="noStrike" cap="none">
+                <a:solidFill>
+                  <a:srgbClr val="595959"/>
+                </a:solidFill>
+                <a:latin typeface="Corbel"/>
+                <a:ea typeface="Corbel"/>
+                <a:cs typeface="Corbel"/>
+                <a:sym typeface="Corbel"/>
+              </a:defRPr>
+            </a:lvl9pPr>
+          </a:lstStyle>
+          <a:p>
+            <a:pPr marL="0" indent="0">
+              <a:lnSpc>
+                <a:spcPct val="80000"/>
+              </a:lnSpc>
+              <a:spcBef>
+                <a:spcPts val="0"/>
+              </a:spcBef>
+              <a:buFont typeface="Noto Sans Symbols"/>
+              <a:buNone/>
+            </a:pPr>
+            <a:r>
+              <a:rPr lang="en-US" sz="1600" dirty="0">
+                <a:solidFill>
+                  <a:srgbClr val="FFFFFF"/>
+                </a:solidFill>
+              </a:rPr>
+              <a:t>When we remove the orange cluster, we are left with two clusters roughly representing summer and winter.</a:t>
+            </a:r>
+            <a:endParaRPr lang="en-US" dirty="0"/>
+          </a:p>
+          <a:p>
+            <a:pPr marL="0" indent="0">
+              <a:lnSpc>
+                <a:spcPct val="80000"/>
+              </a:lnSpc>
+              <a:spcBef>
+                <a:spcPts val="0"/>
+              </a:spcBef>
+              <a:buFont typeface="Noto Sans Symbols"/>
+              <a:buNone/>
+            </a:pPr>
+            <a:endParaRPr lang="en-US" sz="1600" dirty="0">
+              <a:solidFill>
+                <a:srgbClr val="FFFFFF"/>
+              </a:solidFill>
+            </a:endParaRPr>
+          </a:p>
+          <a:p>
+            <a:pPr marL="0" indent="0">
+              <a:lnSpc>
+                <a:spcPct val="80000"/>
+              </a:lnSpc>
+              <a:spcBef>
+                <a:spcPts val="0"/>
+              </a:spcBef>
+              <a:buFont typeface="Noto Sans Symbols"/>
+              <a:buNone/>
+            </a:pPr>
+            <a:r>
+              <a:rPr lang="en-US" sz="1600" dirty="0">
+                <a:solidFill>
+                  <a:srgbClr val="FFFFFF"/>
+                </a:solidFill>
+              </a:rPr>
+              <a:t>Here we see the properties of these clusters</a:t>
+            </a:r>
+          </a:p>
+          <a:p>
+            <a:pPr marL="0" lvl="0" indent="0">
+              <a:lnSpc>
+                <a:spcPct val="80000"/>
+              </a:lnSpc>
+              <a:spcBef>
+                <a:spcPts val="0"/>
+              </a:spcBef>
+              <a:buNone/>
+            </a:pPr>
+            <a:endParaRPr lang="en-US" sz="1600" dirty="0">
+              <a:solidFill>
+                <a:srgbClr val="FFFFFF"/>
+              </a:solidFill>
+            </a:endParaRPr>
+          </a:p>
+          <a:p>
+            <a:pPr marL="0" lvl="0" indent="0">
+              <a:lnSpc>
+                <a:spcPct val="80000"/>
+              </a:lnSpc>
+              <a:spcBef>
+                <a:spcPts val="0"/>
+              </a:spcBef>
+              <a:buNone/>
+            </a:pPr>
+            <a:r>
+              <a:rPr lang="en-US" sz="1600" dirty="0">
+                <a:solidFill>
+                  <a:srgbClr val="FFFFFF"/>
+                </a:solidFill>
+              </a:rPr>
+              <a:t>Looked at the difference between the distributions of each variable in the two clusters (left is summer cluster, right is winter cluster). A large difference means that it is an important indicator for differentiating between summer and winter.</a:t>
+            </a:r>
+            <a:endParaRPr lang="en-US" sz="1600" dirty="0"/>
+          </a:p>
+          <a:p>
+            <a:pPr marL="0" indent="0">
+              <a:lnSpc>
+                <a:spcPct val="80000"/>
+              </a:lnSpc>
+              <a:spcBef>
+                <a:spcPts val="0"/>
+              </a:spcBef>
+              <a:buFont typeface="Noto Sans Symbols"/>
+              <a:buNone/>
+            </a:pPr>
+            <a:endParaRPr lang="en-US" sz="1600" dirty="0">
+              <a:solidFill>
+                <a:srgbClr val="FFFFFF"/>
+              </a:solidFill>
+            </a:endParaRPr>
+          </a:p>
+          <a:p>
+            <a:pPr marL="0" indent="0">
+              <a:lnSpc>
+                <a:spcPct val="80000"/>
+              </a:lnSpc>
+              <a:spcBef>
+                <a:spcPts val="0"/>
+              </a:spcBef>
+              <a:buFont typeface="Noto Sans Symbols"/>
+              <a:buNone/>
+            </a:pPr>
+            <a:r>
+              <a:rPr lang="en-US" sz="2800" dirty="0">
+                <a:solidFill>
+                  <a:srgbClr val="FFFFFF"/>
+                </a:solidFill>
+              </a:rPr>
+              <a:t>4 Clusters</a:t>
+            </a:r>
+          </a:p>
+        </p:txBody>
+      </p:sp>
+    </p:spTree>
+    <p:extLst>
+      <p:ext uri="{BB962C8B-B14F-4D97-AF65-F5344CB8AC3E}">
+        <p14:creationId xmlns:p14="http://schemas.microsoft.com/office/powerpoint/2010/main" val="365470756"/>
+      </p:ext>
+    </p:extLst>
+  </p:cSld>
+  <p:clrMapOvr>
+    <a:masterClrMapping/>
+  </p:clrMapOvr>
+</p:sld>
+</file>
+
+<file path=ppt/slides/slide8.xml><?xml version="1.0" encoding="utf-8"?>
+<p:sld xmlns:a="http://schemas.openxmlformats.org/drawingml/2006/main" xmlns:r="http://schemas.openxmlformats.org/officeDocument/2006/relationships" xmlns:p="http://schemas.openxmlformats.org/presentationml/2006/main">
+  <p:cSld>
+    <p:spTree>
+      <p:nvGrpSpPr>
+        <p:cNvPr id="1" name="Shape 100"/>
+        <p:cNvGrpSpPr/>
+        <p:nvPr/>
+      </p:nvGrpSpPr>
+      <p:grpSpPr>
+        <a:xfrm>
+          <a:off x="0" y="0"/>
+          <a:ext cx="0" cy="0"/>
+          <a:chOff x="0" y="0"/>
+          <a:chExt cx="0" cy="0"/>
+        </a:xfrm>
+      </p:grpSpPr>
+      <p:sp>
+        <p:nvSpPr>
+          <p:cNvPr id="101" name="Google Shape;101;p3"/>
+          <p:cNvSpPr/>
+          <p:nvPr/>
+        </p:nvSpPr>
+        <p:spPr>
+          <a:xfrm>
+            <a:off x="0" y="-5475"/>
+            <a:ext cx="12192000" cy="6858000"/>
+          </a:xfrm>
+          <a:prstGeom prst="rect">
+            <a:avLst/>
+          </a:prstGeom>
+          <a:solidFill>
+            <a:schemeClr val="lt1"/>
+          </a:solidFill>
+          <a:ln>
+            <a:noFill/>
+          </a:ln>
+        </p:spPr>
+        <p:txBody>
           <a:bodyPr spcFirstLastPara="1" wrap="square" lIns="91425" tIns="45700" rIns="91425" bIns="45700" anchor="ctr" anchorCtr="0">
             <a:noAutofit/>
           </a:bodyPr>
           <a:lstStyle/>
           <a:p>
-            <a:pPr marL="457200" lvl="0" indent="-342900" algn="l" rtl="0">
-              <a:lnSpc>
-                <a:spcPct val="90000"/>
-              </a:lnSpc>
-              <a:spcBef>
-                <a:spcPts val="1200"/>
-              </a:spcBef>
-              <a:spcAft>
-                <a:spcPts val="0"/>
-              </a:spcAft>
+            <a:pPr marL="0" marR="0" lvl="0" indent="0" algn="ctr" rtl="0">
+              <a:lnSpc>
+                <a:spcPct val="100000"/>
+              </a:lnSpc>
+              <a:spcBef>
+                <a:spcPts val="0"/>
+              </a:spcBef>
+              <a:spcAft>
+                <a:spcPts val="0"/>
+              </a:spcAft>
+              <a:buClr>
+                <a:srgbClr val="000000"/>
+              </a:buClr>
               <a:buSzPts val="1800"/>
-              <a:buChar char="●"/>
+              <a:buFont typeface="Arial"/>
+              <a:buNone/>
             </a:pPr>
-            <a:r>
-              <a:rPr lang="nl-NL"/>
-              <a:t>Experimental Setup. Splitting data into training and test sets: We took the first 1000 days from two different models and created a labeled training set from that. This means the input is a vector of variables for one day of model 1 and the label is the vector of variables for model 2. </a:t>
-            </a:r>
-            <a:endParaRPr/>
-          </a:p>
-          <a:p>
-            <a:pPr marL="457200" lvl="0" indent="-342900" algn="l" rtl="0">
-              <a:lnSpc>
-                <a:spcPct val="90000"/>
-              </a:lnSpc>
-              <a:spcBef>
-                <a:spcPts val="1200"/>
-              </a:spcBef>
-              <a:spcAft>
-                <a:spcPts val="0"/>
-              </a:spcAft>
-              <a:buSzPts val="1800"/>
-              <a:buChar char="●"/>
-            </a:pPr>
-            <a:r>
-              <a:rPr lang="nl-NL"/>
-              <a:t>The task is to predict from a vector of observations for model 1 the corresponding vector of observations for model 2. Note that we did not (yet) use recurrent neural networks to take into account the relationship between different time steps. However, already for a simple dense ANN the results are surprisingly pretty convincing.</a:t>
-            </a:r>
-            <a:endParaRPr/>
+            <a:endParaRPr sz="1800" b="0" i="0" u="none" strike="noStrike" cap="none">
+              <a:solidFill>
+                <a:schemeClr val="lt1"/>
+              </a:solidFill>
+              <a:latin typeface="Corbel"/>
+              <a:ea typeface="Corbel"/>
+              <a:cs typeface="Corbel"/>
+              <a:sym typeface="Corbel"/>
+            </a:endParaRPr>
           </a:p>
         </p:txBody>
       </p:sp>
+      <p:sp>
+        <p:nvSpPr>
+          <p:cNvPr id="102" name="Google Shape;102;p3"/>
+          <p:cNvSpPr/>
+          <p:nvPr/>
+        </p:nvSpPr>
+        <p:spPr>
+          <a:xfrm>
+            <a:off x="-1" y="758953"/>
+            <a:ext cx="3577575" cy="5330952"/>
+          </a:xfrm>
+          <a:prstGeom prst="rect">
+            <a:avLst/>
+          </a:prstGeom>
+          <a:solidFill>
+            <a:schemeClr val="accent1"/>
+          </a:solidFill>
+          <a:ln>
+            <a:noFill/>
+          </a:ln>
+        </p:spPr>
+        <p:txBody>
+          <a:bodyPr spcFirstLastPara="1" wrap="square" lIns="91425" tIns="91425" rIns="91425" bIns="91425" anchor="ctr" anchorCtr="0">
+            <a:noAutofit/>
+          </a:bodyPr>
+          <a:lstStyle/>
+          <a:p>
+            <a:pPr marL="0" marR="0" lvl="0" indent="0" algn="l" rtl="0">
+              <a:lnSpc>
+                <a:spcPct val="100000"/>
+              </a:lnSpc>
+              <a:spcBef>
+                <a:spcPts val="0"/>
+              </a:spcBef>
+              <a:spcAft>
+                <a:spcPts val="0"/>
+              </a:spcAft>
+              <a:buClr>
+                <a:srgbClr val="000000"/>
+              </a:buClr>
+              <a:buSzPts val="1400"/>
+              <a:buFont typeface="Arial"/>
+              <a:buNone/>
+            </a:pPr>
+            <a:endParaRPr sz="1400" b="0" i="0" u="none" strike="noStrike" cap="none">
+              <a:solidFill>
+                <a:srgbClr val="000000"/>
+              </a:solidFill>
+              <a:latin typeface="Arial"/>
+              <a:ea typeface="Arial"/>
+              <a:cs typeface="Arial"/>
+              <a:sym typeface="Arial"/>
+            </a:endParaRPr>
+          </a:p>
+        </p:txBody>
+      </p:sp>
+      <p:sp>
+        <p:nvSpPr>
+          <p:cNvPr id="103" name="Google Shape;103;p3"/>
+          <p:cNvSpPr txBox="1">
+            <a:spLocks noGrp="1"/>
+          </p:cNvSpPr>
+          <p:nvPr>
+            <p:ph type="title"/>
+          </p:nvPr>
+        </p:nvSpPr>
+        <p:spPr>
+          <a:xfrm>
+            <a:off x="252919" y="1123837"/>
+            <a:ext cx="2947482" cy="1038177"/>
+          </a:xfrm>
+          <a:prstGeom prst="rect">
+            <a:avLst/>
+          </a:prstGeom>
+          <a:noFill/>
+          <a:ln>
+            <a:noFill/>
+          </a:ln>
+        </p:spPr>
+        <p:txBody>
+          <a:bodyPr spcFirstLastPara="1" wrap="square" lIns="91425" tIns="45700" rIns="91425" bIns="45700" anchor="b" anchorCtr="0">
+            <a:noAutofit/>
+          </a:bodyPr>
+          <a:lstStyle/>
+          <a:p>
+            <a:pPr marL="0" lvl="0" indent="0" algn="l" rtl="0">
+              <a:lnSpc>
+                <a:spcPct val="90000"/>
+              </a:lnSpc>
+              <a:spcBef>
+                <a:spcPts val="0"/>
+              </a:spcBef>
+              <a:spcAft>
+                <a:spcPts val="0"/>
+              </a:spcAft>
+              <a:buClr>
+                <a:srgbClr val="FFFFFF"/>
+              </a:buClr>
+              <a:buSzPts val="2160"/>
+              <a:buFont typeface="Corbel"/>
+              <a:buNone/>
+            </a:pPr>
+            <a:r>
+              <a:rPr lang="nl-NL" sz="3200" dirty="0"/>
+              <a:t>The first and last years</a:t>
+            </a:r>
+            <a:endParaRPr sz="4800" dirty="0"/>
+          </a:p>
+        </p:txBody>
+      </p:sp>
+      <p:sp>
+        <p:nvSpPr>
+          <p:cNvPr id="105" name="Google Shape;105;p3"/>
+          <p:cNvSpPr/>
+          <p:nvPr/>
+        </p:nvSpPr>
+        <p:spPr>
+          <a:xfrm>
+            <a:off x="11815864" y="758952"/>
+            <a:ext cx="384048" cy="5330952"/>
+          </a:xfrm>
+          <a:prstGeom prst="rect">
+            <a:avLst/>
+          </a:prstGeom>
+          <a:solidFill>
+            <a:srgbClr val="C8C8C8">
+              <a:alpha val="48627"/>
+            </a:srgbClr>
+          </a:solidFill>
+          <a:ln>
+            <a:noFill/>
+          </a:ln>
+        </p:spPr>
+        <p:txBody>
+          <a:bodyPr spcFirstLastPara="1" wrap="square" lIns="91425" tIns="91425" rIns="91425" bIns="91425" anchor="ctr" anchorCtr="0">
+            <a:noAutofit/>
+          </a:bodyPr>
+          <a:lstStyle/>
+          <a:p>
+            <a:pPr marL="0" marR="0" lvl="0" indent="0" algn="l" rtl="0">
+              <a:lnSpc>
+                <a:spcPct val="100000"/>
+              </a:lnSpc>
+              <a:spcBef>
+                <a:spcPts val="0"/>
+              </a:spcBef>
+              <a:spcAft>
+                <a:spcPts val="0"/>
+              </a:spcAft>
+              <a:buClr>
+                <a:srgbClr val="000000"/>
+              </a:buClr>
+              <a:buSzPts val="1400"/>
+              <a:buFont typeface="Arial"/>
+              <a:buNone/>
+            </a:pPr>
+            <a:endParaRPr sz="1400" b="0" i="0" u="none" strike="noStrike" cap="none">
+              <a:solidFill>
+                <a:srgbClr val="000000"/>
+              </a:solidFill>
+              <a:latin typeface="Arial"/>
+              <a:ea typeface="Arial"/>
+              <a:cs typeface="Arial"/>
+              <a:sym typeface="Arial"/>
+            </a:endParaRPr>
+          </a:p>
+        </p:txBody>
+      </p:sp>
+      <p:sp>
+        <p:nvSpPr>
+          <p:cNvPr id="9" name="Google Shape;104;p3"/>
+          <p:cNvSpPr txBox="1">
+            <a:spLocks/>
+          </p:cNvSpPr>
+          <p:nvPr/>
+        </p:nvSpPr>
+        <p:spPr>
+          <a:xfrm>
+            <a:off x="252919" y="2162014"/>
+            <a:ext cx="2947482" cy="3744264"/>
+          </a:xfrm>
+          <a:prstGeom prst="rect">
+            <a:avLst/>
+          </a:prstGeom>
+          <a:noFill/>
+          <a:ln>
+            <a:noFill/>
+          </a:ln>
+        </p:spPr>
+        <p:txBody>
+          <a:bodyPr spcFirstLastPara="1" wrap="square" lIns="91425" tIns="45700" rIns="91425" bIns="45700" anchor="t" anchorCtr="0">
+            <a:noAutofit/>
+          </a:bodyPr>
+          <a:lstStyle>
+            <a:defPPr marR="0" lvl="0" algn="l" rtl="0">
+              <a:lnSpc>
+                <a:spcPct val="100000"/>
+              </a:lnSpc>
+              <a:spcBef>
+                <a:spcPts val="0"/>
+              </a:spcBef>
+              <a:spcAft>
+                <a:spcPts val="0"/>
+              </a:spcAft>
+            </a:defPPr>
+            <a:lvl1pPr marL="457200" marR="0" lvl="0" indent="-342900" algn="l" rtl="0">
+              <a:lnSpc>
+                <a:spcPct val="90000"/>
+              </a:lnSpc>
+              <a:spcBef>
+                <a:spcPts val="1200"/>
+              </a:spcBef>
+              <a:spcAft>
+                <a:spcPts val="0"/>
+              </a:spcAft>
+              <a:buClr>
+                <a:schemeClr val="accent1"/>
+              </a:buClr>
+              <a:buSzPts val="1800"/>
+              <a:buFont typeface="Noto Sans Symbols"/>
+              <a:buChar char="●"/>
+              <a:defRPr sz="2000" b="0" i="0" u="none" strike="noStrike" cap="none">
+                <a:solidFill>
+                  <a:srgbClr val="595959"/>
+                </a:solidFill>
+                <a:latin typeface="Corbel"/>
+                <a:ea typeface="Corbel"/>
+                <a:cs typeface="Corbel"/>
+                <a:sym typeface="Corbel"/>
+              </a:defRPr>
+            </a:lvl1pPr>
+            <a:lvl2pPr marL="914400" marR="0" lvl="1" indent="-342900" algn="l" rtl="0">
+              <a:lnSpc>
+                <a:spcPct val="90000"/>
+              </a:lnSpc>
+              <a:spcBef>
+                <a:spcPts val="250"/>
+              </a:spcBef>
+              <a:spcAft>
+                <a:spcPts val="0"/>
+              </a:spcAft>
+              <a:buClr>
+                <a:schemeClr val="accent1"/>
+              </a:buClr>
+              <a:buSzPts val="1800"/>
+              <a:buFont typeface="Noto Sans Symbols"/>
+              <a:buChar char="●"/>
+              <a:defRPr sz="1800" b="0" i="0" u="none" strike="noStrike" cap="none">
+                <a:solidFill>
+                  <a:srgbClr val="595959"/>
+                </a:solidFill>
+                <a:latin typeface="Corbel"/>
+                <a:ea typeface="Corbel"/>
+                <a:cs typeface="Corbel"/>
+                <a:sym typeface="Corbel"/>
+              </a:defRPr>
+            </a:lvl2pPr>
+            <a:lvl3pPr marL="1371600" marR="0" lvl="2" indent="-342900" algn="l" rtl="0">
+              <a:lnSpc>
+                <a:spcPct val="90000"/>
+              </a:lnSpc>
+              <a:spcBef>
+                <a:spcPts val="250"/>
+              </a:spcBef>
+              <a:spcAft>
+                <a:spcPts val="0"/>
+              </a:spcAft>
+              <a:buClr>
+                <a:schemeClr val="accent1"/>
+              </a:buClr>
+              <a:buSzPts val="1800"/>
+              <a:buFont typeface="Noto Sans Symbols"/>
+              <a:buChar char="●"/>
+              <a:defRPr sz="1600" b="0" i="0" u="none" strike="noStrike" cap="none">
+                <a:solidFill>
+                  <a:srgbClr val="595959"/>
+                </a:solidFill>
+                <a:latin typeface="Corbel"/>
+                <a:ea typeface="Corbel"/>
+                <a:cs typeface="Corbel"/>
+                <a:sym typeface="Corbel"/>
+              </a:defRPr>
+            </a:lvl3pPr>
+            <a:lvl4pPr marL="1828800" marR="0" lvl="3" indent="-342900" algn="l" rtl="0">
+              <a:lnSpc>
+                <a:spcPct val="90000"/>
+              </a:lnSpc>
+              <a:spcBef>
+                <a:spcPts val="250"/>
+              </a:spcBef>
+              <a:spcAft>
+                <a:spcPts val="0"/>
+              </a:spcAft>
+              <a:buClr>
+                <a:schemeClr val="accent1"/>
+              </a:buClr>
+              <a:buSzPts val="1800"/>
+              <a:buFont typeface="Noto Sans Symbols"/>
+              <a:buChar char="●"/>
+              <a:defRPr sz="1400" b="0" i="0" u="none" strike="noStrike" cap="none">
+                <a:solidFill>
+                  <a:srgbClr val="595959"/>
+                </a:solidFill>
+                <a:latin typeface="Corbel"/>
+                <a:ea typeface="Corbel"/>
+                <a:cs typeface="Corbel"/>
+                <a:sym typeface="Corbel"/>
+              </a:defRPr>
+            </a:lvl4pPr>
+            <a:lvl5pPr marL="2286000" marR="0" lvl="4" indent="-342900" algn="l" rtl="0">
+              <a:lnSpc>
+                <a:spcPct val="90000"/>
+              </a:lnSpc>
+              <a:spcBef>
+                <a:spcPts val="250"/>
+              </a:spcBef>
+              <a:spcAft>
+                <a:spcPts val="0"/>
+              </a:spcAft>
+              <a:buClr>
+                <a:schemeClr val="accent1"/>
+              </a:buClr>
+              <a:buSzPts val="1800"/>
+              <a:buFont typeface="Noto Sans Symbols"/>
+              <a:buChar char="●"/>
+              <a:defRPr sz="1400" b="0" i="0" u="none" strike="noStrike" cap="none">
+                <a:solidFill>
+                  <a:srgbClr val="595959"/>
+                </a:solidFill>
+                <a:latin typeface="Corbel"/>
+                <a:ea typeface="Corbel"/>
+                <a:cs typeface="Corbel"/>
+                <a:sym typeface="Corbel"/>
+              </a:defRPr>
+            </a:lvl5pPr>
+            <a:lvl6pPr marL="2743200" marR="0" lvl="5" indent="-342900" algn="l" rtl="0">
+              <a:lnSpc>
+                <a:spcPct val="90000"/>
+              </a:lnSpc>
+              <a:spcBef>
+                <a:spcPts val="250"/>
+              </a:spcBef>
+              <a:spcAft>
+                <a:spcPts val="0"/>
+              </a:spcAft>
+              <a:buClr>
+                <a:schemeClr val="accent1"/>
+              </a:buClr>
+              <a:buSzPts val="1800"/>
+              <a:buFont typeface="Noto Sans Symbols"/>
+              <a:buChar char="●"/>
+              <a:defRPr sz="1400" b="0" i="0" u="none" strike="noStrike" cap="none">
+                <a:solidFill>
+                  <a:srgbClr val="595959"/>
+                </a:solidFill>
+                <a:latin typeface="Corbel"/>
+                <a:ea typeface="Corbel"/>
+                <a:cs typeface="Corbel"/>
+                <a:sym typeface="Corbel"/>
+              </a:defRPr>
+            </a:lvl6pPr>
+            <a:lvl7pPr marL="3200400" marR="0" lvl="6" indent="-342900" algn="l" rtl="0">
+              <a:lnSpc>
+                <a:spcPct val="90000"/>
+              </a:lnSpc>
+              <a:spcBef>
+                <a:spcPts val="250"/>
+              </a:spcBef>
+              <a:spcAft>
+                <a:spcPts val="0"/>
+              </a:spcAft>
+              <a:buClr>
+                <a:schemeClr val="accent1"/>
+              </a:buClr>
+              <a:buSzPts val="1800"/>
+              <a:buFont typeface="Noto Sans Symbols"/>
+              <a:buChar char="●"/>
+              <a:defRPr sz="1400" b="0" i="0" u="none" strike="noStrike" cap="none">
+                <a:solidFill>
+                  <a:srgbClr val="595959"/>
+                </a:solidFill>
+                <a:latin typeface="Corbel"/>
+                <a:ea typeface="Corbel"/>
+                <a:cs typeface="Corbel"/>
+                <a:sym typeface="Corbel"/>
+              </a:defRPr>
+            </a:lvl7pPr>
+            <a:lvl8pPr marL="3657600" marR="0" lvl="7" indent="-342900" algn="l" rtl="0">
+              <a:lnSpc>
+                <a:spcPct val="90000"/>
+              </a:lnSpc>
+              <a:spcBef>
+                <a:spcPts val="250"/>
+              </a:spcBef>
+              <a:spcAft>
+                <a:spcPts val="0"/>
+              </a:spcAft>
+              <a:buClr>
+                <a:schemeClr val="accent1"/>
+              </a:buClr>
+              <a:buSzPts val="1800"/>
+              <a:buFont typeface="Noto Sans Symbols"/>
+              <a:buChar char="●"/>
+              <a:defRPr sz="1400" b="0" i="0" u="none" strike="noStrike" cap="none">
+                <a:solidFill>
+                  <a:srgbClr val="595959"/>
+                </a:solidFill>
+                <a:latin typeface="Corbel"/>
+                <a:ea typeface="Corbel"/>
+                <a:cs typeface="Corbel"/>
+                <a:sym typeface="Corbel"/>
+              </a:defRPr>
+            </a:lvl8pPr>
+            <a:lvl9pPr marL="4114800" marR="0" lvl="8" indent="-342900" algn="l" rtl="0">
+              <a:lnSpc>
+                <a:spcPct val="90000"/>
+              </a:lnSpc>
+              <a:spcBef>
+                <a:spcPts val="250"/>
+              </a:spcBef>
+              <a:spcAft>
+                <a:spcPts val="250"/>
+              </a:spcAft>
+              <a:buClr>
+                <a:schemeClr val="accent1"/>
+              </a:buClr>
+              <a:buSzPts val="1800"/>
+              <a:buFont typeface="Noto Sans Symbols"/>
+              <a:buChar char="●"/>
+              <a:defRPr sz="1400" b="0" i="0" u="none" strike="noStrike" cap="none">
+                <a:solidFill>
+                  <a:srgbClr val="595959"/>
+                </a:solidFill>
+                <a:latin typeface="Corbel"/>
+                <a:ea typeface="Corbel"/>
+                <a:cs typeface="Corbel"/>
+                <a:sym typeface="Corbel"/>
+              </a:defRPr>
+            </a:lvl9pPr>
+          </a:lstStyle>
+          <a:p>
+            <a:pPr marL="0" indent="0">
+              <a:lnSpc>
+                <a:spcPct val="80000"/>
+              </a:lnSpc>
+              <a:spcBef>
+                <a:spcPts val="0"/>
+              </a:spcBef>
+              <a:buFont typeface="Noto Sans Symbols"/>
+              <a:buNone/>
+            </a:pPr>
+            <a:r>
+              <a:rPr lang="en-US" sz="1600" dirty="0">
+                <a:solidFill>
+                  <a:srgbClr val="FFFFFF"/>
+                </a:solidFill>
+              </a:rPr>
+              <a:t>In order to see how climate change influences  the composition of the clusters, we looked at what part of the days goes to what cluster</a:t>
+            </a:r>
+          </a:p>
+          <a:p>
+            <a:pPr marL="0" indent="0">
+              <a:lnSpc>
+                <a:spcPct val="80000"/>
+              </a:lnSpc>
+              <a:spcBef>
+                <a:spcPts val="0"/>
+              </a:spcBef>
+              <a:buFont typeface="Noto Sans Symbols"/>
+              <a:buNone/>
+            </a:pPr>
+            <a:endParaRPr lang="en-US" sz="1600" dirty="0">
+              <a:solidFill>
+                <a:srgbClr val="FFFFFF"/>
+              </a:solidFill>
+            </a:endParaRPr>
+          </a:p>
+          <a:p>
+            <a:pPr marL="0" indent="0">
+              <a:lnSpc>
+                <a:spcPct val="80000"/>
+              </a:lnSpc>
+              <a:spcBef>
+                <a:spcPts val="0"/>
+              </a:spcBef>
+              <a:buFont typeface="Noto Sans Symbols"/>
+              <a:buNone/>
+            </a:pPr>
+            <a:r>
+              <a:rPr lang="en-US" sz="2800" dirty="0">
+                <a:solidFill>
+                  <a:srgbClr val="FFFFFF"/>
+                </a:solidFill>
+              </a:rPr>
+              <a:t>2 clusters:</a:t>
+            </a:r>
+            <a:endParaRPr lang="en-US" sz="3200" dirty="0"/>
+          </a:p>
+          <a:p>
+            <a:pPr marL="0" indent="0">
+              <a:lnSpc>
+                <a:spcPct val="80000"/>
+              </a:lnSpc>
+              <a:spcBef>
+                <a:spcPts val="0"/>
+              </a:spcBef>
+              <a:buFont typeface="Noto Sans Symbols"/>
+              <a:buNone/>
+            </a:pPr>
+            <a:endParaRPr lang="en-US" sz="1600" dirty="0">
+              <a:solidFill>
+                <a:srgbClr val="FFFFFF"/>
+              </a:solidFill>
+            </a:endParaRPr>
+          </a:p>
+          <a:p>
+            <a:pPr marL="0" indent="0">
+              <a:lnSpc>
+                <a:spcPct val="80000"/>
+              </a:lnSpc>
+              <a:spcBef>
+                <a:spcPts val="0"/>
+              </a:spcBef>
+              <a:buFont typeface="Noto Sans Symbols"/>
+              <a:buNone/>
+            </a:pPr>
+            <a:endParaRPr lang="en-US" sz="1600" dirty="0">
+              <a:solidFill>
+                <a:srgbClr val="FFFFFF"/>
+              </a:solidFill>
+            </a:endParaRPr>
+          </a:p>
+        </p:txBody>
+      </p:sp>
+      <p:pic>
+        <p:nvPicPr>
+          <p:cNvPr id="3" name="Picture 2" descr="A picture containing implement, pencil&#10;&#10;Description automatically generated">
+            <a:extLst>
+              <a:ext uri="{FF2B5EF4-FFF2-40B4-BE49-F238E27FC236}">
+                <a16:creationId xmlns:a16="http://schemas.microsoft.com/office/drawing/2014/main" id="{C2CCFFA5-CAEA-4140-B1AB-216FE7498AD0}"/>
+              </a:ext>
+            </a:extLst>
+          </p:cNvPr>
+          <p:cNvPicPr>
+            <a:picLocks noChangeAspect="1"/>
+          </p:cNvPicPr>
+          <p:nvPr/>
+        </p:nvPicPr>
+        <p:blipFill>
+          <a:blip r:embed="rId3"/>
+          <a:stretch>
+            <a:fillRect/>
+          </a:stretch>
+        </p:blipFill>
+        <p:spPr>
+          <a:xfrm>
+            <a:off x="3684114" y="1589085"/>
+            <a:ext cx="8174281" cy="4500819"/>
+          </a:xfrm>
+          <a:prstGeom prst="rect">
+            <a:avLst/>
+          </a:prstGeom>
+        </p:spPr>
+      </p:pic>
     </p:spTree>
+    <p:extLst>
+      <p:ext uri="{BB962C8B-B14F-4D97-AF65-F5344CB8AC3E}">
+        <p14:creationId xmlns:p14="http://schemas.microsoft.com/office/powerpoint/2010/main" val="3271583009"/>
+      </p:ext>
+    </p:extLst>
   </p:cSld>
   <p:clrMapOvr>
     <a:masterClrMapping/>
@@ -18247,7 +22722,7 @@
   <p:cSld>
     <p:spTree>
       <p:nvGrpSpPr>
-        <p:cNvPr id="1" name="Shape 132"/>
+        <p:cNvPr id="1" name="Shape 100"/>
         <p:cNvGrpSpPr/>
         <p:nvPr/>
       </p:nvGrpSpPr>
@@ -18259,24 +22734,132 @@
           <a:chExt cx="0" cy="0"/>
         </a:xfrm>
       </p:grpSpPr>
-      <p:pic>
-        <p:nvPicPr>
-          <p:cNvPr id="133" name="Google Shape;133;g801308ffce_0_0"/>
-          <p:cNvPicPr preferRelativeResize="0"/>
+      <p:sp>
+        <p:nvSpPr>
+          <p:cNvPr id="101" name="Google Shape;101;p3"/>
+          <p:cNvSpPr/>
           <p:nvPr/>
-        </p:nvPicPr>
-        <p:blipFill>
-          <a:blip r:embed="rId3">
-            <a:alphaModFix/>
-          </a:blip>
-          <a:stretch>
-            <a:fillRect/>
-          </a:stretch>
-        </p:blipFill>
+        </p:nvSpPr>
         <p:spPr>
           <a:xfrm>
-            <a:off x="992100" y="167400"/>
-            <a:ext cx="10044077" cy="6266799"/>
+            <a:off x="0" y="-5475"/>
+            <a:ext cx="12192000" cy="6858000"/>
+          </a:xfrm>
+          <a:prstGeom prst="rect">
+            <a:avLst/>
+          </a:prstGeom>
+          <a:solidFill>
+            <a:schemeClr val="lt1"/>
+          </a:solidFill>
+          <a:ln>
+            <a:noFill/>
+          </a:ln>
+        </p:spPr>
+        <p:txBody>
+          <a:bodyPr spcFirstLastPara="1" wrap="square" lIns="91425" tIns="45700" rIns="91425" bIns="45700" anchor="ctr" anchorCtr="0">
+            <a:noAutofit/>
+          </a:bodyPr>
+          <a:lstStyle/>
+          <a:p>
+            <a:pPr marL="0" marR="0" lvl="0" indent="0" algn="ctr" rtl="0">
+              <a:lnSpc>
+                <a:spcPct val="100000"/>
+              </a:lnSpc>
+              <a:spcBef>
+                <a:spcPts val="0"/>
+              </a:spcBef>
+              <a:spcAft>
+                <a:spcPts val="0"/>
+              </a:spcAft>
+              <a:buClr>
+                <a:srgbClr val="000000"/>
+              </a:buClr>
+              <a:buSzPts val="1800"/>
+              <a:buFont typeface="Arial"/>
+              <a:buNone/>
+            </a:pPr>
+            <a:endParaRPr sz="1800" b="0" i="0" u="none" strike="noStrike" cap="none">
+              <a:solidFill>
+                <a:schemeClr val="lt1"/>
+              </a:solidFill>
+              <a:latin typeface="Corbel"/>
+              <a:ea typeface="Corbel"/>
+              <a:cs typeface="Corbel"/>
+              <a:sym typeface="Corbel"/>
+            </a:endParaRPr>
+          </a:p>
+        </p:txBody>
+      </p:sp>
+      <p:sp>
+        <p:nvSpPr>
+          <p:cNvPr id="102" name="Google Shape;102;p3"/>
+          <p:cNvSpPr/>
+          <p:nvPr/>
+        </p:nvSpPr>
+        <p:spPr>
+          <a:xfrm>
+            <a:off x="-1" y="758953"/>
+            <a:ext cx="3577575" cy="5330952"/>
+          </a:xfrm>
+          <a:prstGeom prst="rect">
+            <a:avLst/>
+          </a:prstGeom>
+          <a:solidFill>
+            <a:schemeClr val="accent1"/>
+          </a:solidFill>
+          <a:ln>
+            <a:noFill/>
+          </a:ln>
+        </p:spPr>
+        <p:txBody>
+          <a:bodyPr spcFirstLastPara="1" wrap="square" lIns="91425" tIns="91425" rIns="91425" bIns="91425" anchor="ctr" anchorCtr="0">
+            <a:noAutofit/>
+          </a:bodyPr>
+          <a:lstStyle/>
+          <a:p>
+            <a:pPr marL="0" marR="0" lvl="0" indent="0" algn="l" rtl="0">
+              <a:lnSpc>
+                <a:spcPct val="100000"/>
+              </a:lnSpc>
+              <a:spcBef>
+                <a:spcPts val="0"/>
+              </a:spcBef>
+              <a:spcAft>
+                <a:spcPts val="0"/>
+              </a:spcAft>
+              <a:buClr>
+                <a:srgbClr val="000000"/>
+              </a:buClr>
+              <a:buSzPts val="1400"/>
+              <a:buFont typeface="Arial"/>
+              <a:buNone/>
+            </a:pPr>
+            <a:endParaRPr sz="1400" b="0" i="0" u="none" strike="noStrike" cap="none">
+              <a:solidFill>
+                <a:srgbClr val="000000"/>
+              </a:solidFill>
+              <a:latin typeface="Arial"/>
+              <a:ea typeface="Arial"/>
+              <a:cs typeface="Arial"/>
+              <a:sym typeface="Arial"/>
+            </a:endParaRPr>
+          </a:p>
+        </p:txBody>
+      </p:sp>
+      <p:sp>
+        <p:nvSpPr>
+          <p:cNvPr id="103" name="Google Shape;103;p3"/>
+          <p:cNvSpPr txBox="1">
+            <a:spLocks noGrp="1"/>
+          </p:cNvSpPr>
+          <p:nvPr>
+            <p:ph type="title"/>
+          </p:nvPr>
+        </p:nvSpPr>
+        <p:spPr>
+          <a:xfrm>
+            <a:off x="252919" y="1123837"/>
+            <a:ext cx="2947482" cy="1038177"/>
           </a:xfrm>
           <a:prstGeom prst="rect">
             <a:avLst/>
@@ -18286,8 +22869,512 @@
             <a:noFill/>
           </a:ln>
         </p:spPr>
+        <p:txBody>
+          <a:bodyPr spcFirstLastPara="1" wrap="square" lIns="91425" tIns="45700" rIns="91425" bIns="45700" anchor="b" anchorCtr="0">
+            <a:noAutofit/>
+          </a:bodyPr>
+          <a:lstStyle/>
+          <a:p>
+            <a:pPr marL="0" lvl="0" indent="0" algn="l" rtl="0">
+              <a:lnSpc>
+                <a:spcPct val="90000"/>
+              </a:lnSpc>
+              <a:spcBef>
+                <a:spcPts val="0"/>
+              </a:spcBef>
+              <a:spcAft>
+                <a:spcPts val="0"/>
+              </a:spcAft>
+              <a:buClr>
+                <a:srgbClr val="FFFFFF"/>
+              </a:buClr>
+              <a:buSzPts val="2160"/>
+              <a:buFont typeface="Corbel"/>
+              <a:buNone/>
+            </a:pPr>
+            <a:r>
+              <a:rPr lang="nl-NL" sz="3200" dirty="0"/>
+              <a:t>The first and last years</a:t>
+            </a:r>
+            <a:endParaRPr sz="4800" dirty="0"/>
+          </a:p>
+        </p:txBody>
+      </p:sp>
+      <p:sp>
+        <p:nvSpPr>
+          <p:cNvPr id="105" name="Google Shape;105;p3"/>
+          <p:cNvSpPr/>
+          <p:nvPr/>
+        </p:nvSpPr>
+        <p:spPr>
+          <a:xfrm>
+            <a:off x="11815864" y="758952"/>
+            <a:ext cx="384048" cy="5330952"/>
+          </a:xfrm>
+          <a:prstGeom prst="rect">
+            <a:avLst/>
+          </a:prstGeom>
+          <a:solidFill>
+            <a:srgbClr val="C8C8C8">
+              <a:alpha val="48627"/>
+            </a:srgbClr>
+          </a:solidFill>
+          <a:ln>
+            <a:noFill/>
+          </a:ln>
+        </p:spPr>
+        <p:txBody>
+          <a:bodyPr spcFirstLastPara="1" wrap="square" lIns="91425" tIns="91425" rIns="91425" bIns="91425" anchor="ctr" anchorCtr="0">
+            <a:noAutofit/>
+          </a:bodyPr>
+          <a:lstStyle/>
+          <a:p>
+            <a:pPr marL="0" marR="0" lvl="0" indent="0" algn="l" rtl="0">
+              <a:lnSpc>
+                <a:spcPct val="100000"/>
+              </a:lnSpc>
+              <a:spcBef>
+                <a:spcPts val="0"/>
+              </a:spcBef>
+              <a:spcAft>
+                <a:spcPts val="0"/>
+              </a:spcAft>
+              <a:buClr>
+                <a:srgbClr val="000000"/>
+              </a:buClr>
+              <a:buSzPts val="1400"/>
+              <a:buFont typeface="Arial"/>
+              <a:buNone/>
+            </a:pPr>
+            <a:endParaRPr sz="1400" b="0" i="0" u="none" strike="noStrike" cap="none">
+              <a:solidFill>
+                <a:srgbClr val="000000"/>
+              </a:solidFill>
+              <a:latin typeface="Arial"/>
+              <a:ea typeface="Arial"/>
+              <a:cs typeface="Arial"/>
+              <a:sym typeface="Arial"/>
+            </a:endParaRPr>
+          </a:p>
+        </p:txBody>
+      </p:sp>
+      <p:sp>
+        <p:nvSpPr>
+          <p:cNvPr id="9" name="Google Shape;104;p3"/>
+          <p:cNvSpPr txBox="1">
+            <a:spLocks/>
+          </p:cNvSpPr>
+          <p:nvPr/>
+        </p:nvSpPr>
+        <p:spPr>
+          <a:xfrm>
+            <a:off x="252919" y="2162014"/>
+            <a:ext cx="2947482" cy="3744264"/>
+          </a:xfrm>
+          <a:prstGeom prst="rect">
+            <a:avLst/>
+          </a:prstGeom>
+          <a:noFill/>
+          <a:ln>
+            <a:noFill/>
+          </a:ln>
+        </p:spPr>
+        <p:txBody>
+          <a:bodyPr spcFirstLastPara="1" wrap="square" lIns="91425" tIns="45700" rIns="91425" bIns="45700" anchor="t" anchorCtr="0">
+            <a:noAutofit/>
+          </a:bodyPr>
+          <a:lstStyle>
+            <a:defPPr marR="0" lvl="0" algn="l" rtl="0">
+              <a:lnSpc>
+                <a:spcPct val="100000"/>
+              </a:lnSpc>
+              <a:spcBef>
+                <a:spcPts val="0"/>
+              </a:spcBef>
+              <a:spcAft>
+                <a:spcPts val="0"/>
+              </a:spcAft>
+            </a:defPPr>
+            <a:lvl1pPr marL="457200" marR="0" lvl="0" indent="-342900" algn="l" rtl="0">
+              <a:lnSpc>
+                <a:spcPct val="90000"/>
+              </a:lnSpc>
+              <a:spcBef>
+                <a:spcPts val="1200"/>
+              </a:spcBef>
+              <a:spcAft>
+                <a:spcPts val="0"/>
+              </a:spcAft>
+              <a:buClr>
+                <a:schemeClr val="accent1"/>
+              </a:buClr>
+              <a:buSzPts val="1800"/>
+              <a:buFont typeface="Noto Sans Symbols"/>
+              <a:buChar char="●"/>
+              <a:defRPr sz="2000" b="0" i="0" u="none" strike="noStrike" cap="none">
+                <a:solidFill>
+                  <a:srgbClr val="595959"/>
+                </a:solidFill>
+                <a:latin typeface="Corbel"/>
+                <a:ea typeface="Corbel"/>
+                <a:cs typeface="Corbel"/>
+                <a:sym typeface="Corbel"/>
+              </a:defRPr>
+            </a:lvl1pPr>
+            <a:lvl2pPr marL="914400" marR="0" lvl="1" indent="-342900" algn="l" rtl="0">
+              <a:lnSpc>
+                <a:spcPct val="90000"/>
+              </a:lnSpc>
+              <a:spcBef>
+                <a:spcPts val="250"/>
+              </a:spcBef>
+              <a:spcAft>
+                <a:spcPts val="0"/>
+              </a:spcAft>
+              <a:buClr>
+                <a:schemeClr val="accent1"/>
+              </a:buClr>
+              <a:buSzPts val="1800"/>
+              <a:buFont typeface="Noto Sans Symbols"/>
+              <a:buChar char="●"/>
+              <a:defRPr sz="1800" b="0" i="0" u="none" strike="noStrike" cap="none">
+                <a:solidFill>
+                  <a:srgbClr val="595959"/>
+                </a:solidFill>
+                <a:latin typeface="Corbel"/>
+                <a:ea typeface="Corbel"/>
+                <a:cs typeface="Corbel"/>
+                <a:sym typeface="Corbel"/>
+              </a:defRPr>
+            </a:lvl2pPr>
+            <a:lvl3pPr marL="1371600" marR="0" lvl="2" indent="-342900" algn="l" rtl="0">
+              <a:lnSpc>
+                <a:spcPct val="90000"/>
+              </a:lnSpc>
+              <a:spcBef>
+                <a:spcPts val="250"/>
+              </a:spcBef>
+              <a:spcAft>
+                <a:spcPts val="0"/>
+              </a:spcAft>
+              <a:buClr>
+                <a:schemeClr val="accent1"/>
+              </a:buClr>
+              <a:buSzPts val="1800"/>
+              <a:buFont typeface="Noto Sans Symbols"/>
+              <a:buChar char="●"/>
+              <a:defRPr sz="1600" b="0" i="0" u="none" strike="noStrike" cap="none">
+                <a:solidFill>
+                  <a:srgbClr val="595959"/>
+                </a:solidFill>
+                <a:latin typeface="Corbel"/>
+                <a:ea typeface="Corbel"/>
+                <a:cs typeface="Corbel"/>
+                <a:sym typeface="Corbel"/>
+              </a:defRPr>
+            </a:lvl3pPr>
+            <a:lvl4pPr marL="1828800" marR="0" lvl="3" indent="-342900" algn="l" rtl="0">
+              <a:lnSpc>
+                <a:spcPct val="90000"/>
+              </a:lnSpc>
+              <a:spcBef>
+                <a:spcPts val="250"/>
+              </a:spcBef>
+              <a:spcAft>
+                <a:spcPts val="0"/>
+              </a:spcAft>
+              <a:buClr>
+                <a:schemeClr val="accent1"/>
+              </a:buClr>
+              <a:buSzPts val="1800"/>
+              <a:buFont typeface="Noto Sans Symbols"/>
+              <a:buChar char="●"/>
+              <a:defRPr sz="1400" b="0" i="0" u="none" strike="noStrike" cap="none">
+                <a:solidFill>
+                  <a:srgbClr val="595959"/>
+                </a:solidFill>
+                <a:latin typeface="Corbel"/>
+                <a:ea typeface="Corbel"/>
+                <a:cs typeface="Corbel"/>
+                <a:sym typeface="Corbel"/>
+              </a:defRPr>
+            </a:lvl4pPr>
+            <a:lvl5pPr marL="2286000" marR="0" lvl="4" indent="-342900" algn="l" rtl="0">
+              <a:lnSpc>
+                <a:spcPct val="90000"/>
+              </a:lnSpc>
+              <a:spcBef>
+                <a:spcPts val="250"/>
+              </a:spcBef>
+              <a:spcAft>
+                <a:spcPts val="0"/>
+              </a:spcAft>
+              <a:buClr>
+                <a:schemeClr val="accent1"/>
+              </a:buClr>
+              <a:buSzPts val="1800"/>
+              <a:buFont typeface="Noto Sans Symbols"/>
+              <a:buChar char="●"/>
+              <a:defRPr sz="1400" b="0" i="0" u="none" strike="noStrike" cap="none">
+                <a:solidFill>
+                  <a:srgbClr val="595959"/>
+                </a:solidFill>
+                <a:latin typeface="Corbel"/>
+                <a:ea typeface="Corbel"/>
+                <a:cs typeface="Corbel"/>
+                <a:sym typeface="Corbel"/>
+              </a:defRPr>
+            </a:lvl5pPr>
+            <a:lvl6pPr marL="2743200" marR="0" lvl="5" indent="-342900" algn="l" rtl="0">
+              <a:lnSpc>
+                <a:spcPct val="90000"/>
+              </a:lnSpc>
+              <a:spcBef>
+                <a:spcPts val="250"/>
+              </a:spcBef>
+              <a:spcAft>
+                <a:spcPts val="0"/>
+              </a:spcAft>
+              <a:buClr>
+                <a:schemeClr val="accent1"/>
+              </a:buClr>
+              <a:buSzPts val="1800"/>
+              <a:buFont typeface="Noto Sans Symbols"/>
+              <a:buChar char="●"/>
+              <a:defRPr sz="1400" b="0" i="0" u="none" strike="noStrike" cap="none">
+                <a:solidFill>
+                  <a:srgbClr val="595959"/>
+                </a:solidFill>
+                <a:latin typeface="Corbel"/>
+                <a:ea typeface="Corbel"/>
+                <a:cs typeface="Corbel"/>
+                <a:sym typeface="Corbel"/>
+              </a:defRPr>
+            </a:lvl6pPr>
+            <a:lvl7pPr marL="3200400" marR="0" lvl="6" indent="-342900" algn="l" rtl="0">
+              <a:lnSpc>
+                <a:spcPct val="90000"/>
+              </a:lnSpc>
+              <a:spcBef>
+                <a:spcPts val="250"/>
+              </a:spcBef>
+              <a:spcAft>
+                <a:spcPts val="0"/>
+              </a:spcAft>
+              <a:buClr>
+                <a:schemeClr val="accent1"/>
+              </a:buClr>
+              <a:buSzPts val="1800"/>
+              <a:buFont typeface="Noto Sans Symbols"/>
+              <a:buChar char="●"/>
+              <a:defRPr sz="1400" b="0" i="0" u="none" strike="noStrike" cap="none">
+                <a:solidFill>
+                  <a:srgbClr val="595959"/>
+                </a:solidFill>
+                <a:latin typeface="Corbel"/>
+                <a:ea typeface="Corbel"/>
+                <a:cs typeface="Corbel"/>
+                <a:sym typeface="Corbel"/>
+              </a:defRPr>
+            </a:lvl7pPr>
+            <a:lvl8pPr marL="3657600" marR="0" lvl="7" indent="-342900" algn="l" rtl="0">
+              <a:lnSpc>
+                <a:spcPct val="90000"/>
+              </a:lnSpc>
+              <a:spcBef>
+                <a:spcPts val="250"/>
+              </a:spcBef>
+              <a:spcAft>
+                <a:spcPts val="0"/>
+              </a:spcAft>
+              <a:buClr>
+                <a:schemeClr val="accent1"/>
+              </a:buClr>
+              <a:buSzPts val="1800"/>
+              <a:buFont typeface="Noto Sans Symbols"/>
+              <a:buChar char="●"/>
+              <a:defRPr sz="1400" b="0" i="0" u="none" strike="noStrike" cap="none">
+                <a:solidFill>
+                  <a:srgbClr val="595959"/>
+                </a:solidFill>
+                <a:latin typeface="Corbel"/>
+                <a:ea typeface="Corbel"/>
+                <a:cs typeface="Corbel"/>
+                <a:sym typeface="Corbel"/>
+              </a:defRPr>
+            </a:lvl8pPr>
+            <a:lvl9pPr marL="4114800" marR="0" lvl="8" indent="-342900" algn="l" rtl="0">
+              <a:lnSpc>
+                <a:spcPct val="90000"/>
+              </a:lnSpc>
+              <a:spcBef>
+                <a:spcPts val="250"/>
+              </a:spcBef>
+              <a:spcAft>
+                <a:spcPts val="250"/>
+              </a:spcAft>
+              <a:buClr>
+                <a:schemeClr val="accent1"/>
+              </a:buClr>
+              <a:buSzPts val="1800"/>
+              <a:buFont typeface="Noto Sans Symbols"/>
+              <a:buChar char="●"/>
+              <a:defRPr sz="1400" b="0" i="0" u="none" strike="noStrike" cap="none">
+                <a:solidFill>
+                  <a:srgbClr val="595959"/>
+                </a:solidFill>
+                <a:latin typeface="Corbel"/>
+                <a:ea typeface="Corbel"/>
+                <a:cs typeface="Corbel"/>
+                <a:sym typeface="Corbel"/>
+              </a:defRPr>
+            </a:lvl9pPr>
+          </a:lstStyle>
+          <a:p>
+            <a:pPr marL="0" indent="0">
+              <a:lnSpc>
+                <a:spcPct val="80000"/>
+              </a:lnSpc>
+              <a:spcBef>
+                <a:spcPts val="0"/>
+              </a:spcBef>
+              <a:buNone/>
+            </a:pPr>
+            <a:r>
+              <a:rPr lang="en-US" sz="1600" dirty="0">
+                <a:solidFill>
+                  <a:srgbClr val="FFFFFF"/>
+                </a:solidFill>
+              </a:rPr>
+              <a:t>In order to see how climate change influences  the composition of the clusters, we looked at what part of the days goes to what cluster</a:t>
+            </a:r>
+          </a:p>
+          <a:p>
+            <a:pPr marL="0" indent="0">
+              <a:lnSpc>
+                <a:spcPct val="80000"/>
+              </a:lnSpc>
+              <a:spcBef>
+                <a:spcPts val="0"/>
+              </a:spcBef>
+              <a:buFont typeface="Noto Sans Symbols"/>
+              <a:buNone/>
+            </a:pPr>
+            <a:endParaRPr lang="en-US" sz="1600" dirty="0">
+              <a:solidFill>
+                <a:srgbClr val="FFFFFF"/>
+              </a:solidFill>
+            </a:endParaRPr>
+          </a:p>
+          <a:p>
+            <a:pPr marL="0" indent="0">
+              <a:lnSpc>
+                <a:spcPct val="80000"/>
+              </a:lnSpc>
+              <a:spcBef>
+                <a:spcPts val="0"/>
+              </a:spcBef>
+              <a:buFont typeface="Noto Sans Symbols"/>
+              <a:buNone/>
+            </a:pPr>
+            <a:endParaRPr lang="en-US" sz="1600" dirty="0">
+              <a:solidFill>
+                <a:srgbClr val="FFFFFF"/>
+              </a:solidFill>
+            </a:endParaRPr>
+          </a:p>
+          <a:p>
+            <a:pPr marL="0" indent="0">
+              <a:lnSpc>
+                <a:spcPct val="80000"/>
+              </a:lnSpc>
+              <a:spcBef>
+                <a:spcPts val="0"/>
+              </a:spcBef>
+              <a:buFont typeface="Noto Sans Symbols"/>
+              <a:buNone/>
+            </a:pPr>
+            <a:r>
+              <a:rPr lang="en-US" sz="2800" dirty="0">
+                <a:solidFill>
+                  <a:srgbClr val="FFFFFF"/>
+                </a:solidFill>
+              </a:rPr>
+              <a:t>3 clusters:</a:t>
+            </a:r>
+            <a:endParaRPr lang="en-US" sz="3200" dirty="0"/>
+          </a:p>
+          <a:p>
+            <a:pPr marL="0" indent="0">
+              <a:lnSpc>
+                <a:spcPct val="80000"/>
+              </a:lnSpc>
+              <a:spcBef>
+                <a:spcPts val="0"/>
+              </a:spcBef>
+              <a:buFont typeface="Noto Sans Symbols"/>
+              <a:buNone/>
+            </a:pPr>
+            <a:endParaRPr lang="en-US" sz="1600" dirty="0">
+              <a:solidFill>
+                <a:srgbClr val="FFFFFF"/>
+              </a:solidFill>
+            </a:endParaRPr>
+          </a:p>
+          <a:p>
+            <a:pPr marL="0" indent="0">
+              <a:lnSpc>
+                <a:spcPct val="80000"/>
+              </a:lnSpc>
+              <a:spcBef>
+                <a:spcPts val="0"/>
+              </a:spcBef>
+              <a:buFont typeface="Noto Sans Symbols"/>
+              <a:buNone/>
+            </a:pPr>
+            <a:endParaRPr lang="en-US" sz="1600" dirty="0">
+              <a:solidFill>
+                <a:srgbClr val="FFFFFF"/>
+              </a:solidFill>
+            </a:endParaRPr>
+          </a:p>
+        </p:txBody>
+      </p:sp>
+      <p:pic>
+        <p:nvPicPr>
+          <p:cNvPr id="3" name="Picture 2">
+            <a:extLst>
+              <a:ext uri="{FF2B5EF4-FFF2-40B4-BE49-F238E27FC236}">
+                <a16:creationId xmlns:a16="http://schemas.microsoft.com/office/drawing/2014/main" id="{C2CCFFA5-CAEA-4140-B1AB-216FE7498AD0}"/>
+              </a:ext>
+            </a:extLst>
+          </p:cNvPr>
+          <p:cNvPicPr>
+            <a:picLocks noChangeAspect="1"/>
+          </p:cNvPicPr>
+          <p:nvPr/>
+        </p:nvPicPr>
+        <p:blipFill>
+          <a:blip r:embed="rId3"/>
+          <a:srcRect/>
+          <a:stretch/>
+        </p:blipFill>
+        <p:spPr>
+          <a:xfrm>
+            <a:off x="3713898" y="1589085"/>
+            <a:ext cx="8114712" cy="4500819"/>
+          </a:xfrm>
+          <a:prstGeom prst="rect">
+            <a:avLst/>
+          </a:prstGeom>
+        </p:spPr>
       </p:pic>
     </p:spTree>
+    <p:extLst>
+      <p:ext uri="{BB962C8B-B14F-4D97-AF65-F5344CB8AC3E}">
+        <p14:creationId xmlns:p14="http://schemas.microsoft.com/office/powerpoint/2010/main" val="2270173235"/>
+      </p:ext>
+    </p:extLst>
   </p:cSld>
   <p:clrMapOvr>
     <a:masterClrMapping/>

--- a/Presentations/Climate Change project update week 3 copy simon.pptx
+++ b/Presentations/Climate Change project update week 3 copy simon.pptx
@@ -273,7 +273,7 @@
       <p15:sldGuideLst xmlns:p15="http://schemas.microsoft.com/office/powerpoint/2012/main"/>
     </p:ext>
     <p:ext uri="http://customooxmlschemas.google.com/">
-      <go:slidesCustomData xmlns:go="http://customooxmlschemas.google.com/" xmlns:p15="http://schemas.microsoft.com/office/powerpoint/2012/main" xmlns:p14="http://schemas.microsoft.com/office/powerpoint/2010/main" xmlns:com="http://schemas.openxmlformats.org/drawingml/2006/compatibility" xmlns:pvml="urn:schemas-microsoft-com:office:powerpoint" xmlns:v="urn:schemas-microsoft-com:vml" xmlns:o="urn:schemas-microsoft-com:office:office" xmlns:dgm="http://schemas.openxmlformats.org/drawingml/2006/diagram" xmlns:c="http://schemas.openxmlformats.org/drawingml/2006/chart" xmlns:mv="urn:schemas-microsoft-com:mac:vml" xmlns:mc="http://schemas.openxmlformats.org/markup-compatibility/2006" xmlns="" r:id="rId26" roundtripDataSignature="AMtx7mgUs7OCuu4njwz6q0A3s4QfhZ5RLA=="/>
+      <go:slidesCustomData xmlns="" xmlns:mc="http://schemas.openxmlformats.org/markup-compatibility/2006" xmlns:mv="urn:schemas-microsoft-com:mac:vml" xmlns:c="http://schemas.openxmlformats.org/drawingml/2006/chart" xmlns:dgm="http://schemas.openxmlformats.org/drawingml/2006/diagram" xmlns:o="urn:schemas-microsoft-com:office:office" xmlns:v="urn:schemas-microsoft-com:vml" xmlns:pvml="urn:schemas-microsoft-com:office:powerpoint" xmlns:com="http://schemas.openxmlformats.org/drawingml/2006/compatibility" xmlns:p14="http://schemas.microsoft.com/office/powerpoint/2010/main" xmlns:p15="http://schemas.microsoft.com/office/powerpoint/2012/main" xmlns:go="http://customooxmlschemas.google.com/" r:id="rId26" roundtripDataSignature="AMtx7mgUs7OCuu4njwz6q0A3s4QfhZ5RLA=="/>
     </p:ext>
   </p:extLst>
 </p:presentation>
@@ -19036,10 +19036,10 @@
               <a:buChar char="●"/>
             </a:pPr>
             <a:r>
-              <a:rPr lang="nl-NL"/>
+              <a:rPr lang="nl-NL" dirty="0"/>
               <a:t>To do: Generalize this to different models and compare performances as well as to play around with the training set size (e.g. only having the first 100 days poses a bigger challenge since the network never gets to see certain months)</a:t>
             </a:r>
-            <a:endParaRPr/>
+            <a:endParaRPr dirty="0"/>
           </a:p>
           <a:p>
             <a:pPr marL="457200" lvl="0" indent="-342900" algn="l" rtl="0">
@@ -19056,10 +19056,10 @@
               <a:buChar char="●"/>
             </a:pPr>
             <a:r>
-              <a:rPr lang="nl-NL"/>
+              <a:rPr lang="nl-NL" dirty="0"/>
               <a:t>Questions that arise here: How to make the task more challenging? What other predictions could be useful in this context?</a:t>
             </a:r>
-            <a:endParaRPr/>
+            <a:endParaRPr dirty="0"/>
           </a:p>
         </p:txBody>
       </p:sp>
@@ -21367,7 +21367,7 @@
                   <a:srgbClr val="FFFFFF"/>
                 </a:solidFill>
               </a:rPr>
-              <a:t>2 Clusters</a:t>
+              <a:t>3 Clusters</a:t>
             </a:r>
           </a:p>
         </p:txBody>
